--- a/Slides/Module 5 - Jinja Layouts.pptx
+++ b/Slides/Module 5 - Jinja Layouts.pptx
@@ -5,10 +5,10 @@
     <p:sldMasterId id="2147483660" r:id="rId4"/>
   </p:sldMasterIdLst>
   <p:notesMasterIdLst>
-    <p:notesMasterId r:id="rId23"/>
+    <p:notesMasterId r:id="rId27"/>
   </p:notesMasterIdLst>
   <p:handoutMasterIdLst>
-    <p:handoutMasterId r:id="rId24"/>
+    <p:handoutMasterId r:id="rId28"/>
   </p:handoutMasterIdLst>
   <p:sldIdLst>
     <p:sldId id="277" r:id="rId5"/>
@@ -22,13 +22,17 @@
     <p:sldId id="289" r:id="rId13"/>
     <p:sldId id="290" r:id="rId14"/>
     <p:sldId id="291" r:id="rId15"/>
-    <p:sldId id="292" r:id="rId16"/>
-    <p:sldId id="293" r:id="rId17"/>
-    <p:sldId id="295" r:id="rId18"/>
-    <p:sldId id="296" r:id="rId19"/>
-    <p:sldId id="297" r:id="rId20"/>
-    <p:sldId id="298" r:id="rId21"/>
-    <p:sldId id="285" r:id="rId22"/>
+    <p:sldId id="299" r:id="rId16"/>
+    <p:sldId id="292" r:id="rId17"/>
+    <p:sldId id="303" r:id="rId18"/>
+    <p:sldId id="293" r:id="rId19"/>
+    <p:sldId id="295" r:id="rId20"/>
+    <p:sldId id="296" r:id="rId21"/>
+    <p:sldId id="300" r:id="rId22"/>
+    <p:sldId id="301" r:id="rId23"/>
+    <p:sldId id="302" r:id="rId24"/>
+    <p:sldId id="298" r:id="rId25"/>
+    <p:sldId id="285" r:id="rId26"/>
   </p:sldIdLst>
   <p:sldSz cx="12192000" cy="6858000"/>
   <p:notesSz cx="6858000" cy="9144000"/>
@@ -220,7 +224,7 @@
           <a:p>
             <a:fld id="{312E7B4A-039C-48A2-9B2C-AF16AA3873D8}" type="datetimeFigureOut">
               <a:rPr lang="en-US" smtClean="0"/>
-              <a:t>2/9/2015</a:t>
+              <a:t>2/16/2015</a:t>
             </a:fld>
             <a:endParaRPr lang="en-US"/>
           </a:p>
@@ -385,7 +389,7 @@
           <a:p>
             <a:fld id="{DA005A0C-54D9-45AA-87D4-C551D08DFCE1}" type="datetimeFigureOut">
               <a:rPr lang="en-US" smtClean="0"/>
-              <a:t>2/9/2015</a:t>
+              <a:t>2/16/2015</a:t>
             </a:fld>
             <a:endParaRPr lang="en-US"/>
           </a:p>
@@ -3607,19 +3611,7 @@
             <a:pPr marL="914400" indent="-914400"/>
             <a:r>
               <a:rPr lang="en-US" dirty="0" smtClean="0"/>
-              <a:t>05 </a:t>
-            </a:r>
-            <a:r>
-              <a:rPr lang="en-US" dirty="0" smtClean="0"/>
-              <a:t>| </a:t>
-            </a:r>
-            <a:r>
-              <a:rPr lang="en-US" dirty="0" err="1" smtClean="0"/>
-              <a:t>Jinja</a:t>
-            </a:r>
-            <a:r>
-              <a:rPr lang="en-US" dirty="0" smtClean="0"/>
-              <a:t> Layouts</a:t>
+              <a:t>05 | Layouts in Jinja</a:t>
             </a:r>
             <a:endParaRPr lang="en-US" dirty="0"/>
           </a:p>
@@ -3799,13 +3791,13 @@
         </p:spPr>
         <p:style>
           <a:lnRef idx="1">
-            <a:schemeClr val="accent1"/>
+            <a:schemeClr val="accent4"/>
           </a:lnRef>
           <a:fillRef idx="2">
-            <a:schemeClr val="accent1"/>
+            <a:schemeClr val="accent4"/>
           </a:fillRef>
           <a:effectRef idx="1">
-            <a:schemeClr val="accent1"/>
+            <a:schemeClr val="accent4"/>
           </a:effectRef>
           <a:fontRef idx="minor">
             <a:schemeClr val="dk1"/>
@@ -5089,7 +5081,7 @@
           <a:p>
             <a:r>
               <a:rPr lang="en-US" dirty="0" smtClean="0"/>
-              <a:t>Template syntax</a:t>
+              <a:t>The base template (or parent)</a:t>
             </a:r>
             <a:endParaRPr lang="en-US" dirty="0"/>
           </a:p>
@@ -5097,306 +5089,511 @@
       </p:sp>
       <p:sp>
         <p:nvSpPr>
-          <p:cNvPr id="3" name="Content Placeholder 2"/>
-          <p:cNvSpPr>
-            <a:spLocks noGrp="1"/>
-          </p:cNvSpPr>
-          <p:nvPr>
-            <p:ph sz="quarter" idx="10"/>
-          </p:nvPr>
-        </p:nvSpPr>
-        <p:spPr/>
-        <p:txBody>
-          <a:bodyPr>
-            <a:normAutofit lnSpcReduction="10000"/>
+          <p:cNvPr id="4" name="Rectangle 3"/>
+          <p:cNvSpPr/>
+          <p:nvPr/>
+        </p:nvSpPr>
+        <p:spPr>
+          <a:xfrm>
+            <a:off x="7176678" y="1504078"/>
+            <a:ext cx="3893270" cy="4279770"/>
+          </a:xfrm>
+          <a:prstGeom prst="rect">
+            <a:avLst/>
+          </a:prstGeom>
+        </p:spPr>
+        <p:style>
+          <a:lnRef idx="2">
+            <a:schemeClr val="accent1"/>
+          </a:lnRef>
+          <a:fillRef idx="1">
+            <a:schemeClr val="lt1"/>
+          </a:fillRef>
+          <a:effectRef idx="0">
+            <a:schemeClr val="accent1"/>
+          </a:effectRef>
+          <a:fontRef idx="minor">
+            <a:schemeClr val="dk1"/>
+          </a:fontRef>
+        </p:style>
+        <p:txBody>
+          <a:bodyPr rtlCol="0" anchor="ctr"/>
+          <a:lstStyle/>
+          <a:p>
+            <a:pPr algn="ctr"/>
+            <a:endParaRPr lang="en-US"/>
+          </a:p>
+        </p:txBody>
+      </p:sp>
+      <p:sp>
+        <p:nvSpPr>
+          <p:cNvPr id="5" name="TextBox 4"/>
+          <p:cNvSpPr txBox="1"/>
+          <p:nvPr/>
+        </p:nvSpPr>
+        <p:spPr>
+          <a:xfrm>
+            <a:off x="8286866" y="6113786"/>
+            <a:ext cx="1672894" cy="461665"/>
+          </a:xfrm>
+          <a:prstGeom prst="rect">
+            <a:avLst/>
+          </a:prstGeom>
+          <a:noFill/>
+        </p:spPr>
+        <p:txBody>
+          <a:bodyPr wrap="none" rtlCol="0">
+            <a:spAutoFit/>
           </a:bodyPr>
           <a:lstStyle/>
           <a:p>
             <a:r>
-              <a:rPr lang="en-US" dirty="0"/>
-              <a:t>In the base template</a:t>
-            </a:r>
-          </a:p>
-          <a:p>
-            <a:pPr marL="457046" lvl="1" indent="0">
-              <a:buNone/>
+              <a:rPr lang="en-US" sz="2400" dirty="0" smtClean="0"/>
+              <a:t>Layout.html</a:t>
+            </a:r>
+            <a:endParaRPr lang="en-US" sz="2400" dirty="0"/>
+          </a:p>
+        </p:txBody>
+      </p:sp>
+      <p:sp>
+        <p:nvSpPr>
+          <p:cNvPr id="6" name="Rectangle 5"/>
+          <p:cNvSpPr/>
+          <p:nvPr/>
+        </p:nvSpPr>
+        <p:spPr>
+          <a:xfrm>
+            <a:off x="7374641" y="1618564"/>
+            <a:ext cx="3450209" cy="498257"/>
+          </a:xfrm>
+          <a:prstGeom prst="rect">
+            <a:avLst/>
+          </a:prstGeom>
+        </p:spPr>
+        <p:style>
+          <a:lnRef idx="1">
+            <a:schemeClr val="accent4"/>
+          </a:lnRef>
+          <a:fillRef idx="2">
+            <a:schemeClr val="accent4"/>
+          </a:fillRef>
+          <a:effectRef idx="1">
+            <a:schemeClr val="accent4"/>
+          </a:effectRef>
+          <a:fontRef idx="minor">
+            <a:schemeClr val="dk1"/>
+          </a:fontRef>
+        </p:style>
+        <p:txBody>
+          <a:bodyPr rtlCol="0" anchor="ctr"/>
+          <a:lstStyle/>
+          <a:p>
+            <a:pPr algn="ctr"/>
+            <a:r>
+              <a:rPr lang="en-US" sz="2400" dirty="0" smtClean="0"/>
+              <a:t>Awesome Trivia App</a:t>
+            </a:r>
+            <a:endParaRPr lang="en-US" sz="2400" dirty="0"/>
+          </a:p>
+        </p:txBody>
+      </p:sp>
+      <p:sp>
+        <p:nvSpPr>
+          <p:cNvPr id="7" name="Rectangle 6"/>
+          <p:cNvSpPr/>
+          <p:nvPr/>
+        </p:nvSpPr>
+        <p:spPr>
+          <a:xfrm>
+            <a:off x="7374641" y="2343063"/>
+            <a:ext cx="980387" cy="3195687"/>
+          </a:xfrm>
+          <a:prstGeom prst="rect">
+            <a:avLst/>
+          </a:prstGeom>
+        </p:spPr>
+        <p:style>
+          <a:lnRef idx="1">
+            <a:schemeClr val="accent1"/>
+          </a:lnRef>
+          <a:fillRef idx="2">
+            <a:schemeClr val="accent1"/>
+          </a:fillRef>
+          <a:effectRef idx="1">
+            <a:schemeClr val="accent1"/>
+          </a:effectRef>
+          <a:fontRef idx="minor">
+            <a:schemeClr val="dk1"/>
+          </a:fontRef>
+        </p:style>
+        <p:txBody>
+          <a:bodyPr rtlCol="0" anchor="ctr"/>
+          <a:lstStyle/>
+          <a:p>
+            <a:pPr algn="ctr"/>
+            <a:r>
+              <a:rPr lang="en-US" sz="2400" dirty="0" smtClean="0"/>
+              <a:t>Link</a:t>
+            </a:r>
+          </a:p>
+          <a:p>
+            <a:pPr algn="ctr"/>
+            <a:r>
+              <a:rPr lang="en-US" sz="2400" dirty="0" smtClean="0"/>
+              <a:t>Link</a:t>
+            </a:r>
+          </a:p>
+          <a:p>
+            <a:pPr algn="ctr"/>
+            <a:r>
+              <a:rPr lang="en-US" sz="2400" dirty="0" smtClean="0"/>
+              <a:t>Link</a:t>
+            </a:r>
+          </a:p>
+          <a:p>
+            <a:pPr algn="ctr"/>
+            <a:r>
+              <a:rPr lang="en-US" sz="2400" dirty="0" smtClean="0"/>
+              <a:t>Link</a:t>
+            </a:r>
+            <a:endParaRPr lang="en-US" sz="2400" dirty="0"/>
+          </a:p>
+        </p:txBody>
+      </p:sp>
+      <p:sp>
+        <p:nvSpPr>
+          <p:cNvPr id="8" name="Rectangle 7"/>
+          <p:cNvSpPr/>
+          <p:nvPr/>
+        </p:nvSpPr>
+        <p:spPr>
+          <a:xfrm>
+            <a:off x="8607110" y="2343062"/>
+            <a:ext cx="2217740" cy="3195687"/>
+          </a:xfrm>
+          <a:prstGeom prst="rect">
+            <a:avLst/>
+          </a:prstGeom>
+        </p:spPr>
+        <p:style>
+          <a:lnRef idx="1">
+            <a:schemeClr val="accent3"/>
+          </a:lnRef>
+          <a:fillRef idx="2">
+            <a:schemeClr val="accent3"/>
+          </a:fillRef>
+          <a:effectRef idx="1">
+            <a:schemeClr val="accent3"/>
+          </a:effectRef>
+          <a:fontRef idx="minor">
+            <a:schemeClr val="dk1"/>
+          </a:fontRef>
+        </p:style>
+        <p:txBody>
+          <a:bodyPr rtlCol="0" anchor="ctr"/>
+          <a:lstStyle/>
+          <a:p>
+            <a:pPr algn="ctr"/>
+            <a:r>
+              <a:rPr lang="en-US" sz="2400" dirty="0" smtClean="0"/>
+              <a:t>Block</a:t>
+            </a:r>
+          </a:p>
+          <a:p>
+            <a:pPr algn="ctr"/>
+            <a:r>
+              <a:rPr lang="en-US" sz="2400" dirty="0" smtClean="0"/>
+              <a:t>(Placeholder)</a:t>
+            </a:r>
+            <a:endParaRPr lang="en-US" sz="2400" dirty="0"/>
+          </a:p>
+        </p:txBody>
+      </p:sp>
+      <p:sp>
+        <p:nvSpPr>
+          <p:cNvPr id="9" name="Rectangle 8"/>
+          <p:cNvSpPr/>
+          <p:nvPr/>
+        </p:nvSpPr>
+        <p:spPr>
+          <a:xfrm>
+            <a:off x="379514" y="1504078"/>
+            <a:ext cx="5903591" cy="612743"/>
+          </a:xfrm>
+          <a:prstGeom prst="rect">
+            <a:avLst/>
+          </a:prstGeom>
+        </p:spPr>
+        <p:style>
+          <a:lnRef idx="1">
+            <a:schemeClr val="accent4"/>
+          </a:lnRef>
+          <a:fillRef idx="2">
+            <a:schemeClr val="accent4"/>
+          </a:fillRef>
+          <a:effectRef idx="1">
+            <a:schemeClr val="accent4"/>
+          </a:effectRef>
+          <a:fontRef idx="minor">
+            <a:schemeClr val="dk1"/>
+          </a:fontRef>
+        </p:style>
+        <p:txBody>
+          <a:bodyPr rtlCol="0" anchor="ctr"/>
+          <a:lstStyle/>
+          <a:p>
+            <a:pPr lvl="0" defTabSz="914088">
+              <a:spcBef>
+                <a:spcPts val="1400"/>
+              </a:spcBef>
             </a:pPr>
             <a:r>
-              <a:rPr lang="en-US" dirty="0">
+              <a:rPr lang="en-US" sz="3200" i="1" kern="0" dirty="0" smtClean="0">
+                <a:solidFill>
+                  <a:prstClr val="black"/>
+                </a:solidFill>
+                <a:latin typeface="Consolas" panose="020B0609020204030204" pitchFamily="49" charset="0"/>
+                <a:cs typeface="Consolas" panose="020B0609020204030204" pitchFamily="49" charset="0"/>
+              </a:rPr>
+              <a:t>Logo </a:t>
+            </a:r>
+            <a:r>
+              <a:rPr lang="en-US" sz="3200" i="1" kern="0" dirty="0">
+                <a:solidFill>
+                  <a:prstClr val="black"/>
+                </a:solidFill>
+                <a:latin typeface="Consolas" panose="020B0609020204030204" pitchFamily="49" charset="0"/>
+                <a:cs typeface="Consolas" panose="020B0609020204030204" pitchFamily="49" charset="0"/>
+              </a:rPr>
+              <a:t>HTML</a:t>
+            </a:r>
+            <a:endParaRPr lang="en-US" sz="3200" kern="0" dirty="0">
+              <a:solidFill>
+                <a:prstClr val="black"/>
+              </a:solidFill>
+              <a:latin typeface="Consolas" panose="020B0609020204030204" pitchFamily="49" charset="0"/>
+              <a:cs typeface="Consolas" panose="020B0609020204030204" pitchFamily="49" charset="0"/>
+            </a:endParaRPr>
+          </a:p>
+        </p:txBody>
+      </p:sp>
+      <p:sp>
+        <p:nvSpPr>
+          <p:cNvPr id="10" name="Rectangle 9"/>
+          <p:cNvSpPr/>
+          <p:nvPr/>
+        </p:nvSpPr>
+        <p:spPr>
+          <a:xfrm>
+            <a:off x="379514" y="2343061"/>
+            <a:ext cx="5903591" cy="2419061"/>
+          </a:xfrm>
+          <a:prstGeom prst="rect">
+            <a:avLst/>
+          </a:prstGeom>
+        </p:spPr>
+        <p:style>
+          <a:lnRef idx="1">
+            <a:schemeClr val="accent3"/>
+          </a:lnRef>
+          <a:fillRef idx="2">
+            <a:schemeClr val="accent3"/>
+          </a:fillRef>
+          <a:effectRef idx="1">
+            <a:schemeClr val="accent3"/>
+          </a:effectRef>
+          <a:fontRef idx="minor">
+            <a:schemeClr val="dk1"/>
+          </a:fontRef>
+        </p:style>
+        <p:txBody>
+          <a:bodyPr rtlCol="0" anchor="ctr"/>
+          <a:lstStyle/>
+          <a:p>
+            <a:pPr lvl="0" defTabSz="914088">
+              <a:spcBef>
+                <a:spcPts val="1400"/>
+              </a:spcBef>
+            </a:pPr>
+            <a:r>
+              <a:rPr lang="en-US" sz="3200" kern="0" dirty="0">
+                <a:solidFill>
+                  <a:prstClr val="black"/>
+                </a:solidFill>
+                <a:latin typeface="Consolas" panose="020B0609020204030204" pitchFamily="49" charset="0"/>
+                <a:cs typeface="Consolas" panose="020B0609020204030204" pitchFamily="49" charset="0"/>
+              </a:rPr>
+              <a:t>{% block </a:t>
+            </a:r>
+            <a:r>
+              <a:rPr lang="en-US" sz="3200" i="1" kern="0" dirty="0" err="1" smtClean="0">
+                <a:solidFill>
+                  <a:prstClr val="black"/>
+                </a:solidFill>
+                <a:latin typeface="Consolas" panose="020B0609020204030204" pitchFamily="49" charset="0"/>
+                <a:cs typeface="Consolas" panose="020B0609020204030204" pitchFamily="49" charset="0"/>
+              </a:rPr>
+              <a:t>blockName</a:t>
+            </a:r>
+            <a:r>
+              <a:rPr lang="en-US" sz="3200" kern="0" dirty="0" smtClean="0">
+                <a:solidFill>
+                  <a:prstClr val="black"/>
+                </a:solidFill>
+                <a:latin typeface="Consolas" panose="020B0609020204030204" pitchFamily="49" charset="0"/>
+                <a:cs typeface="Consolas" panose="020B0609020204030204" pitchFamily="49" charset="0"/>
+              </a:rPr>
+              <a:t> </a:t>
+            </a:r>
+            <a:r>
+              <a:rPr lang="en-US" sz="3200" kern="0" dirty="0">
+                <a:solidFill>
+                  <a:prstClr val="black"/>
+                </a:solidFill>
+                <a:latin typeface="Consolas" panose="020B0609020204030204" pitchFamily="49" charset="0"/>
+                <a:cs typeface="Consolas" panose="020B0609020204030204" pitchFamily="49" charset="0"/>
+              </a:rPr>
+              <a:t>%}</a:t>
+            </a:r>
+          </a:p>
+          <a:p>
+            <a:pPr lvl="0" defTabSz="914088">
+              <a:spcBef>
+                <a:spcPts val="1400"/>
+              </a:spcBef>
+            </a:pPr>
+            <a:r>
+              <a:rPr lang="en-US" sz="3200" i="1" kern="0" dirty="0">
+                <a:solidFill>
+                  <a:prstClr val="black"/>
+                </a:solidFill>
+                <a:latin typeface="Consolas" panose="020B0609020204030204" pitchFamily="49" charset="0"/>
+                <a:cs typeface="Consolas" panose="020B0609020204030204" pitchFamily="49" charset="0"/>
+              </a:rPr>
+              <a:t>default content (optional)</a:t>
+            </a:r>
+            <a:endParaRPr lang="en-US" sz="3200" kern="0" dirty="0">
+              <a:solidFill>
+                <a:prstClr val="black"/>
+              </a:solidFill>
+              <a:latin typeface="Consolas" panose="020B0609020204030204" pitchFamily="49" charset="0"/>
+              <a:cs typeface="Consolas" panose="020B0609020204030204" pitchFamily="49" charset="0"/>
+            </a:endParaRPr>
+          </a:p>
+          <a:p>
+            <a:pPr lvl="0" defTabSz="914088">
+              <a:spcBef>
+                <a:spcPts val="1400"/>
+              </a:spcBef>
+            </a:pPr>
+            <a:r>
+              <a:rPr lang="en-US" sz="3200" kern="0" dirty="0">
+                <a:solidFill>
+                  <a:prstClr val="black"/>
+                </a:solidFill>
+                <a:latin typeface="Consolas" panose="020B0609020204030204" pitchFamily="49" charset="0"/>
+                <a:cs typeface="Consolas" panose="020B0609020204030204" pitchFamily="49" charset="0"/>
+              </a:rPr>
+              <a:t>{% </a:t>
+            </a:r>
+            <a:r>
+              <a:rPr lang="en-US" sz="3200" kern="0" dirty="0" err="1">
+                <a:solidFill>
+                  <a:prstClr val="black"/>
+                </a:solidFill>
+                <a:latin typeface="Consolas" panose="020B0609020204030204" pitchFamily="49" charset="0"/>
+                <a:cs typeface="Consolas" panose="020B0609020204030204" pitchFamily="49" charset="0"/>
+              </a:rPr>
+              <a:t>endblock</a:t>
+            </a:r>
+            <a:r>
+              <a:rPr lang="en-US" sz="3200" kern="0" dirty="0">
+                <a:solidFill>
+                  <a:prstClr val="black"/>
+                </a:solidFill>
+                <a:latin typeface="Consolas" panose="020B0609020204030204" pitchFamily="49" charset="0"/>
+                <a:cs typeface="Consolas" panose="020B0609020204030204" pitchFamily="49" charset="0"/>
+              </a:rPr>
+              <a:t> %}</a:t>
+            </a:r>
+          </a:p>
+        </p:txBody>
+      </p:sp>
+      <p:sp>
+        <p:nvSpPr>
+          <p:cNvPr id="11" name="Rectangle 10"/>
+          <p:cNvSpPr/>
+          <p:nvPr/>
+        </p:nvSpPr>
+        <p:spPr>
+          <a:xfrm>
+            <a:off x="379514" y="4988362"/>
+            <a:ext cx="5903591" cy="658931"/>
+          </a:xfrm>
+          <a:prstGeom prst="rect">
+            <a:avLst/>
+          </a:prstGeom>
+        </p:spPr>
+        <p:style>
+          <a:lnRef idx="1">
+            <a:schemeClr val="accent1"/>
+          </a:lnRef>
+          <a:fillRef idx="2">
+            <a:schemeClr val="accent1"/>
+          </a:fillRef>
+          <a:effectRef idx="1">
+            <a:schemeClr val="accent1"/>
+          </a:effectRef>
+          <a:fontRef idx="minor">
+            <a:schemeClr val="dk1"/>
+          </a:fontRef>
+        </p:style>
+        <p:txBody>
+          <a:bodyPr rtlCol="0" anchor="ctr"/>
+          <a:lstStyle/>
+          <a:p>
+            <a:pPr lvl="0" defTabSz="914088">
+              <a:spcBef>
+                <a:spcPts val="1400"/>
+              </a:spcBef>
+            </a:pPr>
+            <a:r>
+              <a:rPr lang="en-US" sz="3200" i="1" kern="0" dirty="0" smtClean="0">
+                <a:solidFill>
+                  <a:prstClr val="black"/>
+                </a:solidFill>
+                <a:latin typeface="Consolas" panose="020B0609020204030204" pitchFamily="49" charset="0"/>
+                <a:cs typeface="Consolas" panose="020B0609020204030204" pitchFamily="49" charset="0"/>
+              </a:rPr>
+              <a:t>Navigation links </a:t>
+            </a:r>
+            <a:r>
+              <a:rPr lang="en-US" sz="3200" i="1" kern="0" dirty="0">
+                <a:solidFill>
+                  <a:prstClr val="black"/>
+                </a:solidFill>
+                <a:latin typeface="Consolas" panose="020B0609020204030204" pitchFamily="49" charset="0"/>
+                <a:cs typeface="Consolas" panose="020B0609020204030204" pitchFamily="49" charset="0"/>
+              </a:rPr>
+              <a:t>HTML</a:t>
+            </a:r>
+            <a:r>
+              <a:rPr lang="en-US" sz="3200" kern="0" dirty="0">
+                <a:solidFill>
+                  <a:prstClr val="black"/>
+                </a:solidFill>
                 <a:latin typeface="Consolas" panose="020B0609020204030204" pitchFamily="49" charset="0"/>
                 <a:cs typeface="Consolas" panose="020B0609020204030204" pitchFamily="49" charset="0"/>
               </a:rPr>
               <a:t>  </a:t>
             </a:r>
-            <a:r>
-              <a:rPr lang="en-US" i="1" dirty="0" smtClean="0">
-                <a:latin typeface="Consolas" panose="020B0609020204030204" pitchFamily="49" charset="0"/>
-                <a:cs typeface="Consolas" panose="020B0609020204030204" pitchFamily="49" charset="0"/>
-              </a:rPr>
-              <a:t>stock HTML</a:t>
-            </a:r>
-            <a:endParaRPr lang="en-US" dirty="0" smtClean="0">
-              <a:latin typeface="Consolas" panose="020B0609020204030204" pitchFamily="49" charset="0"/>
-              <a:cs typeface="Consolas" panose="020B0609020204030204" pitchFamily="49" charset="0"/>
+            <a:endParaRPr lang="en-US" sz="3200" kern="0" dirty="0">
+              <a:solidFill>
+                <a:prstClr val="black"/>
+              </a:solidFill>
+              <a:latin typeface="Segoe UI Light" panose="020B0502040204020203" pitchFamily="34" charset="0"/>
+              <a:cs typeface="Segoe UI Light" panose="020B0502040204020203" pitchFamily="34" charset="0"/>
             </a:endParaRPr>
-          </a:p>
-          <a:p>
-            <a:pPr marL="457046" lvl="1" indent="0">
-              <a:buNone/>
-            </a:pPr>
-            <a:r>
-              <a:rPr lang="en-US" dirty="0">
-                <a:latin typeface="Consolas" panose="020B0609020204030204" pitchFamily="49" charset="0"/>
-                <a:cs typeface="Consolas" panose="020B0609020204030204" pitchFamily="49" charset="0"/>
-              </a:rPr>
-              <a:t> </a:t>
-            </a:r>
-            <a:r>
-              <a:rPr lang="en-US" dirty="0" smtClean="0">
-                <a:latin typeface="Consolas" panose="020B0609020204030204" pitchFamily="49" charset="0"/>
-                <a:cs typeface="Consolas" panose="020B0609020204030204" pitchFamily="49" charset="0"/>
-              </a:rPr>
-              <a:t> {% </a:t>
-            </a:r>
-            <a:r>
-              <a:rPr lang="en-US" dirty="0">
-                <a:latin typeface="Consolas" panose="020B0609020204030204" pitchFamily="49" charset="0"/>
-                <a:cs typeface="Consolas" panose="020B0609020204030204" pitchFamily="49" charset="0"/>
-              </a:rPr>
-              <a:t>block </a:t>
-            </a:r>
-            <a:r>
-              <a:rPr lang="en-US" i="1" dirty="0" err="1">
-                <a:latin typeface="Consolas" panose="020B0609020204030204" pitchFamily="49" charset="0"/>
-                <a:cs typeface="Consolas" panose="020B0609020204030204" pitchFamily="49" charset="0"/>
-              </a:rPr>
-              <a:t>templateName</a:t>
-            </a:r>
-            <a:r>
-              <a:rPr lang="en-US" dirty="0">
-                <a:latin typeface="Consolas" panose="020B0609020204030204" pitchFamily="49" charset="0"/>
-                <a:cs typeface="Consolas" panose="020B0609020204030204" pitchFamily="49" charset="0"/>
-              </a:rPr>
-              <a:t> %}</a:t>
-            </a:r>
-          </a:p>
-          <a:p>
-            <a:pPr marL="457046" lvl="1" indent="0">
-              <a:buNone/>
-            </a:pPr>
-            <a:r>
-              <a:rPr lang="en-US" dirty="0">
-                <a:latin typeface="Consolas" panose="020B0609020204030204" pitchFamily="49" charset="0"/>
-                <a:cs typeface="Consolas" panose="020B0609020204030204" pitchFamily="49" charset="0"/>
-              </a:rPr>
-              <a:t>      </a:t>
-            </a:r>
-            <a:r>
-              <a:rPr lang="en-US" i="1" dirty="0">
-                <a:latin typeface="Consolas" panose="020B0609020204030204" pitchFamily="49" charset="0"/>
-                <a:cs typeface="Consolas" panose="020B0609020204030204" pitchFamily="49" charset="0"/>
-              </a:rPr>
-              <a:t>default content (optional)</a:t>
-            </a:r>
-            <a:endParaRPr lang="en-US" dirty="0">
-              <a:latin typeface="Consolas" panose="020B0609020204030204" pitchFamily="49" charset="0"/>
-              <a:cs typeface="Consolas" panose="020B0609020204030204" pitchFamily="49" charset="0"/>
-            </a:endParaRPr>
-          </a:p>
-          <a:p>
-            <a:pPr marL="457046" lvl="1" indent="0">
-              <a:buNone/>
-            </a:pPr>
-            <a:r>
-              <a:rPr lang="en-US" dirty="0" smtClean="0">
-                <a:latin typeface="Consolas" panose="020B0609020204030204" pitchFamily="49" charset="0"/>
-                <a:cs typeface="Consolas" panose="020B0609020204030204" pitchFamily="49" charset="0"/>
-              </a:rPr>
-              <a:t>  {% </a:t>
-            </a:r>
-            <a:r>
-              <a:rPr lang="en-US" dirty="0" err="1" smtClean="0">
-                <a:latin typeface="Consolas" panose="020B0609020204030204" pitchFamily="49" charset="0"/>
-                <a:cs typeface="Consolas" panose="020B0609020204030204" pitchFamily="49" charset="0"/>
-              </a:rPr>
-              <a:t>endblock</a:t>
-            </a:r>
-            <a:r>
-              <a:rPr lang="en-US" dirty="0" smtClean="0">
-                <a:latin typeface="Consolas" panose="020B0609020204030204" pitchFamily="49" charset="0"/>
-                <a:cs typeface="Consolas" panose="020B0609020204030204" pitchFamily="49" charset="0"/>
-              </a:rPr>
-              <a:t> %}</a:t>
-            </a:r>
-          </a:p>
-          <a:p>
-            <a:pPr marL="457046" lvl="1" indent="0">
-              <a:buNone/>
-            </a:pPr>
-            <a:r>
-              <a:rPr lang="en-US" dirty="0">
-                <a:latin typeface="Consolas" panose="020B0609020204030204" pitchFamily="49" charset="0"/>
-                <a:cs typeface="Consolas" panose="020B0609020204030204" pitchFamily="49" charset="0"/>
-              </a:rPr>
-              <a:t> </a:t>
-            </a:r>
-            <a:r>
-              <a:rPr lang="en-US" dirty="0" smtClean="0">
-                <a:latin typeface="Consolas" panose="020B0609020204030204" pitchFamily="49" charset="0"/>
-                <a:cs typeface="Consolas" panose="020B0609020204030204" pitchFamily="49" charset="0"/>
-              </a:rPr>
-              <a:t> </a:t>
-            </a:r>
-            <a:r>
-              <a:rPr lang="en-US" i="1" dirty="0" smtClean="0">
-                <a:latin typeface="Consolas" panose="020B0609020204030204" pitchFamily="49" charset="0"/>
-                <a:cs typeface="Consolas" panose="020B0609020204030204" pitchFamily="49" charset="0"/>
-              </a:rPr>
-              <a:t>stock HTML</a:t>
-            </a:r>
-            <a:endParaRPr lang="en-US" dirty="0" smtClean="0">
-              <a:latin typeface="Consolas" panose="020B0609020204030204" pitchFamily="49" charset="0"/>
-              <a:cs typeface="Consolas" panose="020B0609020204030204" pitchFamily="49" charset="0"/>
-            </a:endParaRPr>
-          </a:p>
-          <a:p>
-            <a:r>
-              <a:rPr lang="en-US" dirty="0"/>
-              <a:t>In the </a:t>
-            </a:r>
-            <a:r>
-              <a:rPr lang="en-US" dirty="0" smtClean="0"/>
-              <a:t>child (or content)</a:t>
-            </a:r>
-            <a:endParaRPr lang="en-US" dirty="0"/>
-          </a:p>
-          <a:p>
-            <a:pPr marL="457046" lvl="1" indent="0">
-              <a:buNone/>
-            </a:pPr>
-            <a:r>
-              <a:rPr lang="en-US" dirty="0">
-                <a:latin typeface="Consolas" panose="020B0609020204030204" pitchFamily="49" charset="0"/>
-                <a:cs typeface="Consolas" panose="020B0609020204030204" pitchFamily="49" charset="0"/>
-              </a:rPr>
-              <a:t>  </a:t>
-            </a:r>
-            <a:r>
-              <a:rPr lang="en-US" dirty="0" smtClean="0">
-                <a:latin typeface="Consolas" panose="020B0609020204030204" pitchFamily="49" charset="0"/>
-                <a:cs typeface="Consolas" panose="020B0609020204030204" pitchFamily="49" charset="0"/>
-              </a:rPr>
-              <a:t>{% extends </a:t>
-            </a:r>
-            <a:r>
-              <a:rPr lang="en-US" i="1" dirty="0" smtClean="0">
-                <a:latin typeface="Consolas" panose="020B0609020204030204" pitchFamily="49" charset="0"/>
-                <a:cs typeface="Consolas" panose="020B0609020204030204" pitchFamily="49" charset="0"/>
-              </a:rPr>
-              <a:t>baseName.html</a:t>
-            </a:r>
-            <a:r>
-              <a:rPr lang="en-US" dirty="0" smtClean="0">
-                <a:latin typeface="Consolas" panose="020B0609020204030204" pitchFamily="49" charset="0"/>
-                <a:cs typeface="Consolas" panose="020B0609020204030204" pitchFamily="49" charset="0"/>
-              </a:rPr>
-              <a:t> %}</a:t>
-            </a:r>
-          </a:p>
-          <a:p>
-            <a:pPr marL="457046" lvl="1" indent="0">
-              <a:buNone/>
-            </a:pPr>
-            <a:r>
-              <a:rPr lang="en-US" dirty="0">
-                <a:latin typeface="Consolas" panose="020B0609020204030204" pitchFamily="49" charset="0"/>
-                <a:cs typeface="Consolas" panose="020B0609020204030204" pitchFamily="49" charset="0"/>
-              </a:rPr>
-              <a:t> </a:t>
-            </a:r>
-            <a:r>
-              <a:rPr lang="en-US" dirty="0" smtClean="0">
-                <a:latin typeface="Consolas" panose="020B0609020204030204" pitchFamily="49" charset="0"/>
-                <a:cs typeface="Consolas" panose="020B0609020204030204" pitchFamily="49" charset="0"/>
-              </a:rPr>
-              <a:t> {% </a:t>
-            </a:r>
-            <a:r>
-              <a:rPr lang="en-US" dirty="0">
-                <a:latin typeface="Consolas" panose="020B0609020204030204" pitchFamily="49" charset="0"/>
-                <a:cs typeface="Consolas" panose="020B0609020204030204" pitchFamily="49" charset="0"/>
-              </a:rPr>
-              <a:t>block </a:t>
-            </a:r>
-            <a:r>
-              <a:rPr lang="en-US" i="1" dirty="0" err="1">
-                <a:latin typeface="Consolas" panose="020B0609020204030204" pitchFamily="49" charset="0"/>
-                <a:cs typeface="Consolas" panose="020B0609020204030204" pitchFamily="49" charset="0"/>
-              </a:rPr>
-              <a:t>templateName</a:t>
-            </a:r>
-            <a:r>
-              <a:rPr lang="en-US" dirty="0">
-                <a:latin typeface="Consolas" panose="020B0609020204030204" pitchFamily="49" charset="0"/>
-                <a:cs typeface="Consolas" panose="020B0609020204030204" pitchFamily="49" charset="0"/>
-              </a:rPr>
-              <a:t> %}</a:t>
-            </a:r>
-          </a:p>
-          <a:p>
-            <a:pPr marL="457046" lvl="1" indent="0">
-              <a:buNone/>
-            </a:pPr>
-            <a:r>
-              <a:rPr lang="en-US" dirty="0">
-                <a:latin typeface="Consolas" panose="020B0609020204030204" pitchFamily="49" charset="0"/>
-                <a:cs typeface="Consolas" panose="020B0609020204030204" pitchFamily="49" charset="0"/>
-              </a:rPr>
-              <a:t>      </a:t>
-            </a:r>
-            <a:r>
-              <a:rPr lang="en-US" i="1" dirty="0" smtClean="0">
-                <a:latin typeface="Consolas" panose="020B0609020204030204" pitchFamily="49" charset="0"/>
-                <a:cs typeface="Consolas" panose="020B0609020204030204" pitchFamily="49" charset="0"/>
-              </a:rPr>
-              <a:t>Content to display</a:t>
-            </a:r>
-            <a:endParaRPr lang="en-US" dirty="0">
-              <a:latin typeface="Consolas" panose="020B0609020204030204" pitchFamily="49" charset="0"/>
-              <a:cs typeface="Consolas" panose="020B0609020204030204" pitchFamily="49" charset="0"/>
-            </a:endParaRPr>
-          </a:p>
-          <a:p>
-            <a:pPr marL="457046" lvl="1" indent="0">
-              <a:buNone/>
-            </a:pPr>
-            <a:r>
-              <a:rPr lang="en-US" dirty="0">
-                <a:latin typeface="Consolas" panose="020B0609020204030204" pitchFamily="49" charset="0"/>
-                <a:cs typeface="Consolas" panose="020B0609020204030204" pitchFamily="49" charset="0"/>
-              </a:rPr>
-              <a:t>  {% </a:t>
-            </a:r>
-            <a:r>
-              <a:rPr lang="en-US" dirty="0" err="1">
-                <a:latin typeface="Consolas" panose="020B0609020204030204" pitchFamily="49" charset="0"/>
-                <a:cs typeface="Consolas" panose="020B0609020204030204" pitchFamily="49" charset="0"/>
-              </a:rPr>
-              <a:t>endblock</a:t>
-            </a:r>
-            <a:r>
-              <a:rPr lang="en-US" dirty="0">
-                <a:latin typeface="Consolas" panose="020B0609020204030204" pitchFamily="49" charset="0"/>
-                <a:cs typeface="Consolas" panose="020B0609020204030204" pitchFamily="49" charset="0"/>
-              </a:rPr>
-              <a:t> %}</a:t>
-            </a:r>
-          </a:p>
-          <a:p>
-            <a:pPr marL="457046" lvl="1" indent="0">
-              <a:buNone/>
-            </a:pPr>
-            <a:endParaRPr lang="en-US" dirty="0"/>
           </a:p>
         </p:txBody>
       </p:sp>
@@ -5413,9 +5610,304 @@
   <p:timing>
     <p:tnLst>
       <p:par>
-        <p:cTn id="1" dur="indefinite" restart="never" nodeType="tmRoot"/>
+        <p:cTn id="1" dur="indefinite" restart="never" nodeType="tmRoot">
+          <p:childTnLst>
+            <p:seq concurrent="1" nextAc="seek">
+              <p:cTn id="2" dur="indefinite" nodeType="mainSeq">
+                <p:childTnLst>
+                  <p:par>
+                    <p:cTn id="3" fill="hold">
+                      <p:stCondLst>
+                        <p:cond delay="indefinite"/>
+                      </p:stCondLst>
+                      <p:childTnLst>
+                        <p:par>
+                          <p:cTn id="4" fill="hold">
+                            <p:stCondLst>
+                              <p:cond delay="0"/>
+                            </p:stCondLst>
+                            <p:childTnLst>
+                              <p:par>
+                                <p:cTn id="5" presetID="10" presetClass="entr" presetSubtype="0" fill="hold" grpId="0" nodeType="clickEffect">
+                                  <p:stCondLst>
+                                    <p:cond delay="0"/>
+                                  </p:stCondLst>
+                                  <p:childTnLst>
+                                    <p:set>
+                                      <p:cBhvr>
+                                        <p:cTn id="6" dur="1" fill="hold">
+                                          <p:stCondLst>
+                                            <p:cond delay="0"/>
+                                          </p:stCondLst>
+                                        </p:cTn>
+                                        <p:tgtEl>
+                                          <p:spTgt spid="9"/>
+                                        </p:tgtEl>
+                                        <p:attrNameLst>
+                                          <p:attrName>style.visibility</p:attrName>
+                                        </p:attrNameLst>
+                                      </p:cBhvr>
+                                      <p:to>
+                                        <p:strVal val="visible"/>
+                                      </p:to>
+                                    </p:set>
+                                    <p:animEffect transition="in" filter="fade">
+                                      <p:cBhvr>
+                                        <p:cTn id="7" dur="500"/>
+                                        <p:tgtEl>
+                                          <p:spTgt spid="9"/>
+                                        </p:tgtEl>
+                                      </p:cBhvr>
+                                    </p:animEffect>
+                                  </p:childTnLst>
+                                </p:cTn>
+                              </p:par>
+                              <p:par>
+                                <p:cTn id="8" presetID="10" presetClass="entr" presetSubtype="0" fill="hold" grpId="0" nodeType="withEffect">
+                                  <p:stCondLst>
+                                    <p:cond delay="0"/>
+                                  </p:stCondLst>
+                                  <p:childTnLst>
+                                    <p:set>
+                                      <p:cBhvr>
+                                        <p:cTn id="9" dur="1" fill="hold">
+                                          <p:stCondLst>
+                                            <p:cond delay="0"/>
+                                          </p:stCondLst>
+                                        </p:cTn>
+                                        <p:tgtEl>
+                                          <p:spTgt spid="6"/>
+                                        </p:tgtEl>
+                                        <p:attrNameLst>
+                                          <p:attrName>style.visibility</p:attrName>
+                                        </p:attrNameLst>
+                                      </p:cBhvr>
+                                      <p:to>
+                                        <p:strVal val="visible"/>
+                                      </p:to>
+                                    </p:set>
+                                    <p:animEffect transition="in" filter="fade">
+                                      <p:cBhvr>
+                                        <p:cTn id="10" dur="500"/>
+                                        <p:tgtEl>
+                                          <p:spTgt spid="6"/>
+                                        </p:tgtEl>
+                                      </p:cBhvr>
+                                    </p:animEffect>
+                                  </p:childTnLst>
+                                </p:cTn>
+                              </p:par>
+                            </p:childTnLst>
+                          </p:cTn>
+                        </p:par>
+                      </p:childTnLst>
+                    </p:cTn>
+                  </p:par>
+                  <p:par>
+                    <p:cTn id="11" fill="hold">
+                      <p:stCondLst>
+                        <p:cond delay="indefinite"/>
+                      </p:stCondLst>
+                      <p:childTnLst>
+                        <p:par>
+                          <p:cTn id="12" fill="hold">
+                            <p:stCondLst>
+                              <p:cond delay="0"/>
+                            </p:stCondLst>
+                            <p:childTnLst>
+                              <p:par>
+                                <p:cTn id="13" presetID="10" presetClass="entr" presetSubtype="0" fill="hold" grpId="0" nodeType="clickEffect">
+                                  <p:stCondLst>
+                                    <p:cond delay="0"/>
+                                  </p:stCondLst>
+                                  <p:childTnLst>
+                                    <p:set>
+                                      <p:cBhvr>
+                                        <p:cTn id="14" dur="1" fill="hold">
+                                          <p:stCondLst>
+                                            <p:cond delay="0"/>
+                                          </p:stCondLst>
+                                        </p:cTn>
+                                        <p:tgtEl>
+                                          <p:spTgt spid="11"/>
+                                        </p:tgtEl>
+                                        <p:attrNameLst>
+                                          <p:attrName>style.visibility</p:attrName>
+                                        </p:attrNameLst>
+                                      </p:cBhvr>
+                                      <p:to>
+                                        <p:strVal val="visible"/>
+                                      </p:to>
+                                    </p:set>
+                                    <p:animEffect transition="in" filter="fade">
+                                      <p:cBhvr>
+                                        <p:cTn id="15" dur="500"/>
+                                        <p:tgtEl>
+                                          <p:spTgt spid="11"/>
+                                        </p:tgtEl>
+                                      </p:cBhvr>
+                                    </p:animEffect>
+                                  </p:childTnLst>
+                                </p:cTn>
+                              </p:par>
+                              <p:par>
+                                <p:cTn id="16" presetID="10" presetClass="entr" presetSubtype="0" fill="hold" grpId="0" nodeType="withEffect">
+                                  <p:stCondLst>
+                                    <p:cond delay="0"/>
+                                  </p:stCondLst>
+                                  <p:childTnLst>
+                                    <p:set>
+                                      <p:cBhvr>
+                                        <p:cTn id="17" dur="1" fill="hold">
+                                          <p:stCondLst>
+                                            <p:cond delay="0"/>
+                                          </p:stCondLst>
+                                        </p:cTn>
+                                        <p:tgtEl>
+                                          <p:spTgt spid="7"/>
+                                        </p:tgtEl>
+                                        <p:attrNameLst>
+                                          <p:attrName>style.visibility</p:attrName>
+                                        </p:attrNameLst>
+                                      </p:cBhvr>
+                                      <p:to>
+                                        <p:strVal val="visible"/>
+                                      </p:to>
+                                    </p:set>
+                                    <p:animEffect transition="in" filter="fade">
+                                      <p:cBhvr>
+                                        <p:cTn id="18" dur="500"/>
+                                        <p:tgtEl>
+                                          <p:spTgt spid="7"/>
+                                        </p:tgtEl>
+                                      </p:cBhvr>
+                                    </p:animEffect>
+                                  </p:childTnLst>
+                                </p:cTn>
+                              </p:par>
+                            </p:childTnLst>
+                          </p:cTn>
+                        </p:par>
+                      </p:childTnLst>
+                    </p:cTn>
+                  </p:par>
+                  <p:par>
+                    <p:cTn id="19" fill="hold">
+                      <p:stCondLst>
+                        <p:cond delay="indefinite"/>
+                      </p:stCondLst>
+                      <p:childTnLst>
+                        <p:par>
+                          <p:cTn id="20" fill="hold">
+                            <p:stCondLst>
+                              <p:cond delay="0"/>
+                            </p:stCondLst>
+                            <p:childTnLst>
+                              <p:par>
+                                <p:cTn id="21" presetID="10" presetClass="entr" presetSubtype="0" fill="hold" grpId="0" nodeType="clickEffect">
+                                  <p:stCondLst>
+                                    <p:cond delay="0"/>
+                                  </p:stCondLst>
+                                  <p:childTnLst>
+                                    <p:set>
+                                      <p:cBhvr>
+                                        <p:cTn id="22" dur="1" fill="hold">
+                                          <p:stCondLst>
+                                            <p:cond delay="0"/>
+                                          </p:stCondLst>
+                                        </p:cTn>
+                                        <p:tgtEl>
+                                          <p:spTgt spid="10"/>
+                                        </p:tgtEl>
+                                        <p:attrNameLst>
+                                          <p:attrName>style.visibility</p:attrName>
+                                        </p:attrNameLst>
+                                      </p:cBhvr>
+                                      <p:to>
+                                        <p:strVal val="visible"/>
+                                      </p:to>
+                                    </p:set>
+                                    <p:animEffect transition="in" filter="fade">
+                                      <p:cBhvr>
+                                        <p:cTn id="23" dur="500"/>
+                                        <p:tgtEl>
+                                          <p:spTgt spid="10"/>
+                                        </p:tgtEl>
+                                      </p:cBhvr>
+                                    </p:animEffect>
+                                  </p:childTnLst>
+                                </p:cTn>
+                              </p:par>
+                              <p:par>
+                                <p:cTn id="24" presetID="10" presetClass="entr" presetSubtype="0" fill="hold" grpId="0" nodeType="withEffect">
+                                  <p:stCondLst>
+                                    <p:cond delay="0"/>
+                                  </p:stCondLst>
+                                  <p:childTnLst>
+                                    <p:set>
+                                      <p:cBhvr>
+                                        <p:cTn id="25" dur="1" fill="hold">
+                                          <p:stCondLst>
+                                            <p:cond delay="0"/>
+                                          </p:stCondLst>
+                                        </p:cTn>
+                                        <p:tgtEl>
+                                          <p:spTgt spid="8"/>
+                                        </p:tgtEl>
+                                        <p:attrNameLst>
+                                          <p:attrName>style.visibility</p:attrName>
+                                        </p:attrNameLst>
+                                      </p:cBhvr>
+                                      <p:to>
+                                        <p:strVal val="visible"/>
+                                      </p:to>
+                                    </p:set>
+                                    <p:animEffect transition="in" filter="fade">
+                                      <p:cBhvr>
+                                        <p:cTn id="26" dur="500"/>
+                                        <p:tgtEl>
+                                          <p:spTgt spid="8"/>
+                                        </p:tgtEl>
+                                      </p:cBhvr>
+                                    </p:animEffect>
+                                  </p:childTnLst>
+                                </p:cTn>
+                              </p:par>
+                            </p:childTnLst>
+                          </p:cTn>
+                        </p:par>
+                      </p:childTnLst>
+                    </p:cTn>
+                  </p:par>
+                </p:childTnLst>
+              </p:cTn>
+              <p:prevCondLst>
+                <p:cond evt="onPrev" delay="0">
+                  <p:tgtEl>
+                    <p:sldTgt/>
+                  </p:tgtEl>
+                </p:cond>
+              </p:prevCondLst>
+              <p:nextCondLst>
+                <p:cond evt="onNext" delay="0">
+                  <p:tgtEl>
+                    <p:sldTgt/>
+                  </p:tgtEl>
+                </p:cond>
+              </p:nextCondLst>
+            </p:seq>
+          </p:childTnLst>
+        </p:cTn>
       </p:par>
     </p:tnLst>
+    <p:bldLst>
+      <p:bldP spid="6" grpId="0" animBg="1"/>
+      <p:bldP spid="7" grpId="0" animBg="1"/>
+      <p:bldP spid="8" grpId="0" animBg="1"/>
+      <p:bldP spid="9" grpId="0" animBg="1"/>
+      <p:bldP spid="10" grpId="0" animBg="1"/>
+      <p:bldP spid="11" grpId="0" animBg="1"/>
+    </p:bldLst>
   </p:timing>
 </p:sld>
 </file>
@@ -5454,7 +5946,7 @@
           <a:p>
             <a:r>
               <a:rPr lang="en-US" dirty="0" smtClean="0"/>
-              <a:t>Frequently asked questions</a:t>
+              <a:t>The content page (or child)</a:t>
             </a:r>
             <a:endParaRPr lang="en-US" dirty="0"/>
           </a:p>
@@ -5472,81 +5964,483 @@
         </p:nvSpPr>
         <p:spPr/>
         <p:txBody>
-          <a:bodyPr>
-            <a:normAutofit fontScale="92500" lnSpcReduction="20000"/>
+          <a:bodyPr/>
+          <a:lstStyle/>
+          <a:p>
+            <a:pPr marL="57131" indent="0">
+              <a:buNone/>
+            </a:pPr>
+            <a:endParaRPr lang="en-US" dirty="0" smtClean="0">
+              <a:latin typeface="Consolas" panose="020B0609020204030204" pitchFamily="49" charset="0"/>
+              <a:cs typeface="Consolas" panose="020B0609020204030204" pitchFamily="49" charset="0"/>
+            </a:endParaRPr>
+          </a:p>
+          <a:p>
+            <a:pPr marL="57131" indent="0">
+              <a:buNone/>
+            </a:pPr>
+            <a:endParaRPr lang="en-US" dirty="0">
+              <a:latin typeface="Consolas" panose="020B0609020204030204" pitchFamily="49" charset="0"/>
+              <a:cs typeface="Consolas" panose="020B0609020204030204" pitchFamily="49" charset="0"/>
+            </a:endParaRPr>
+          </a:p>
+          <a:p>
+            <a:pPr marL="0" indent="0">
+              <a:buNone/>
+            </a:pPr>
+            <a:endParaRPr lang="en-US" dirty="0"/>
+          </a:p>
+        </p:txBody>
+      </p:sp>
+      <p:sp>
+        <p:nvSpPr>
+          <p:cNvPr id="4" name="Rectangle 3"/>
+          <p:cNvSpPr/>
+          <p:nvPr/>
+        </p:nvSpPr>
+        <p:spPr>
+          <a:xfrm>
+            <a:off x="7204338" y="1245702"/>
+            <a:ext cx="3893270" cy="4279770"/>
+          </a:xfrm>
+          <a:prstGeom prst="rect">
+            <a:avLst/>
+          </a:prstGeom>
+        </p:spPr>
+        <p:style>
+          <a:lnRef idx="2">
+            <a:schemeClr val="accent1"/>
+          </a:lnRef>
+          <a:fillRef idx="1">
+            <a:schemeClr val="lt1"/>
+          </a:fillRef>
+          <a:effectRef idx="0">
+            <a:schemeClr val="accent1"/>
+          </a:effectRef>
+          <a:fontRef idx="minor">
+            <a:schemeClr val="dk1"/>
+          </a:fontRef>
+        </p:style>
+        <p:txBody>
+          <a:bodyPr rtlCol="0" anchor="ctr"/>
+          <a:lstStyle/>
+          <a:p>
+            <a:pPr algn="ctr"/>
+            <a:endParaRPr lang="en-US"/>
+          </a:p>
+        </p:txBody>
+      </p:sp>
+      <p:sp>
+        <p:nvSpPr>
+          <p:cNvPr id="5" name="TextBox 4"/>
+          <p:cNvSpPr txBox="1"/>
+          <p:nvPr/>
+        </p:nvSpPr>
+        <p:spPr>
+          <a:xfrm>
+            <a:off x="7701783" y="5855410"/>
+            <a:ext cx="2912079" cy="461665"/>
+          </a:xfrm>
+          <a:prstGeom prst="rect">
+            <a:avLst/>
+          </a:prstGeom>
+          <a:noFill/>
+        </p:spPr>
+        <p:txBody>
+          <a:bodyPr wrap="none" rtlCol="0">
+            <a:spAutoFit/>
           </a:bodyPr>
           <a:lstStyle/>
           <a:p>
             <a:r>
-              <a:rPr lang="en-US" dirty="0" smtClean="0"/>
-              <a:t>Does the user notice anything?</a:t>
-            </a:r>
-          </a:p>
-          <a:p>
-            <a:pPr lvl="1"/>
-            <a:r>
-              <a:rPr lang="en-US" dirty="0" smtClean="0"/>
-              <a:t>Nope! Everything is combined on the server</a:t>
-            </a:r>
-          </a:p>
-          <a:p>
-            <a:r>
-              <a:rPr lang="en-US" dirty="0" smtClean="0"/>
-              <a:t>Can you have multiple blocks?</a:t>
-            </a:r>
-          </a:p>
-          <a:p>
-            <a:pPr lvl="1"/>
-            <a:r>
-              <a:rPr lang="en-US" dirty="0" smtClean="0"/>
-              <a:t>Absolutely! This can be very useful for things like scripts and page titles</a:t>
-            </a:r>
-          </a:p>
-          <a:p>
-            <a:r>
-              <a:rPr lang="en-US" dirty="0" smtClean="0"/>
-              <a:t>Do you have to provide default content in the layout page?</a:t>
-            </a:r>
-          </a:p>
-          <a:p>
-            <a:pPr lvl="1"/>
-            <a:r>
-              <a:rPr lang="en-US" dirty="0" smtClean="0"/>
-              <a:t>Nope. Completely optional.</a:t>
-            </a:r>
-          </a:p>
-          <a:p>
-            <a:r>
-              <a:rPr lang="en-US" dirty="0" smtClean="0"/>
-              <a:t>Do you have to provide content for every block in the content page?</a:t>
-            </a:r>
-          </a:p>
-          <a:p>
-            <a:pPr lvl="1"/>
-            <a:r>
-              <a:rPr lang="en-US" dirty="0" smtClean="0"/>
-              <a:t>Nope. Completely optional.</a:t>
-            </a:r>
-          </a:p>
-          <a:p>
-            <a:r>
-              <a:rPr lang="en-US" dirty="0" smtClean="0"/>
-              <a:t>Do the block names need to exist in the layout if you reference it in the content page?</a:t>
-            </a:r>
-          </a:p>
-          <a:p>
-            <a:pPr lvl="1"/>
-            <a:r>
-              <a:rPr lang="en-US" dirty="0" smtClean="0"/>
-              <a:t>Yes, otherwise </a:t>
-            </a:r>
-            <a:r>
-              <a:rPr lang="en-US" dirty="0" err="1" smtClean="0"/>
-              <a:t>Jinja</a:t>
-            </a:r>
-            <a:r>
-              <a:rPr lang="en-US" dirty="0" smtClean="0"/>
-              <a:t> doesn't know where to put things</a:t>
+              <a:rPr lang="en-US" sz="2400" dirty="0" smtClean="0"/>
+              <a:t>AnswerQuestion.html</a:t>
+            </a:r>
+            <a:endParaRPr lang="en-US" sz="2400" dirty="0"/>
+          </a:p>
+        </p:txBody>
+      </p:sp>
+      <p:sp>
+        <p:nvSpPr>
+          <p:cNvPr id="6" name="Rectangle 5"/>
+          <p:cNvSpPr/>
+          <p:nvPr/>
+        </p:nvSpPr>
+        <p:spPr>
+          <a:xfrm>
+            <a:off x="7402301" y="1360188"/>
+            <a:ext cx="3450209" cy="498257"/>
+          </a:xfrm>
+          <a:prstGeom prst="rect">
+            <a:avLst/>
+          </a:prstGeom>
+        </p:spPr>
+        <p:style>
+          <a:lnRef idx="1">
+            <a:schemeClr val="dk1"/>
+          </a:lnRef>
+          <a:fillRef idx="2">
+            <a:schemeClr val="dk1"/>
+          </a:fillRef>
+          <a:effectRef idx="1">
+            <a:schemeClr val="dk1"/>
+          </a:effectRef>
+          <a:fontRef idx="minor">
+            <a:schemeClr val="dk1"/>
+          </a:fontRef>
+        </p:style>
+        <p:txBody>
+          <a:bodyPr rtlCol="0" anchor="ctr"/>
+          <a:lstStyle/>
+          <a:p>
+            <a:pPr algn="ctr"/>
+            <a:r>
+              <a:rPr lang="en-US" sz="2400" dirty="0" smtClean="0"/>
+              <a:t>Awesome Trivia App</a:t>
+            </a:r>
+            <a:endParaRPr lang="en-US" sz="2400" dirty="0"/>
+          </a:p>
+        </p:txBody>
+      </p:sp>
+      <p:sp>
+        <p:nvSpPr>
+          <p:cNvPr id="7" name="Rectangle 6"/>
+          <p:cNvSpPr/>
+          <p:nvPr/>
+        </p:nvSpPr>
+        <p:spPr>
+          <a:xfrm>
+            <a:off x="7402301" y="2084687"/>
+            <a:ext cx="980387" cy="3195687"/>
+          </a:xfrm>
+          <a:prstGeom prst="rect">
+            <a:avLst/>
+          </a:prstGeom>
+        </p:spPr>
+        <p:style>
+          <a:lnRef idx="1">
+            <a:schemeClr val="dk1"/>
+          </a:lnRef>
+          <a:fillRef idx="2">
+            <a:schemeClr val="dk1"/>
+          </a:fillRef>
+          <a:effectRef idx="1">
+            <a:schemeClr val="dk1"/>
+          </a:effectRef>
+          <a:fontRef idx="minor">
+            <a:schemeClr val="dk1"/>
+          </a:fontRef>
+        </p:style>
+        <p:txBody>
+          <a:bodyPr rtlCol="0" anchor="ctr"/>
+          <a:lstStyle/>
+          <a:p>
+            <a:pPr algn="ctr"/>
+            <a:r>
+              <a:rPr lang="en-US" sz="2400" dirty="0" smtClean="0"/>
+              <a:t>Link</a:t>
+            </a:r>
+          </a:p>
+          <a:p>
+            <a:pPr algn="ctr"/>
+            <a:r>
+              <a:rPr lang="en-US" sz="2400" dirty="0" smtClean="0"/>
+              <a:t>Link</a:t>
+            </a:r>
+          </a:p>
+          <a:p>
+            <a:pPr algn="ctr"/>
+            <a:r>
+              <a:rPr lang="en-US" sz="2400" dirty="0" smtClean="0"/>
+              <a:t>Link</a:t>
+            </a:r>
+          </a:p>
+          <a:p>
+            <a:pPr algn="ctr"/>
+            <a:r>
+              <a:rPr lang="en-US" sz="2400" dirty="0" smtClean="0"/>
+              <a:t>Link</a:t>
+            </a:r>
+            <a:endParaRPr lang="en-US" sz="2400" dirty="0"/>
+          </a:p>
+        </p:txBody>
+      </p:sp>
+      <p:sp>
+        <p:nvSpPr>
+          <p:cNvPr id="8" name="Rectangle 7"/>
+          <p:cNvSpPr/>
+          <p:nvPr/>
+        </p:nvSpPr>
+        <p:spPr>
+          <a:xfrm>
+            <a:off x="8634770" y="2084686"/>
+            <a:ext cx="2217740" cy="3195687"/>
+          </a:xfrm>
+          <a:prstGeom prst="rect">
+            <a:avLst/>
+          </a:prstGeom>
+        </p:spPr>
+        <p:style>
+          <a:lnRef idx="1">
+            <a:schemeClr val="accent3"/>
+          </a:lnRef>
+          <a:fillRef idx="2">
+            <a:schemeClr val="accent3"/>
+          </a:fillRef>
+          <a:effectRef idx="1">
+            <a:schemeClr val="accent3"/>
+          </a:effectRef>
+          <a:fontRef idx="minor">
+            <a:schemeClr val="dk1"/>
+          </a:fontRef>
+        </p:style>
+        <p:txBody>
+          <a:bodyPr rtlCol="0" anchor="ctr"/>
+          <a:lstStyle/>
+          <a:p>
+            <a:pPr algn="ctr"/>
+            <a:r>
+              <a:rPr lang="en-US" sz="2400" dirty="0" smtClean="0"/>
+              <a:t>Question:</a:t>
+            </a:r>
+          </a:p>
+          <a:p>
+            <a:pPr algn="ctr"/>
+            <a:r>
+              <a:rPr lang="en-US" sz="2400" dirty="0" smtClean="0"/>
+              <a:t>Who invented the light bulb?</a:t>
+            </a:r>
+          </a:p>
+          <a:p>
+            <a:pPr algn="ctr"/>
+            <a:endParaRPr lang="en-US" sz="2400" dirty="0"/>
+          </a:p>
+          <a:p>
+            <a:pPr algn="ctr"/>
+            <a:r>
+              <a:rPr lang="en-US" sz="2400" dirty="0" smtClean="0"/>
+              <a:t>Answer:</a:t>
+            </a:r>
+          </a:p>
+          <a:p>
+            <a:pPr algn="ctr"/>
+            <a:endParaRPr lang="en-US" sz="2400" dirty="0"/>
+          </a:p>
+          <a:p>
+            <a:pPr algn="ctr"/>
+            <a:endParaRPr lang="en-US" sz="2400" dirty="0"/>
+          </a:p>
+        </p:txBody>
+      </p:sp>
+      <p:sp>
+        <p:nvSpPr>
+          <p:cNvPr id="9" name="Rectangle 8"/>
+          <p:cNvSpPr/>
+          <p:nvPr/>
+        </p:nvSpPr>
+        <p:spPr>
+          <a:xfrm>
+            <a:off x="379413" y="1388226"/>
+            <a:ext cx="6462944" cy="736847"/>
+          </a:xfrm>
+          <a:prstGeom prst="rect">
+            <a:avLst/>
+          </a:prstGeom>
+        </p:spPr>
+        <p:style>
+          <a:lnRef idx="1">
+            <a:schemeClr val="dk1"/>
+          </a:lnRef>
+          <a:fillRef idx="2">
+            <a:schemeClr val="dk1"/>
+          </a:fillRef>
+          <a:effectRef idx="1">
+            <a:schemeClr val="dk1"/>
+          </a:effectRef>
+          <a:fontRef idx="minor">
+            <a:schemeClr val="dk1"/>
+          </a:fontRef>
+        </p:style>
+        <p:txBody>
+          <a:bodyPr rtlCol="0" anchor="ctr"/>
+          <a:lstStyle/>
+          <a:p>
+            <a:pPr marL="57131" lvl="0" defTabSz="914088">
+              <a:spcBef>
+                <a:spcPts val="1400"/>
+              </a:spcBef>
+            </a:pPr>
+            <a:r>
+              <a:rPr lang="en-US" sz="3200" kern="0" dirty="0">
+                <a:solidFill>
+                  <a:prstClr val="black"/>
+                </a:solidFill>
+                <a:latin typeface="Consolas" panose="020B0609020204030204" pitchFamily="49" charset="0"/>
+                <a:cs typeface="Consolas" panose="020B0609020204030204" pitchFamily="49" charset="0"/>
+              </a:rPr>
+              <a:t>{% extends </a:t>
+            </a:r>
+            <a:r>
+              <a:rPr lang="en-US" sz="3200" i="1" kern="0" dirty="0">
+                <a:solidFill>
+                  <a:prstClr val="black"/>
+                </a:solidFill>
+                <a:latin typeface="Consolas" panose="020B0609020204030204" pitchFamily="49" charset="0"/>
+                <a:cs typeface="Consolas" panose="020B0609020204030204" pitchFamily="49" charset="0"/>
+              </a:rPr>
+              <a:t>baseName.html</a:t>
+            </a:r>
+            <a:r>
+              <a:rPr lang="en-US" sz="3200" kern="0" dirty="0">
+                <a:solidFill>
+                  <a:prstClr val="black"/>
+                </a:solidFill>
+                <a:latin typeface="Consolas" panose="020B0609020204030204" pitchFamily="49" charset="0"/>
+                <a:cs typeface="Consolas" panose="020B0609020204030204" pitchFamily="49" charset="0"/>
+              </a:rPr>
+              <a:t> %}</a:t>
+            </a:r>
+          </a:p>
+        </p:txBody>
+      </p:sp>
+      <p:sp>
+        <p:nvSpPr>
+          <p:cNvPr id="10" name="Rectangle 9"/>
+          <p:cNvSpPr/>
+          <p:nvPr/>
+        </p:nvSpPr>
+        <p:spPr>
+          <a:xfrm>
+            <a:off x="379413" y="3266983"/>
+            <a:ext cx="6462944" cy="2013390"/>
+          </a:xfrm>
+          <a:prstGeom prst="rect">
+            <a:avLst/>
+          </a:prstGeom>
+        </p:spPr>
+        <p:style>
+          <a:lnRef idx="1">
+            <a:schemeClr val="accent3"/>
+          </a:lnRef>
+          <a:fillRef idx="2">
+            <a:schemeClr val="accent3"/>
+          </a:fillRef>
+          <a:effectRef idx="1">
+            <a:schemeClr val="accent3"/>
+          </a:effectRef>
+          <a:fontRef idx="minor">
+            <a:schemeClr val="dk1"/>
+          </a:fontRef>
+        </p:style>
+        <p:txBody>
+          <a:bodyPr rtlCol="0" anchor="ctr"/>
+          <a:lstStyle/>
+          <a:p>
+            <a:pPr marL="57131" lvl="0" defTabSz="914088">
+              <a:spcBef>
+                <a:spcPts val="1400"/>
+              </a:spcBef>
+            </a:pPr>
+            <a:r>
+              <a:rPr lang="en-US" sz="3200" kern="0" dirty="0">
+                <a:solidFill>
+                  <a:prstClr val="black"/>
+                </a:solidFill>
+                <a:latin typeface="Consolas" panose="020B0609020204030204" pitchFamily="49" charset="0"/>
+                <a:cs typeface="Consolas" panose="020B0609020204030204" pitchFamily="49" charset="0"/>
+              </a:rPr>
+              <a:t>{% block </a:t>
+            </a:r>
+            <a:r>
+              <a:rPr lang="en-US" sz="3200" i="1" kern="0" dirty="0" err="1" smtClean="0">
+                <a:solidFill>
+                  <a:prstClr val="black"/>
+                </a:solidFill>
+                <a:latin typeface="Consolas" panose="020B0609020204030204" pitchFamily="49" charset="0"/>
+                <a:cs typeface="Consolas" panose="020B0609020204030204" pitchFamily="49" charset="0"/>
+              </a:rPr>
+              <a:t>blockName</a:t>
+            </a:r>
+            <a:r>
+              <a:rPr lang="en-US" sz="3200" kern="0" dirty="0" smtClean="0">
+                <a:solidFill>
+                  <a:prstClr val="black"/>
+                </a:solidFill>
+                <a:latin typeface="Consolas" panose="020B0609020204030204" pitchFamily="49" charset="0"/>
+                <a:cs typeface="Consolas" panose="020B0609020204030204" pitchFamily="49" charset="0"/>
+              </a:rPr>
+              <a:t> </a:t>
+            </a:r>
+            <a:r>
+              <a:rPr lang="en-US" sz="3200" kern="0" dirty="0">
+                <a:solidFill>
+                  <a:prstClr val="black"/>
+                </a:solidFill>
+                <a:latin typeface="Consolas" panose="020B0609020204030204" pitchFamily="49" charset="0"/>
+                <a:cs typeface="Consolas" panose="020B0609020204030204" pitchFamily="49" charset="0"/>
+              </a:rPr>
+              <a:t>%}</a:t>
+            </a:r>
+          </a:p>
+          <a:p>
+            <a:pPr marL="57131" lvl="0" defTabSz="914088">
+              <a:spcBef>
+                <a:spcPts val="1400"/>
+              </a:spcBef>
+            </a:pPr>
+            <a:r>
+              <a:rPr lang="en-US" sz="3200" i="1" kern="0" dirty="0">
+                <a:solidFill>
+                  <a:prstClr val="black"/>
+                </a:solidFill>
+                <a:latin typeface="Consolas" panose="020B0609020204030204" pitchFamily="49" charset="0"/>
+                <a:cs typeface="Consolas" panose="020B0609020204030204" pitchFamily="49" charset="0"/>
+              </a:rPr>
+              <a:t>  Content to display</a:t>
+            </a:r>
+            <a:endParaRPr lang="en-US" sz="3200" kern="0" dirty="0">
+              <a:solidFill>
+                <a:prstClr val="black"/>
+              </a:solidFill>
+              <a:latin typeface="Consolas" panose="020B0609020204030204" pitchFamily="49" charset="0"/>
+              <a:cs typeface="Consolas" panose="020B0609020204030204" pitchFamily="49" charset="0"/>
+            </a:endParaRPr>
+          </a:p>
+          <a:p>
+            <a:pPr marL="57131" lvl="0" defTabSz="914088">
+              <a:spcBef>
+                <a:spcPts val="1400"/>
+              </a:spcBef>
+            </a:pPr>
+            <a:r>
+              <a:rPr lang="en-US" sz="3200" kern="0" dirty="0">
+                <a:solidFill>
+                  <a:prstClr val="black"/>
+                </a:solidFill>
+                <a:latin typeface="Consolas" panose="020B0609020204030204" pitchFamily="49" charset="0"/>
+                <a:cs typeface="Consolas" panose="020B0609020204030204" pitchFamily="49" charset="0"/>
+              </a:rPr>
+              <a:t>{% </a:t>
+            </a:r>
+            <a:r>
+              <a:rPr lang="en-US" sz="3200" kern="0" dirty="0" err="1">
+                <a:solidFill>
+                  <a:prstClr val="black"/>
+                </a:solidFill>
+                <a:latin typeface="Consolas" panose="020B0609020204030204" pitchFamily="49" charset="0"/>
+                <a:cs typeface="Consolas" panose="020B0609020204030204" pitchFamily="49" charset="0"/>
+              </a:rPr>
+              <a:t>endblock</a:t>
+            </a:r>
+            <a:r>
+              <a:rPr lang="en-US" sz="3200" kern="0" dirty="0">
+                <a:solidFill>
+                  <a:prstClr val="black"/>
+                </a:solidFill>
+                <a:latin typeface="Consolas" panose="020B0609020204030204" pitchFamily="49" charset="0"/>
+                <a:cs typeface="Consolas" panose="020B0609020204030204" pitchFamily="49" charset="0"/>
+              </a:rPr>
+              <a:t> %}</a:t>
             </a:r>
           </a:p>
         </p:txBody>
@@ -5554,7 +6448,7 @@
     </p:spTree>
     <p:extLst>
       <p:ext uri="{BB962C8B-B14F-4D97-AF65-F5344CB8AC3E}">
-        <p14:creationId xmlns:p14="http://schemas.microsoft.com/office/powerpoint/2010/main" val="4125404372"/>
+        <p14:creationId xmlns:p14="http://schemas.microsoft.com/office/powerpoint/2010/main" val="4221131137"/>
       </p:ext>
     </p:extLst>
   </p:cSld>
@@ -5564,9 +6458,250 @@
   <p:timing>
     <p:tnLst>
       <p:par>
-        <p:cTn id="1" dur="indefinite" restart="never" nodeType="tmRoot"/>
+        <p:cTn id="1" dur="indefinite" restart="never" nodeType="tmRoot">
+          <p:childTnLst>
+            <p:seq concurrent="1" nextAc="seek">
+              <p:cTn id="2" dur="indefinite" nodeType="mainSeq">
+                <p:childTnLst>
+                  <p:par>
+                    <p:cTn id="3" fill="hold">
+                      <p:stCondLst>
+                        <p:cond delay="indefinite"/>
+                      </p:stCondLst>
+                      <p:childTnLst>
+                        <p:par>
+                          <p:cTn id="4" fill="hold">
+                            <p:stCondLst>
+                              <p:cond delay="0"/>
+                            </p:stCondLst>
+                            <p:childTnLst>
+                              <p:par>
+                                <p:cTn id="5" presetID="10" presetClass="entr" presetSubtype="0" fill="hold" grpId="0" nodeType="clickEffect">
+                                  <p:stCondLst>
+                                    <p:cond delay="0"/>
+                                  </p:stCondLst>
+                                  <p:childTnLst>
+                                    <p:set>
+                                      <p:cBhvr>
+                                        <p:cTn id="6" dur="1" fill="hold">
+                                          <p:stCondLst>
+                                            <p:cond delay="0"/>
+                                          </p:stCondLst>
+                                        </p:cTn>
+                                        <p:tgtEl>
+                                          <p:spTgt spid="9"/>
+                                        </p:tgtEl>
+                                        <p:attrNameLst>
+                                          <p:attrName>style.visibility</p:attrName>
+                                        </p:attrNameLst>
+                                      </p:cBhvr>
+                                      <p:to>
+                                        <p:strVal val="visible"/>
+                                      </p:to>
+                                    </p:set>
+                                    <p:animEffect transition="in" filter="fade">
+                                      <p:cBhvr>
+                                        <p:cTn id="7" dur="500"/>
+                                        <p:tgtEl>
+                                          <p:spTgt spid="9"/>
+                                        </p:tgtEl>
+                                      </p:cBhvr>
+                                    </p:animEffect>
+                                  </p:childTnLst>
+                                </p:cTn>
+                              </p:par>
+                              <p:par>
+                                <p:cTn id="8" presetID="10" presetClass="entr" presetSubtype="0" fill="hold" grpId="0" nodeType="withEffect">
+                                  <p:stCondLst>
+                                    <p:cond delay="0"/>
+                                  </p:stCondLst>
+                                  <p:childTnLst>
+                                    <p:set>
+                                      <p:cBhvr>
+                                        <p:cTn id="9" dur="1" fill="hold">
+                                          <p:stCondLst>
+                                            <p:cond delay="0"/>
+                                          </p:stCondLst>
+                                        </p:cTn>
+                                        <p:tgtEl>
+                                          <p:spTgt spid="7"/>
+                                        </p:tgtEl>
+                                        <p:attrNameLst>
+                                          <p:attrName>style.visibility</p:attrName>
+                                        </p:attrNameLst>
+                                      </p:cBhvr>
+                                      <p:to>
+                                        <p:strVal val="visible"/>
+                                      </p:to>
+                                    </p:set>
+                                    <p:animEffect transition="in" filter="fade">
+                                      <p:cBhvr>
+                                        <p:cTn id="10" dur="500"/>
+                                        <p:tgtEl>
+                                          <p:spTgt spid="7"/>
+                                        </p:tgtEl>
+                                      </p:cBhvr>
+                                    </p:animEffect>
+                                  </p:childTnLst>
+                                </p:cTn>
+                              </p:par>
+                              <p:par>
+                                <p:cTn id="11" presetID="10" presetClass="entr" presetSubtype="0" fill="hold" grpId="0" nodeType="withEffect">
+                                  <p:stCondLst>
+                                    <p:cond delay="0"/>
+                                  </p:stCondLst>
+                                  <p:childTnLst>
+                                    <p:set>
+                                      <p:cBhvr>
+                                        <p:cTn id="12" dur="1" fill="hold">
+                                          <p:stCondLst>
+                                            <p:cond delay="0"/>
+                                          </p:stCondLst>
+                                        </p:cTn>
+                                        <p:tgtEl>
+                                          <p:spTgt spid="6"/>
+                                        </p:tgtEl>
+                                        <p:attrNameLst>
+                                          <p:attrName>style.visibility</p:attrName>
+                                        </p:attrNameLst>
+                                      </p:cBhvr>
+                                      <p:to>
+                                        <p:strVal val="visible"/>
+                                      </p:to>
+                                    </p:set>
+                                    <p:animEffect transition="in" filter="fade">
+                                      <p:cBhvr>
+                                        <p:cTn id="13" dur="500"/>
+                                        <p:tgtEl>
+                                          <p:spTgt spid="6"/>
+                                        </p:tgtEl>
+                                      </p:cBhvr>
+                                    </p:animEffect>
+                                  </p:childTnLst>
+                                </p:cTn>
+                              </p:par>
+                            </p:childTnLst>
+                          </p:cTn>
+                        </p:par>
+                      </p:childTnLst>
+                    </p:cTn>
+                  </p:par>
+                  <p:par>
+                    <p:cTn id="14" fill="hold">
+                      <p:stCondLst>
+                        <p:cond delay="indefinite"/>
+                      </p:stCondLst>
+                      <p:childTnLst>
+                        <p:par>
+                          <p:cTn id="15" fill="hold">
+                            <p:stCondLst>
+                              <p:cond delay="0"/>
+                            </p:stCondLst>
+                            <p:childTnLst>
+                              <p:par>
+                                <p:cTn id="16" presetID="10" presetClass="entr" presetSubtype="0" fill="hold" grpId="0" nodeType="clickEffect">
+                                  <p:stCondLst>
+                                    <p:cond delay="0"/>
+                                  </p:stCondLst>
+                                  <p:childTnLst>
+                                    <p:set>
+                                      <p:cBhvr>
+                                        <p:cTn id="17" dur="1" fill="hold">
+                                          <p:stCondLst>
+                                            <p:cond delay="0"/>
+                                          </p:stCondLst>
+                                        </p:cTn>
+                                        <p:tgtEl>
+                                          <p:spTgt spid="10"/>
+                                        </p:tgtEl>
+                                        <p:attrNameLst>
+                                          <p:attrName>style.visibility</p:attrName>
+                                        </p:attrNameLst>
+                                      </p:cBhvr>
+                                      <p:to>
+                                        <p:strVal val="visible"/>
+                                      </p:to>
+                                    </p:set>
+                                    <p:animEffect transition="in" filter="fade">
+                                      <p:cBhvr>
+                                        <p:cTn id="18" dur="500"/>
+                                        <p:tgtEl>
+                                          <p:spTgt spid="10"/>
+                                        </p:tgtEl>
+                                      </p:cBhvr>
+                                    </p:animEffect>
+                                  </p:childTnLst>
+                                </p:cTn>
+                              </p:par>
+                              <p:par>
+                                <p:cTn id="19" presetID="10" presetClass="entr" presetSubtype="0" fill="hold" grpId="0" nodeType="withEffect">
+                                  <p:stCondLst>
+                                    <p:cond delay="0"/>
+                                  </p:stCondLst>
+                                  <p:childTnLst>
+                                    <p:set>
+                                      <p:cBhvr>
+                                        <p:cTn id="20" dur="1" fill="hold">
+                                          <p:stCondLst>
+                                            <p:cond delay="0"/>
+                                          </p:stCondLst>
+                                        </p:cTn>
+                                        <p:tgtEl>
+                                          <p:spTgt spid="8"/>
+                                        </p:tgtEl>
+                                        <p:attrNameLst>
+                                          <p:attrName>style.visibility</p:attrName>
+                                        </p:attrNameLst>
+                                      </p:cBhvr>
+                                      <p:to>
+                                        <p:strVal val="visible"/>
+                                      </p:to>
+                                    </p:set>
+                                    <p:animEffect transition="in" filter="fade">
+                                      <p:cBhvr>
+                                        <p:cTn id="21" dur="500"/>
+                                        <p:tgtEl>
+                                          <p:spTgt spid="8"/>
+                                        </p:tgtEl>
+                                      </p:cBhvr>
+                                    </p:animEffect>
+                                  </p:childTnLst>
+                                </p:cTn>
+                              </p:par>
+                            </p:childTnLst>
+                          </p:cTn>
+                        </p:par>
+                      </p:childTnLst>
+                    </p:cTn>
+                  </p:par>
+                </p:childTnLst>
+              </p:cTn>
+              <p:prevCondLst>
+                <p:cond evt="onPrev" delay="0">
+                  <p:tgtEl>
+                    <p:sldTgt/>
+                  </p:tgtEl>
+                </p:cond>
+              </p:prevCondLst>
+              <p:nextCondLst>
+                <p:cond evt="onNext" delay="0">
+                  <p:tgtEl>
+                    <p:sldTgt/>
+                  </p:tgtEl>
+                </p:cond>
+              </p:nextCondLst>
+            </p:seq>
+          </p:childTnLst>
+        </p:cTn>
       </p:par>
     </p:tnLst>
+    <p:bldLst>
+      <p:bldP spid="6" grpId="0" animBg="1"/>
+      <p:bldP spid="7" grpId="0" animBg="1"/>
+      <p:bldP spid="8" grpId="0" animBg="1"/>
+      <p:bldP spid="9" grpId="0" animBg="1"/>
+      <p:bldP spid="10" grpId="0" animBg="1"/>
+    </p:bldLst>
   </p:timing>
 </p:sld>
 </file>
@@ -5590,7 +6725,7 @@
       </p:grpSpPr>
       <p:sp>
         <p:nvSpPr>
-          <p:cNvPr id="4" name="Title 3"/>
+          <p:cNvPr id="2" name="Title 1"/>
           <p:cNvSpPr>
             <a:spLocks noGrp="1"/>
           </p:cNvSpPr>
@@ -5604,21 +6739,75 @@
           <a:lstStyle/>
           <a:p>
             <a:r>
-              <a:rPr lang="en-US" dirty="0" err="1" smtClean="0"/>
-              <a:t>Jinja</a:t>
-            </a:r>
-            <a:r>
               <a:rPr lang="en-US" dirty="0" smtClean="0"/>
-              <a:t> templates in action</a:t>
+              <a:t>Frequently asked questions</a:t>
             </a:r>
             <a:endParaRPr lang="en-US" dirty="0"/>
+          </a:p>
+        </p:txBody>
+      </p:sp>
+      <p:sp>
+        <p:nvSpPr>
+          <p:cNvPr id="3" name="Content Placeholder 2"/>
+          <p:cNvSpPr>
+            <a:spLocks noGrp="1"/>
+          </p:cNvSpPr>
+          <p:nvPr>
+            <p:ph sz="quarter" idx="10"/>
+          </p:nvPr>
+        </p:nvSpPr>
+        <p:spPr/>
+        <p:txBody>
+          <a:bodyPr>
+            <a:normAutofit/>
+          </a:bodyPr>
+          <a:lstStyle/>
+          <a:p>
+            <a:r>
+              <a:rPr lang="en-US" dirty="0" smtClean="0"/>
+              <a:t>Does the user notice anything different or odd when you use template inheritance?</a:t>
+            </a:r>
+          </a:p>
+          <a:p>
+            <a:pPr lvl="1"/>
+            <a:r>
+              <a:rPr lang="en-US" dirty="0" smtClean="0"/>
+              <a:t>Nope! </a:t>
+            </a:r>
+          </a:p>
+          <a:p>
+            <a:pPr lvl="2"/>
+            <a:r>
+              <a:rPr lang="en-US" dirty="0" smtClean="0"/>
+              <a:t>Everything is combined on the server before it's sent to the user</a:t>
+            </a:r>
+          </a:p>
+          <a:p>
+            <a:r>
+              <a:rPr lang="en-US" dirty="0" smtClean="0"/>
+              <a:t>Can you have multiple blocks on a parent page?</a:t>
+            </a:r>
+          </a:p>
+          <a:p>
+            <a:pPr lvl="1"/>
+            <a:r>
+              <a:rPr lang="en-US" dirty="0" smtClean="0"/>
+              <a:t>Absolutely!</a:t>
+            </a:r>
+          </a:p>
+          <a:p>
+            <a:pPr lvl="2"/>
+            <a:r>
+              <a:rPr lang="en-US" dirty="0" smtClean="0"/>
+              <a:t>This can be very useful for things like scripts and page titles</a:t>
+            </a:r>
           </a:p>
         </p:txBody>
       </p:sp>
     </p:spTree>
     <p:extLst>
       <p:ext uri="{BB962C8B-B14F-4D97-AF65-F5344CB8AC3E}">
-        <p14:creationId xmlns:p14="http://schemas.microsoft.com/office/powerpoint/2010/main" val="547973552"/>
+        <p14:creationId xmlns:p14="http://schemas.microsoft.com/office/powerpoint/2010/main" val="4125404372"/>
       </p:ext>
     </p:extLst>
   </p:cSld>
@@ -5628,9 +6817,329 @@
   <p:timing>
     <p:tnLst>
       <p:par>
-        <p:cTn id="1" dur="indefinite" restart="never" nodeType="tmRoot"/>
+        <p:cTn id="1" dur="indefinite" restart="never" nodeType="tmRoot">
+          <p:childTnLst>
+            <p:seq concurrent="1" nextAc="seek">
+              <p:cTn id="2" dur="indefinite" nodeType="mainSeq">
+                <p:childTnLst>
+                  <p:par>
+                    <p:cTn id="3" fill="hold">
+                      <p:stCondLst>
+                        <p:cond delay="indefinite"/>
+                      </p:stCondLst>
+                      <p:childTnLst>
+                        <p:par>
+                          <p:cTn id="4" fill="hold">
+                            <p:stCondLst>
+                              <p:cond delay="0"/>
+                            </p:stCondLst>
+                            <p:childTnLst>
+                              <p:par>
+                                <p:cTn id="5" presetID="10" presetClass="entr" presetSubtype="0" fill="hold" grpId="0" nodeType="clickEffect">
+                                  <p:stCondLst>
+                                    <p:cond delay="0"/>
+                                  </p:stCondLst>
+                                  <p:childTnLst>
+                                    <p:set>
+                                      <p:cBhvr>
+                                        <p:cTn id="6" dur="1" fill="hold">
+                                          <p:stCondLst>
+                                            <p:cond delay="0"/>
+                                          </p:stCondLst>
+                                        </p:cTn>
+                                        <p:tgtEl>
+                                          <p:spTgt spid="3">
+                                            <p:txEl>
+                                              <p:pRg st="0" end="0"/>
+                                            </p:txEl>
+                                          </p:spTgt>
+                                        </p:tgtEl>
+                                        <p:attrNameLst>
+                                          <p:attrName>style.visibility</p:attrName>
+                                        </p:attrNameLst>
+                                      </p:cBhvr>
+                                      <p:to>
+                                        <p:strVal val="visible"/>
+                                      </p:to>
+                                    </p:set>
+                                    <p:animEffect transition="in" filter="fade">
+                                      <p:cBhvr>
+                                        <p:cTn id="7" dur="500"/>
+                                        <p:tgtEl>
+                                          <p:spTgt spid="3">
+                                            <p:txEl>
+                                              <p:pRg st="0" end="0"/>
+                                            </p:txEl>
+                                          </p:spTgt>
+                                        </p:tgtEl>
+                                      </p:cBhvr>
+                                    </p:animEffect>
+                                  </p:childTnLst>
+                                </p:cTn>
+                              </p:par>
+                              <p:par>
+                                <p:cTn id="8" presetID="10" presetClass="entr" presetSubtype="0" fill="hold" grpId="0" nodeType="withEffect">
+                                  <p:stCondLst>
+                                    <p:cond delay="0"/>
+                                  </p:stCondLst>
+                                  <p:childTnLst>
+                                    <p:set>
+                                      <p:cBhvr>
+                                        <p:cTn id="9" dur="1" fill="hold">
+                                          <p:stCondLst>
+                                            <p:cond delay="0"/>
+                                          </p:stCondLst>
+                                        </p:cTn>
+                                        <p:tgtEl>
+                                          <p:spTgt spid="3">
+                                            <p:txEl>
+                                              <p:pRg st="1" end="1"/>
+                                            </p:txEl>
+                                          </p:spTgt>
+                                        </p:tgtEl>
+                                        <p:attrNameLst>
+                                          <p:attrName>style.visibility</p:attrName>
+                                        </p:attrNameLst>
+                                      </p:cBhvr>
+                                      <p:to>
+                                        <p:strVal val="visible"/>
+                                      </p:to>
+                                    </p:set>
+                                    <p:animEffect transition="in" filter="fade">
+                                      <p:cBhvr>
+                                        <p:cTn id="10" dur="500"/>
+                                        <p:tgtEl>
+                                          <p:spTgt spid="3">
+                                            <p:txEl>
+                                              <p:pRg st="1" end="1"/>
+                                            </p:txEl>
+                                          </p:spTgt>
+                                        </p:tgtEl>
+                                      </p:cBhvr>
+                                    </p:animEffect>
+                                  </p:childTnLst>
+                                </p:cTn>
+                              </p:par>
+                              <p:par>
+                                <p:cTn id="11" presetID="10" presetClass="entr" presetSubtype="0" fill="hold" grpId="0" nodeType="withEffect">
+                                  <p:stCondLst>
+                                    <p:cond delay="0"/>
+                                  </p:stCondLst>
+                                  <p:childTnLst>
+                                    <p:set>
+                                      <p:cBhvr>
+                                        <p:cTn id="12" dur="1" fill="hold">
+                                          <p:stCondLst>
+                                            <p:cond delay="0"/>
+                                          </p:stCondLst>
+                                        </p:cTn>
+                                        <p:tgtEl>
+                                          <p:spTgt spid="3">
+                                            <p:txEl>
+                                              <p:pRg st="2" end="2"/>
+                                            </p:txEl>
+                                          </p:spTgt>
+                                        </p:tgtEl>
+                                        <p:attrNameLst>
+                                          <p:attrName>style.visibility</p:attrName>
+                                        </p:attrNameLst>
+                                      </p:cBhvr>
+                                      <p:to>
+                                        <p:strVal val="visible"/>
+                                      </p:to>
+                                    </p:set>
+                                    <p:animEffect transition="in" filter="fade">
+                                      <p:cBhvr>
+                                        <p:cTn id="13" dur="500"/>
+                                        <p:tgtEl>
+                                          <p:spTgt spid="3">
+                                            <p:txEl>
+                                              <p:pRg st="2" end="2"/>
+                                            </p:txEl>
+                                          </p:spTgt>
+                                        </p:tgtEl>
+                                      </p:cBhvr>
+                                    </p:animEffect>
+                                  </p:childTnLst>
+                                </p:cTn>
+                              </p:par>
+                            </p:childTnLst>
+                          </p:cTn>
+                        </p:par>
+                      </p:childTnLst>
+                    </p:cTn>
+                  </p:par>
+                  <p:par>
+                    <p:cTn id="14" fill="hold">
+                      <p:stCondLst>
+                        <p:cond delay="indefinite"/>
+                      </p:stCondLst>
+                      <p:childTnLst>
+                        <p:par>
+                          <p:cTn id="15" fill="hold">
+                            <p:stCondLst>
+                              <p:cond delay="0"/>
+                            </p:stCondLst>
+                            <p:childTnLst>
+                              <p:par>
+                                <p:cTn id="16" presetID="10" presetClass="entr" presetSubtype="0" fill="hold" grpId="0" nodeType="clickEffect">
+                                  <p:stCondLst>
+                                    <p:cond delay="0"/>
+                                  </p:stCondLst>
+                                  <p:childTnLst>
+                                    <p:set>
+                                      <p:cBhvr>
+                                        <p:cTn id="17" dur="1" fill="hold">
+                                          <p:stCondLst>
+                                            <p:cond delay="0"/>
+                                          </p:stCondLst>
+                                        </p:cTn>
+                                        <p:tgtEl>
+                                          <p:spTgt spid="3">
+                                            <p:txEl>
+                                              <p:pRg st="3" end="3"/>
+                                            </p:txEl>
+                                          </p:spTgt>
+                                        </p:tgtEl>
+                                        <p:attrNameLst>
+                                          <p:attrName>style.visibility</p:attrName>
+                                        </p:attrNameLst>
+                                      </p:cBhvr>
+                                      <p:to>
+                                        <p:strVal val="visible"/>
+                                      </p:to>
+                                    </p:set>
+                                    <p:animEffect transition="in" filter="fade">
+                                      <p:cBhvr>
+                                        <p:cTn id="18" dur="500"/>
+                                        <p:tgtEl>
+                                          <p:spTgt spid="3">
+                                            <p:txEl>
+                                              <p:pRg st="3" end="3"/>
+                                            </p:txEl>
+                                          </p:spTgt>
+                                        </p:tgtEl>
+                                      </p:cBhvr>
+                                    </p:animEffect>
+                                  </p:childTnLst>
+                                </p:cTn>
+                              </p:par>
+                              <p:par>
+                                <p:cTn id="19" presetID="10" presetClass="entr" presetSubtype="0" fill="hold" grpId="0" nodeType="withEffect">
+                                  <p:stCondLst>
+                                    <p:cond delay="0"/>
+                                  </p:stCondLst>
+                                  <p:childTnLst>
+                                    <p:set>
+                                      <p:cBhvr>
+                                        <p:cTn id="20" dur="1" fill="hold">
+                                          <p:stCondLst>
+                                            <p:cond delay="0"/>
+                                          </p:stCondLst>
+                                        </p:cTn>
+                                        <p:tgtEl>
+                                          <p:spTgt spid="3">
+                                            <p:txEl>
+                                              <p:pRg st="4" end="4"/>
+                                            </p:txEl>
+                                          </p:spTgt>
+                                        </p:tgtEl>
+                                        <p:attrNameLst>
+                                          <p:attrName>style.visibility</p:attrName>
+                                        </p:attrNameLst>
+                                      </p:cBhvr>
+                                      <p:to>
+                                        <p:strVal val="visible"/>
+                                      </p:to>
+                                    </p:set>
+                                    <p:animEffect transition="in" filter="fade">
+                                      <p:cBhvr>
+                                        <p:cTn id="21" dur="500"/>
+                                        <p:tgtEl>
+                                          <p:spTgt spid="3">
+                                            <p:txEl>
+                                              <p:pRg st="4" end="4"/>
+                                            </p:txEl>
+                                          </p:spTgt>
+                                        </p:tgtEl>
+                                      </p:cBhvr>
+                                    </p:animEffect>
+                                  </p:childTnLst>
+                                </p:cTn>
+                              </p:par>
+                              <p:par>
+                                <p:cTn id="22" presetID="10" presetClass="entr" presetSubtype="0" fill="hold" grpId="0" nodeType="withEffect">
+                                  <p:stCondLst>
+                                    <p:cond delay="0"/>
+                                  </p:stCondLst>
+                                  <p:childTnLst>
+                                    <p:set>
+                                      <p:cBhvr>
+                                        <p:cTn id="23" dur="1" fill="hold">
+                                          <p:stCondLst>
+                                            <p:cond delay="0"/>
+                                          </p:stCondLst>
+                                        </p:cTn>
+                                        <p:tgtEl>
+                                          <p:spTgt spid="3">
+                                            <p:txEl>
+                                              <p:pRg st="5" end="5"/>
+                                            </p:txEl>
+                                          </p:spTgt>
+                                        </p:tgtEl>
+                                        <p:attrNameLst>
+                                          <p:attrName>style.visibility</p:attrName>
+                                        </p:attrNameLst>
+                                      </p:cBhvr>
+                                      <p:to>
+                                        <p:strVal val="visible"/>
+                                      </p:to>
+                                    </p:set>
+                                    <p:animEffect transition="in" filter="fade">
+                                      <p:cBhvr>
+                                        <p:cTn id="24" dur="500"/>
+                                        <p:tgtEl>
+                                          <p:spTgt spid="3">
+                                            <p:txEl>
+                                              <p:pRg st="5" end="5"/>
+                                            </p:txEl>
+                                          </p:spTgt>
+                                        </p:tgtEl>
+                                      </p:cBhvr>
+                                    </p:animEffect>
+                                  </p:childTnLst>
+                                </p:cTn>
+                              </p:par>
+                            </p:childTnLst>
+                          </p:cTn>
+                        </p:par>
+                      </p:childTnLst>
+                    </p:cTn>
+                  </p:par>
+                </p:childTnLst>
+              </p:cTn>
+              <p:prevCondLst>
+                <p:cond evt="onPrev" delay="0">
+                  <p:tgtEl>
+                    <p:sldTgt/>
+                  </p:tgtEl>
+                </p:cond>
+              </p:prevCondLst>
+              <p:nextCondLst>
+                <p:cond evt="onNext" delay="0">
+                  <p:tgtEl>
+                    <p:sldTgt/>
+                  </p:tgtEl>
+                </p:cond>
+              </p:nextCondLst>
+            </p:seq>
+          </p:childTnLst>
+        </p:cTn>
       </p:par>
     </p:tnLst>
+    <p:bldLst>
+      <p:bldP spid="3" grpId="0" build="p"/>
+    </p:bldLst>
   </p:timing>
 </p:sld>
 </file>
@@ -5654,12 +7163,12 @@
       </p:grpSpPr>
       <p:sp>
         <p:nvSpPr>
-          <p:cNvPr id="6" name="Text Placeholder 5"/>
+          <p:cNvPr id="2" name="Title 1"/>
           <p:cNvSpPr>
             <a:spLocks noGrp="1"/>
           </p:cNvSpPr>
           <p:nvPr>
-            <p:ph type="body" sz="quarter" idx="10"/>
+            <p:ph type="title"/>
           </p:nvPr>
         </p:nvSpPr>
         <p:spPr/>
@@ -5668,27 +7177,115 @@
           <a:lstStyle/>
           <a:p>
             <a:r>
-              <a:rPr lang="en-US" dirty="0"/>
-              <a:t>How about advanced layouts?</a:t>
-            </a:r>
-          </a:p>
-        </p:txBody>
-      </p:sp>
-      <p:sp>
-        <p:nvSpPr>
-          <p:cNvPr id="5" name="Subtitle 4"/>
+              <a:rPr lang="en-US" dirty="0" smtClean="0"/>
+              <a:t>Additional frequently asked questions</a:t>
+            </a:r>
+            <a:endParaRPr lang="en-US" dirty="0"/>
+          </a:p>
+        </p:txBody>
+      </p:sp>
+      <p:sp>
+        <p:nvSpPr>
+          <p:cNvPr id="3" name="Content Placeholder 2"/>
           <p:cNvSpPr>
             <a:spLocks noGrp="1"/>
           </p:cNvSpPr>
           <p:nvPr>
-            <p:ph type="subTitle" idx="1"/>
+            <p:ph sz="quarter" idx="10"/>
           </p:nvPr>
         </p:nvSpPr>
         <p:spPr/>
         <p:txBody>
-          <a:bodyPr/>
+          <a:bodyPr>
+            <a:normAutofit lnSpcReduction="10000"/>
+          </a:bodyPr>
           <a:lstStyle/>
           <a:p>
+            <a:r>
+              <a:rPr lang="en-US" dirty="0"/>
+              <a:t>Do you have to provide default content in the </a:t>
+            </a:r>
+            <a:r>
+              <a:rPr lang="en-US" dirty="0" smtClean="0"/>
+              <a:t>parent </a:t>
+            </a:r>
+            <a:r>
+              <a:rPr lang="en-US" dirty="0"/>
+              <a:t>page?</a:t>
+            </a:r>
+          </a:p>
+          <a:p>
+            <a:pPr lvl="1"/>
+            <a:r>
+              <a:rPr lang="en-US" dirty="0" smtClean="0"/>
+              <a:t>Nope!</a:t>
+            </a:r>
+          </a:p>
+          <a:p>
+            <a:pPr lvl="2"/>
+            <a:r>
+              <a:rPr lang="en-US" dirty="0" smtClean="0"/>
+              <a:t>Completely optional</a:t>
+            </a:r>
+            <a:endParaRPr lang="en-US" dirty="0"/>
+          </a:p>
+          <a:p>
+            <a:r>
+              <a:rPr lang="en-US" dirty="0"/>
+              <a:t>Do you have to provide content for every block in the </a:t>
+            </a:r>
+            <a:r>
+              <a:rPr lang="en-US" dirty="0" smtClean="0"/>
+              <a:t>child page</a:t>
+            </a:r>
+            <a:r>
+              <a:rPr lang="en-US" dirty="0"/>
+              <a:t>?</a:t>
+            </a:r>
+          </a:p>
+          <a:p>
+            <a:pPr lvl="1"/>
+            <a:r>
+              <a:rPr lang="en-US" dirty="0" smtClean="0"/>
+              <a:t>Nope!</a:t>
+            </a:r>
+          </a:p>
+          <a:p>
+            <a:pPr lvl="2"/>
+            <a:r>
+              <a:rPr lang="en-US" dirty="0" smtClean="0"/>
+              <a:t>Completely optional</a:t>
+            </a:r>
+            <a:endParaRPr lang="en-US" dirty="0"/>
+          </a:p>
+          <a:p>
+            <a:r>
+              <a:rPr lang="en-US" dirty="0" smtClean="0"/>
+              <a:t>What happens if I use a block name in a child page that doesn't exist in the parent page?</a:t>
+            </a:r>
+            <a:endParaRPr lang="en-US" dirty="0"/>
+          </a:p>
+          <a:p>
+            <a:pPr lvl="1"/>
+            <a:r>
+              <a:rPr lang="en-US" dirty="0" smtClean="0"/>
+              <a:t>It breaks!</a:t>
+            </a:r>
+          </a:p>
+          <a:p>
+            <a:pPr lvl="2"/>
+            <a:r>
+              <a:rPr lang="en-US" dirty="0" smtClean="0"/>
+              <a:t>Jinja won't </a:t>
+            </a:r>
+            <a:r>
+              <a:rPr lang="en-US" dirty="0"/>
+              <a:t>know where to put </a:t>
+            </a:r>
+            <a:r>
+              <a:rPr lang="en-US" dirty="0" smtClean="0"/>
+              <a:t>things</a:t>
+            </a:r>
             <a:endParaRPr lang="en-US" dirty="0"/>
           </a:p>
         </p:txBody>
@@ -5696,7 +7293,7 @@
     </p:spTree>
     <p:extLst>
       <p:ext uri="{BB962C8B-B14F-4D97-AF65-F5344CB8AC3E}">
-        <p14:creationId xmlns:p14="http://schemas.microsoft.com/office/powerpoint/2010/main" val="3550380015"/>
+        <p14:creationId xmlns:p14="http://schemas.microsoft.com/office/powerpoint/2010/main" val="1668624314"/>
       </p:ext>
     </p:extLst>
   </p:cSld>
@@ -5706,9 +7303,476 @@
   <p:timing>
     <p:tnLst>
       <p:par>
-        <p:cTn id="1" dur="indefinite" restart="never" nodeType="tmRoot"/>
+        <p:cTn id="1" dur="indefinite" restart="never" nodeType="tmRoot">
+          <p:childTnLst>
+            <p:seq concurrent="1" nextAc="seek">
+              <p:cTn id="2" dur="indefinite" nodeType="mainSeq">
+                <p:childTnLst>
+                  <p:par>
+                    <p:cTn id="3" fill="hold">
+                      <p:stCondLst>
+                        <p:cond delay="indefinite"/>
+                      </p:stCondLst>
+                      <p:childTnLst>
+                        <p:par>
+                          <p:cTn id="4" fill="hold">
+                            <p:stCondLst>
+                              <p:cond delay="0"/>
+                            </p:stCondLst>
+                            <p:childTnLst>
+                              <p:par>
+                                <p:cTn id="5" presetID="10" presetClass="entr" presetSubtype="0" fill="hold" grpId="0" nodeType="clickEffect">
+                                  <p:stCondLst>
+                                    <p:cond delay="0"/>
+                                  </p:stCondLst>
+                                  <p:childTnLst>
+                                    <p:set>
+                                      <p:cBhvr>
+                                        <p:cTn id="6" dur="1" fill="hold">
+                                          <p:stCondLst>
+                                            <p:cond delay="0"/>
+                                          </p:stCondLst>
+                                        </p:cTn>
+                                        <p:tgtEl>
+                                          <p:spTgt spid="3">
+                                            <p:txEl>
+                                              <p:pRg st="0" end="0"/>
+                                            </p:txEl>
+                                          </p:spTgt>
+                                        </p:tgtEl>
+                                        <p:attrNameLst>
+                                          <p:attrName>style.visibility</p:attrName>
+                                        </p:attrNameLst>
+                                      </p:cBhvr>
+                                      <p:to>
+                                        <p:strVal val="visible"/>
+                                      </p:to>
+                                    </p:set>
+                                    <p:animEffect transition="in" filter="fade">
+                                      <p:cBhvr>
+                                        <p:cTn id="7" dur="500"/>
+                                        <p:tgtEl>
+                                          <p:spTgt spid="3">
+                                            <p:txEl>
+                                              <p:pRg st="0" end="0"/>
+                                            </p:txEl>
+                                          </p:spTgt>
+                                        </p:tgtEl>
+                                      </p:cBhvr>
+                                    </p:animEffect>
+                                  </p:childTnLst>
+                                </p:cTn>
+                              </p:par>
+                              <p:par>
+                                <p:cTn id="8" presetID="10" presetClass="entr" presetSubtype="0" fill="hold" grpId="0" nodeType="withEffect">
+                                  <p:stCondLst>
+                                    <p:cond delay="0"/>
+                                  </p:stCondLst>
+                                  <p:childTnLst>
+                                    <p:set>
+                                      <p:cBhvr>
+                                        <p:cTn id="9" dur="1" fill="hold">
+                                          <p:stCondLst>
+                                            <p:cond delay="0"/>
+                                          </p:stCondLst>
+                                        </p:cTn>
+                                        <p:tgtEl>
+                                          <p:spTgt spid="3">
+                                            <p:txEl>
+                                              <p:pRg st="1" end="1"/>
+                                            </p:txEl>
+                                          </p:spTgt>
+                                        </p:tgtEl>
+                                        <p:attrNameLst>
+                                          <p:attrName>style.visibility</p:attrName>
+                                        </p:attrNameLst>
+                                      </p:cBhvr>
+                                      <p:to>
+                                        <p:strVal val="visible"/>
+                                      </p:to>
+                                    </p:set>
+                                    <p:animEffect transition="in" filter="fade">
+                                      <p:cBhvr>
+                                        <p:cTn id="10" dur="500"/>
+                                        <p:tgtEl>
+                                          <p:spTgt spid="3">
+                                            <p:txEl>
+                                              <p:pRg st="1" end="1"/>
+                                            </p:txEl>
+                                          </p:spTgt>
+                                        </p:tgtEl>
+                                      </p:cBhvr>
+                                    </p:animEffect>
+                                  </p:childTnLst>
+                                </p:cTn>
+                              </p:par>
+                              <p:par>
+                                <p:cTn id="11" presetID="10" presetClass="entr" presetSubtype="0" fill="hold" grpId="0" nodeType="withEffect">
+                                  <p:stCondLst>
+                                    <p:cond delay="0"/>
+                                  </p:stCondLst>
+                                  <p:childTnLst>
+                                    <p:set>
+                                      <p:cBhvr>
+                                        <p:cTn id="12" dur="1" fill="hold">
+                                          <p:stCondLst>
+                                            <p:cond delay="0"/>
+                                          </p:stCondLst>
+                                        </p:cTn>
+                                        <p:tgtEl>
+                                          <p:spTgt spid="3">
+                                            <p:txEl>
+                                              <p:pRg st="2" end="2"/>
+                                            </p:txEl>
+                                          </p:spTgt>
+                                        </p:tgtEl>
+                                        <p:attrNameLst>
+                                          <p:attrName>style.visibility</p:attrName>
+                                        </p:attrNameLst>
+                                      </p:cBhvr>
+                                      <p:to>
+                                        <p:strVal val="visible"/>
+                                      </p:to>
+                                    </p:set>
+                                    <p:animEffect transition="in" filter="fade">
+                                      <p:cBhvr>
+                                        <p:cTn id="13" dur="500"/>
+                                        <p:tgtEl>
+                                          <p:spTgt spid="3">
+                                            <p:txEl>
+                                              <p:pRg st="2" end="2"/>
+                                            </p:txEl>
+                                          </p:spTgt>
+                                        </p:tgtEl>
+                                      </p:cBhvr>
+                                    </p:animEffect>
+                                  </p:childTnLst>
+                                </p:cTn>
+                              </p:par>
+                            </p:childTnLst>
+                          </p:cTn>
+                        </p:par>
+                      </p:childTnLst>
+                    </p:cTn>
+                  </p:par>
+                  <p:par>
+                    <p:cTn id="14" fill="hold">
+                      <p:stCondLst>
+                        <p:cond delay="indefinite"/>
+                      </p:stCondLst>
+                      <p:childTnLst>
+                        <p:par>
+                          <p:cTn id="15" fill="hold">
+                            <p:stCondLst>
+                              <p:cond delay="0"/>
+                            </p:stCondLst>
+                            <p:childTnLst>
+                              <p:par>
+                                <p:cTn id="16" presetID="10" presetClass="entr" presetSubtype="0" fill="hold" grpId="0" nodeType="clickEffect">
+                                  <p:stCondLst>
+                                    <p:cond delay="0"/>
+                                  </p:stCondLst>
+                                  <p:childTnLst>
+                                    <p:set>
+                                      <p:cBhvr>
+                                        <p:cTn id="17" dur="1" fill="hold">
+                                          <p:stCondLst>
+                                            <p:cond delay="0"/>
+                                          </p:stCondLst>
+                                        </p:cTn>
+                                        <p:tgtEl>
+                                          <p:spTgt spid="3">
+                                            <p:txEl>
+                                              <p:pRg st="3" end="3"/>
+                                            </p:txEl>
+                                          </p:spTgt>
+                                        </p:tgtEl>
+                                        <p:attrNameLst>
+                                          <p:attrName>style.visibility</p:attrName>
+                                        </p:attrNameLst>
+                                      </p:cBhvr>
+                                      <p:to>
+                                        <p:strVal val="visible"/>
+                                      </p:to>
+                                    </p:set>
+                                    <p:animEffect transition="in" filter="fade">
+                                      <p:cBhvr>
+                                        <p:cTn id="18" dur="500"/>
+                                        <p:tgtEl>
+                                          <p:spTgt spid="3">
+                                            <p:txEl>
+                                              <p:pRg st="3" end="3"/>
+                                            </p:txEl>
+                                          </p:spTgt>
+                                        </p:tgtEl>
+                                      </p:cBhvr>
+                                    </p:animEffect>
+                                  </p:childTnLst>
+                                </p:cTn>
+                              </p:par>
+                              <p:par>
+                                <p:cTn id="19" presetID="10" presetClass="entr" presetSubtype="0" fill="hold" grpId="0" nodeType="withEffect">
+                                  <p:stCondLst>
+                                    <p:cond delay="0"/>
+                                  </p:stCondLst>
+                                  <p:childTnLst>
+                                    <p:set>
+                                      <p:cBhvr>
+                                        <p:cTn id="20" dur="1" fill="hold">
+                                          <p:stCondLst>
+                                            <p:cond delay="0"/>
+                                          </p:stCondLst>
+                                        </p:cTn>
+                                        <p:tgtEl>
+                                          <p:spTgt spid="3">
+                                            <p:txEl>
+                                              <p:pRg st="4" end="4"/>
+                                            </p:txEl>
+                                          </p:spTgt>
+                                        </p:tgtEl>
+                                        <p:attrNameLst>
+                                          <p:attrName>style.visibility</p:attrName>
+                                        </p:attrNameLst>
+                                      </p:cBhvr>
+                                      <p:to>
+                                        <p:strVal val="visible"/>
+                                      </p:to>
+                                    </p:set>
+                                    <p:animEffect transition="in" filter="fade">
+                                      <p:cBhvr>
+                                        <p:cTn id="21" dur="500"/>
+                                        <p:tgtEl>
+                                          <p:spTgt spid="3">
+                                            <p:txEl>
+                                              <p:pRg st="4" end="4"/>
+                                            </p:txEl>
+                                          </p:spTgt>
+                                        </p:tgtEl>
+                                      </p:cBhvr>
+                                    </p:animEffect>
+                                  </p:childTnLst>
+                                </p:cTn>
+                              </p:par>
+                              <p:par>
+                                <p:cTn id="22" presetID="10" presetClass="entr" presetSubtype="0" fill="hold" grpId="0" nodeType="withEffect">
+                                  <p:stCondLst>
+                                    <p:cond delay="0"/>
+                                  </p:stCondLst>
+                                  <p:childTnLst>
+                                    <p:set>
+                                      <p:cBhvr>
+                                        <p:cTn id="23" dur="1" fill="hold">
+                                          <p:stCondLst>
+                                            <p:cond delay="0"/>
+                                          </p:stCondLst>
+                                        </p:cTn>
+                                        <p:tgtEl>
+                                          <p:spTgt spid="3">
+                                            <p:txEl>
+                                              <p:pRg st="5" end="5"/>
+                                            </p:txEl>
+                                          </p:spTgt>
+                                        </p:tgtEl>
+                                        <p:attrNameLst>
+                                          <p:attrName>style.visibility</p:attrName>
+                                        </p:attrNameLst>
+                                      </p:cBhvr>
+                                      <p:to>
+                                        <p:strVal val="visible"/>
+                                      </p:to>
+                                    </p:set>
+                                    <p:animEffect transition="in" filter="fade">
+                                      <p:cBhvr>
+                                        <p:cTn id="24" dur="500"/>
+                                        <p:tgtEl>
+                                          <p:spTgt spid="3">
+                                            <p:txEl>
+                                              <p:pRg st="5" end="5"/>
+                                            </p:txEl>
+                                          </p:spTgt>
+                                        </p:tgtEl>
+                                      </p:cBhvr>
+                                    </p:animEffect>
+                                  </p:childTnLst>
+                                </p:cTn>
+                              </p:par>
+                            </p:childTnLst>
+                          </p:cTn>
+                        </p:par>
+                      </p:childTnLst>
+                    </p:cTn>
+                  </p:par>
+                  <p:par>
+                    <p:cTn id="25" fill="hold">
+                      <p:stCondLst>
+                        <p:cond delay="indefinite"/>
+                      </p:stCondLst>
+                      <p:childTnLst>
+                        <p:par>
+                          <p:cTn id="26" fill="hold">
+                            <p:stCondLst>
+                              <p:cond delay="0"/>
+                            </p:stCondLst>
+                            <p:childTnLst>
+                              <p:par>
+                                <p:cTn id="27" presetID="10" presetClass="entr" presetSubtype="0" fill="hold" grpId="0" nodeType="clickEffect">
+                                  <p:stCondLst>
+                                    <p:cond delay="0"/>
+                                  </p:stCondLst>
+                                  <p:childTnLst>
+                                    <p:set>
+                                      <p:cBhvr>
+                                        <p:cTn id="28" dur="1" fill="hold">
+                                          <p:stCondLst>
+                                            <p:cond delay="0"/>
+                                          </p:stCondLst>
+                                        </p:cTn>
+                                        <p:tgtEl>
+                                          <p:spTgt spid="3">
+                                            <p:txEl>
+                                              <p:pRg st="6" end="6"/>
+                                            </p:txEl>
+                                          </p:spTgt>
+                                        </p:tgtEl>
+                                        <p:attrNameLst>
+                                          <p:attrName>style.visibility</p:attrName>
+                                        </p:attrNameLst>
+                                      </p:cBhvr>
+                                      <p:to>
+                                        <p:strVal val="visible"/>
+                                      </p:to>
+                                    </p:set>
+                                    <p:animEffect transition="in" filter="fade">
+                                      <p:cBhvr>
+                                        <p:cTn id="29" dur="500"/>
+                                        <p:tgtEl>
+                                          <p:spTgt spid="3">
+                                            <p:txEl>
+                                              <p:pRg st="6" end="6"/>
+                                            </p:txEl>
+                                          </p:spTgt>
+                                        </p:tgtEl>
+                                      </p:cBhvr>
+                                    </p:animEffect>
+                                  </p:childTnLst>
+                                </p:cTn>
+                              </p:par>
+                              <p:par>
+                                <p:cTn id="30" presetID="10" presetClass="entr" presetSubtype="0" fill="hold" grpId="0" nodeType="withEffect">
+                                  <p:stCondLst>
+                                    <p:cond delay="0"/>
+                                  </p:stCondLst>
+                                  <p:childTnLst>
+                                    <p:set>
+                                      <p:cBhvr>
+                                        <p:cTn id="31" dur="1" fill="hold">
+                                          <p:stCondLst>
+                                            <p:cond delay="0"/>
+                                          </p:stCondLst>
+                                        </p:cTn>
+                                        <p:tgtEl>
+                                          <p:spTgt spid="3">
+                                            <p:txEl>
+                                              <p:pRg st="7" end="7"/>
+                                            </p:txEl>
+                                          </p:spTgt>
+                                        </p:tgtEl>
+                                        <p:attrNameLst>
+                                          <p:attrName>style.visibility</p:attrName>
+                                        </p:attrNameLst>
+                                      </p:cBhvr>
+                                      <p:to>
+                                        <p:strVal val="visible"/>
+                                      </p:to>
+                                    </p:set>
+                                    <p:animEffect transition="in" filter="fade">
+                                      <p:cBhvr>
+                                        <p:cTn id="32" dur="500"/>
+                                        <p:tgtEl>
+                                          <p:spTgt spid="3">
+                                            <p:txEl>
+                                              <p:pRg st="7" end="7"/>
+                                            </p:txEl>
+                                          </p:spTgt>
+                                        </p:tgtEl>
+                                      </p:cBhvr>
+                                    </p:animEffect>
+                                  </p:childTnLst>
+                                </p:cTn>
+                              </p:par>
+                              <p:par>
+                                <p:cTn id="33" presetID="10" presetClass="entr" presetSubtype="0" fill="hold" grpId="0" nodeType="withEffect">
+                                  <p:stCondLst>
+                                    <p:cond delay="0"/>
+                                  </p:stCondLst>
+                                  <p:childTnLst>
+                                    <p:set>
+                                      <p:cBhvr>
+                                        <p:cTn id="34" dur="1" fill="hold">
+                                          <p:stCondLst>
+                                            <p:cond delay="0"/>
+                                          </p:stCondLst>
+                                        </p:cTn>
+                                        <p:tgtEl>
+                                          <p:spTgt spid="3">
+                                            <p:txEl>
+                                              <p:pRg st="8" end="8"/>
+                                            </p:txEl>
+                                          </p:spTgt>
+                                        </p:tgtEl>
+                                        <p:attrNameLst>
+                                          <p:attrName>style.visibility</p:attrName>
+                                        </p:attrNameLst>
+                                      </p:cBhvr>
+                                      <p:to>
+                                        <p:strVal val="visible"/>
+                                      </p:to>
+                                    </p:set>
+                                    <p:animEffect transition="in" filter="fade">
+                                      <p:cBhvr>
+                                        <p:cTn id="35" dur="500"/>
+                                        <p:tgtEl>
+                                          <p:spTgt spid="3">
+                                            <p:txEl>
+                                              <p:pRg st="8" end="8"/>
+                                            </p:txEl>
+                                          </p:spTgt>
+                                        </p:tgtEl>
+                                      </p:cBhvr>
+                                    </p:animEffect>
+                                  </p:childTnLst>
+                                </p:cTn>
+                              </p:par>
+                            </p:childTnLst>
+                          </p:cTn>
+                        </p:par>
+                      </p:childTnLst>
+                    </p:cTn>
+                  </p:par>
+                </p:childTnLst>
+              </p:cTn>
+              <p:prevCondLst>
+                <p:cond evt="onPrev" delay="0">
+                  <p:tgtEl>
+                    <p:sldTgt/>
+                  </p:tgtEl>
+                </p:cond>
+              </p:prevCondLst>
+              <p:nextCondLst>
+                <p:cond evt="onNext" delay="0">
+                  <p:tgtEl>
+                    <p:sldTgt/>
+                  </p:tgtEl>
+                </p:cond>
+              </p:nextCondLst>
+            </p:seq>
+          </p:childTnLst>
+        </p:cTn>
       </p:par>
     </p:tnLst>
+    <p:bldLst>
+      <p:bldP spid="3" grpId="0" build="p"/>
+    </p:bldLst>
   </p:timing>
 </p:sld>
 </file>
@@ -5742,70 +7806,25 @@
         </p:nvSpPr>
         <p:spPr/>
         <p:txBody>
-          <a:bodyPr>
-            <a:normAutofit fontScale="90000"/>
-          </a:bodyPr>
-          <a:lstStyle/>
-          <a:p>
-            <a:r>
-              <a:rPr lang="en-US" dirty="0" smtClean="0"/>
-              <a:t>What if I want to simply add to the default content when creating a content page?</a:t>
-            </a:r>
-            <a:endParaRPr lang="en-US" dirty="0"/>
-          </a:p>
-        </p:txBody>
-      </p:sp>
-      <p:sp>
-        <p:nvSpPr>
-          <p:cNvPr id="5" name="Content Placeholder 4"/>
-          <p:cNvSpPr>
-            <a:spLocks noGrp="1"/>
-          </p:cNvSpPr>
-          <p:nvPr>
-            <p:ph sz="quarter" idx="10"/>
-          </p:nvPr>
-        </p:nvSpPr>
-        <p:spPr/>
-        <p:txBody>
           <a:bodyPr/>
           <a:lstStyle/>
           <a:p>
             <a:r>
+              <a:rPr lang="en-US" dirty="0" err="1" smtClean="0"/>
+              <a:t>Jinja</a:t>
+            </a:r>
+            <a:r>
               <a:rPr lang="en-US" dirty="0" smtClean="0"/>
-              <a:t>You can use super blocks</a:t>
-            </a:r>
-          </a:p>
-          <a:p>
-            <a:pPr lvl="1"/>
-            <a:r>
-              <a:rPr lang="en-US" dirty="0" smtClean="0"/>
-              <a:t>Super blocks call the content from the layout</a:t>
-            </a:r>
-          </a:p>
-          <a:p>
-            <a:r>
-              <a:rPr lang="en-US" dirty="0" smtClean="0"/>
-              <a:t>Syntax in the content page</a:t>
-            </a:r>
-          </a:p>
-          <a:p>
-            <a:pPr marL="457046" lvl="1" indent="0">
-              <a:buNone/>
-            </a:pPr>
-            <a:r>
-              <a:rPr lang="en-US" dirty="0" smtClean="0">
-                <a:latin typeface="Consolas" panose="020B0609020204030204" pitchFamily="49" charset="0"/>
-                <a:cs typeface="Consolas" panose="020B0609020204030204" pitchFamily="49" charset="0"/>
-              </a:rPr>
-              <a:t>{{ super () }}</a:t>
-            </a:r>
+              <a:t> templates in action</a:t>
+            </a:r>
+            <a:endParaRPr lang="en-US" dirty="0"/>
           </a:p>
         </p:txBody>
       </p:sp>
     </p:spTree>
     <p:extLst>
       <p:ext uri="{BB962C8B-B14F-4D97-AF65-F5344CB8AC3E}">
-        <p14:creationId xmlns:p14="http://schemas.microsoft.com/office/powerpoint/2010/main" val="2968433748"/>
+        <p14:creationId xmlns:p14="http://schemas.microsoft.com/office/powerpoint/2010/main" val="547973552"/>
       </p:ext>
     </p:extLst>
   </p:cSld>
@@ -5841,37 +7860,34 @@
       </p:grpSpPr>
       <p:sp>
         <p:nvSpPr>
-          <p:cNvPr id="2" name="Title 1"/>
+          <p:cNvPr id="6" name="Text Placeholder 5"/>
           <p:cNvSpPr>
             <a:spLocks noGrp="1"/>
           </p:cNvSpPr>
           <p:nvPr>
-            <p:ph type="title"/>
+            <p:ph type="body" sz="quarter" idx="10"/>
           </p:nvPr>
         </p:nvSpPr>
         <p:spPr/>
         <p:txBody>
-          <a:bodyPr>
-            <a:normAutofit fontScale="90000"/>
-          </a:bodyPr>
+          <a:bodyPr/>
           <a:lstStyle/>
           <a:p>
             <a:r>
-              <a:rPr lang="en-US" dirty="0" smtClean="0"/>
-              <a:t>What if you need to put one block inside another when designing a layout?</a:t>
-            </a:r>
-            <a:endParaRPr lang="en-US" dirty="0"/>
-          </a:p>
-        </p:txBody>
-      </p:sp>
-      <p:sp>
-        <p:nvSpPr>
-          <p:cNvPr id="3" name="Content Placeholder 2"/>
+              <a:rPr lang="en-US" dirty="0"/>
+              <a:t>How about advanced layouts?</a:t>
+            </a:r>
+          </a:p>
+        </p:txBody>
+      </p:sp>
+      <p:sp>
+        <p:nvSpPr>
+          <p:cNvPr id="5" name="Subtitle 4"/>
           <p:cNvSpPr>
             <a:spLocks noGrp="1"/>
           </p:cNvSpPr>
           <p:nvPr>
-            <p:ph sz="quarter" idx="10"/>
+            <p:ph type="subTitle" idx="1"/>
           </p:nvPr>
         </p:nvSpPr>
         <p:spPr/>
@@ -5879,132 +7895,14 @@
           <a:bodyPr/>
           <a:lstStyle/>
           <a:p>
-            <a:r>
-              <a:rPr lang="en-US" dirty="0" smtClean="0"/>
-              <a:t>This is valid syntax</a:t>
-            </a:r>
-          </a:p>
-          <a:p>
-            <a:pPr lvl="1"/>
-            <a:r>
-              <a:rPr lang="en-US" dirty="0" smtClean="0"/>
-              <a:t>However things can get a bit confusing</a:t>
-            </a:r>
-          </a:p>
-          <a:p>
-            <a:r>
-              <a:rPr lang="en-US" dirty="0" smtClean="0"/>
-              <a:t>When you end a block state which block you're ending</a:t>
-            </a:r>
-          </a:p>
-          <a:p>
-            <a:r>
-              <a:rPr lang="en-US" dirty="0" smtClean="0"/>
-              <a:t>Syntax</a:t>
-            </a:r>
-          </a:p>
-          <a:p>
-            <a:pPr marL="457046" lvl="1" indent="0">
-              <a:buNone/>
-            </a:pPr>
-            <a:r>
-              <a:rPr lang="en-US" dirty="0" smtClean="0">
-                <a:latin typeface="Consolas" panose="020B0609020204030204" pitchFamily="49" charset="0"/>
-                <a:cs typeface="Consolas" panose="020B0609020204030204" pitchFamily="49" charset="0"/>
-              </a:rPr>
-              <a:t>{{ block outer }}</a:t>
-            </a:r>
-            <a:br>
-              <a:rPr lang="en-US" dirty="0" smtClean="0">
-                <a:latin typeface="Consolas" panose="020B0609020204030204" pitchFamily="49" charset="0"/>
-                <a:cs typeface="Consolas" panose="020B0609020204030204" pitchFamily="49" charset="0"/>
-              </a:rPr>
-            </a:br>
-            <a:r>
-              <a:rPr lang="en-US" dirty="0" smtClean="0">
-                <a:latin typeface="Consolas" panose="020B0609020204030204" pitchFamily="49" charset="0"/>
-                <a:cs typeface="Consolas" panose="020B0609020204030204" pitchFamily="49" charset="0"/>
-              </a:rPr>
-              <a:t>    {{ block inner }}</a:t>
-            </a:r>
-            <a:br>
-              <a:rPr lang="en-US" dirty="0" smtClean="0">
-                <a:latin typeface="Consolas" panose="020B0609020204030204" pitchFamily="49" charset="0"/>
-                <a:cs typeface="Consolas" panose="020B0609020204030204" pitchFamily="49" charset="0"/>
-              </a:rPr>
-            </a:br>
-            <a:r>
-              <a:rPr lang="en-US" dirty="0" smtClean="0">
-                <a:latin typeface="Consolas" panose="020B0609020204030204" pitchFamily="49" charset="0"/>
-                <a:cs typeface="Consolas" panose="020B0609020204030204" pitchFamily="49" charset="0"/>
-              </a:rPr>
-              <a:t>      Awesome content here</a:t>
-            </a:r>
-            <a:br>
-              <a:rPr lang="en-US" dirty="0" smtClean="0">
-                <a:latin typeface="Consolas" panose="020B0609020204030204" pitchFamily="49" charset="0"/>
-                <a:cs typeface="Consolas" panose="020B0609020204030204" pitchFamily="49" charset="0"/>
-              </a:rPr>
-            </a:br>
-            <a:r>
-              <a:rPr lang="en-US" dirty="0" smtClean="0">
-                <a:latin typeface="Consolas" panose="020B0609020204030204" pitchFamily="49" charset="0"/>
-                <a:cs typeface="Consolas" panose="020B0609020204030204" pitchFamily="49" charset="0"/>
-              </a:rPr>
-              <a:t>    {{ </a:t>
-            </a:r>
-            <a:r>
-              <a:rPr lang="en-US" dirty="0" err="1" smtClean="0">
-                <a:latin typeface="Consolas" panose="020B0609020204030204" pitchFamily="49" charset="0"/>
-                <a:cs typeface="Consolas" panose="020B0609020204030204" pitchFamily="49" charset="0"/>
-              </a:rPr>
-              <a:t>endblock</a:t>
-            </a:r>
-            <a:r>
-              <a:rPr lang="en-US" dirty="0" smtClean="0">
-                <a:latin typeface="Consolas" panose="020B0609020204030204" pitchFamily="49" charset="0"/>
-                <a:cs typeface="Consolas" panose="020B0609020204030204" pitchFamily="49" charset="0"/>
-              </a:rPr>
-              <a:t> inner }}</a:t>
-            </a:r>
-            <a:br>
-              <a:rPr lang="en-US" dirty="0" smtClean="0">
-                <a:latin typeface="Consolas" panose="020B0609020204030204" pitchFamily="49" charset="0"/>
-                <a:cs typeface="Consolas" panose="020B0609020204030204" pitchFamily="49" charset="0"/>
-              </a:rPr>
-            </a:br>
-            <a:r>
-              <a:rPr lang="en-US" dirty="0" smtClean="0">
-                <a:latin typeface="Consolas" panose="020B0609020204030204" pitchFamily="49" charset="0"/>
-                <a:cs typeface="Consolas" panose="020B0609020204030204" pitchFamily="49" charset="0"/>
-              </a:rPr>
-              <a:t>{{ </a:t>
-            </a:r>
-            <a:r>
-              <a:rPr lang="en-US" dirty="0" err="1" smtClean="0">
-                <a:latin typeface="Consolas" panose="020B0609020204030204" pitchFamily="49" charset="0"/>
-                <a:cs typeface="Consolas" panose="020B0609020204030204" pitchFamily="49" charset="0"/>
-              </a:rPr>
-              <a:t>endblock</a:t>
-            </a:r>
-            <a:r>
-              <a:rPr lang="en-US" dirty="0" smtClean="0">
-                <a:latin typeface="Consolas" panose="020B0609020204030204" pitchFamily="49" charset="0"/>
-                <a:cs typeface="Consolas" panose="020B0609020204030204" pitchFamily="49" charset="0"/>
-              </a:rPr>
-              <a:t> outer }}</a:t>
-            </a:r>
-            <a:endParaRPr lang="en-US" dirty="0">
-              <a:latin typeface="Consolas" panose="020B0609020204030204" pitchFamily="49" charset="0"/>
-              <a:cs typeface="Consolas" panose="020B0609020204030204" pitchFamily="49" charset="0"/>
-            </a:endParaRPr>
+            <a:endParaRPr lang="en-US" dirty="0"/>
           </a:p>
         </p:txBody>
       </p:sp>
     </p:spTree>
     <p:extLst>
       <p:ext uri="{BB962C8B-B14F-4D97-AF65-F5344CB8AC3E}">
-        <p14:creationId xmlns:p14="http://schemas.microsoft.com/office/powerpoint/2010/main" val="3694421384"/>
+        <p14:creationId xmlns:p14="http://schemas.microsoft.com/office/powerpoint/2010/main" val="3550380015"/>
       </p:ext>
     </p:extLst>
   </p:cSld>
@@ -6050,21 +7948,58 @@
         </p:nvSpPr>
         <p:spPr/>
         <p:txBody>
+          <a:bodyPr>
+            <a:normAutofit fontScale="90000"/>
+          </a:bodyPr>
+          <a:lstStyle/>
+          <a:p>
+            <a:r>
+              <a:rPr lang="en-US" dirty="0" smtClean="0"/>
+              <a:t>What if, rather than replacing the default content,</a:t>
+            </a:r>
+            <a:br>
+              <a:rPr lang="en-US" dirty="0" smtClean="0"/>
+            </a:br>
+            <a:r>
+              <a:rPr lang="en-US" dirty="0" smtClean="0"/>
+              <a:t>I want to add to it?</a:t>
+            </a:r>
+            <a:endParaRPr lang="en-US" dirty="0"/>
+          </a:p>
+        </p:txBody>
+      </p:sp>
+      <p:sp>
+        <p:nvSpPr>
+          <p:cNvPr id="5" name="Content Placeholder 4"/>
+          <p:cNvSpPr>
+            <a:spLocks noGrp="1"/>
+          </p:cNvSpPr>
+          <p:nvPr>
+            <p:ph sz="quarter" idx="10"/>
+          </p:nvPr>
+        </p:nvSpPr>
+        <p:spPr/>
+        <p:txBody>
           <a:bodyPr/>
           <a:lstStyle/>
           <a:p>
             <a:r>
               <a:rPr lang="en-US" dirty="0" smtClean="0"/>
-              <a:t>Advanced layouts</a:t>
-            </a:r>
-            <a:endParaRPr lang="en-US" dirty="0"/>
+              <a:t>By default the content page's content will overwrite the default content defined within the template's block</a:t>
+            </a:r>
+          </a:p>
+          <a:p>
+            <a:r>
+              <a:rPr lang="en-US" dirty="0" smtClean="0"/>
+              <a:t>If you want to keep the default content you can use super blocks</a:t>
+            </a:r>
           </a:p>
         </p:txBody>
       </p:sp>
     </p:spTree>
     <p:extLst>
       <p:ext uri="{BB962C8B-B14F-4D97-AF65-F5344CB8AC3E}">
-        <p14:creationId xmlns:p14="http://schemas.microsoft.com/office/powerpoint/2010/main" val="4138193889"/>
+        <p14:creationId xmlns:p14="http://schemas.microsoft.com/office/powerpoint/2010/main" val="2968433748"/>
       </p:ext>
     </p:extLst>
   </p:cSld>
@@ -6098,24 +8033,1142 @@
           <a:chExt cx="0" cy="0"/>
         </a:xfrm>
       </p:grpSpPr>
+      <p:sp>
+        <p:nvSpPr>
+          <p:cNvPr id="2" name="Title 1"/>
+          <p:cNvSpPr>
+            <a:spLocks noGrp="1"/>
+          </p:cNvSpPr>
+          <p:nvPr>
+            <p:ph type="title"/>
+          </p:nvPr>
+        </p:nvSpPr>
+        <p:spPr/>
+        <p:txBody>
+          <a:bodyPr/>
+          <a:lstStyle/>
+          <a:p>
+            <a:r>
+              <a:rPr lang="en-US" dirty="0" smtClean="0"/>
+              <a:t>The base template</a:t>
+            </a:r>
+            <a:endParaRPr lang="en-US" dirty="0"/>
+          </a:p>
+        </p:txBody>
+      </p:sp>
+      <p:sp>
+        <p:nvSpPr>
+          <p:cNvPr id="4" name="Rectangle 3"/>
+          <p:cNvSpPr/>
+          <p:nvPr/>
+        </p:nvSpPr>
+        <p:spPr>
+          <a:xfrm>
+            <a:off x="7176678" y="1504078"/>
+            <a:ext cx="3893270" cy="4279770"/>
+          </a:xfrm>
+          <a:prstGeom prst="rect">
+            <a:avLst/>
+          </a:prstGeom>
+        </p:spPr>
+        <p:style>
+          <a:lnRef idx="2">
+            <a:schemeClr val="accent1"/>
+          </a:lnRef>
+          <a:fillRef idx="1">
+            <a:schemeClr val="lt1"/>
+          </a:fillRef>
+          <a:effectRef idx="0">
+            <a:schemeClr val="accent1"/>
+          </a:effectRef>
+          <a:fontRef idx="minor">
+            <a:schemeClr val="dk1"/>
+          </a:fontRef>
+        </p:style>
+        <p:txBody>
+          <a:bodyPr rtlCol="0" anchor="ctr"/>
+          <a:lstStyle/>
+          <a:p>
+            <a:pPr algn="ctr"/>
+            <a:endParaRPr lang="en-US"/>
+          </a:p>
+        </p:txBody>
+      </p:sp>
+      <p:sp>
+        <p:nvSpPr>
+          <p:cNvPr id="5" name="TextBox 4"/>
+          <p:cNvSpPr txBox="1"/>
+          <p:nvPr/>
+        </p:nvSpPr>
+        <p:spPr>
+          <a:xfrm>
+            <a:off x="8286866" y="6113786"/>
+            <a:ext cx="1672894" cy="461665"/>
+          </a:xfrm>
+          <a:prstGeom prst="rect">
+            <a:avLst/>
+          </a:prstGeom>
+          <a:noFill/>
+        </p:spPr>
+        <p:txBody>
+          <a:bodyPr wrap="none" rtlCol="0">
+            <a:spAutoFit/>
+          </a:bodyPr>
+          <a:lstStyle/>
+          <a:p>
+            <a:r>
+              <a:rPr lang="en-US" sz="2400" dirty="0" smtClean="0"/>
+              <a:t>Layout.html</a:t>
+            </a:r>
+            <a:endParaRPr lang="en-US" sz="2400" dirty="0"/>
+          </a:p>
+        </p:txBody>
+      </p:sp>
+      <p:sp>
+        <p:nvSpPr>
+          <p:cNvPr id="6" name="Rectangle 5"/>
+          <p:cNvSpPr/>
+          <p:nvPr/>
+        </p:nvSpPr>
+        <p:spPr>
+          <a:xfrm>
+            <a:off x="7374641" y="1618564"/>
+            <a:ext cx="3450209" cy="498257"/>
+          </a:xfrm>
+          <a:prstGeom prst="rect">
+            <a:avLst/>
+          </a:prstGeom>
+        </p:spPr>
+        <p:style>
+          <a:lnRef idx="1">
+            <a:schemeClr val="accent4"/>
+          </a:lnRef>
+          <a:fillRef idx="2">
+            <a:schemeClr val="accent4"/>
+          </a:fillRef>
+          <a:effectRef idx="1">
+            <a:schemeClr val="accent4"/>
+          </a:effectRef>
+          <a:fontRef idx="minor">
+            <a:schemeClr val="dk1"/>
+          </a:fontRef>
+        </p:style>
+        <p:txBody>
+          <a:bodyPr rtlCol="0" anchor="ctr"/>
+          <a:lstStyle/>
+          <a:p>
+            <a:pPr algn="ctr"/>
+            <a:r>
+              <a:rPr lang="en-US" sz="2400" dirty="0" smtClean="0"/>
+              <a:t>Awesome Trivia App</a:t>
+            </a:r>
+            <a:endParaRPr lang="en-US" sz="2400" dirty="0"/>
+          </a:p>
+        </p:txBody>
+      </p:sp>
+      <p:sp>
+        <p:nvSpPr>
+          <p:cNvPr id="7" name="Rectangle 6"/>
+          <p:cNvSpPr/>
+          <p:nvPr/>
+        </p:nvSpPr>
+        <p:spPr>
+          <a:xfrm>
+            <a:off x="7374641" y="2343063"/>
+            <a:ext cx="980387" cy="3195687"/>
+          </a:xfrm>
+          <a:prstGeom prst="rect">
+            <a:avLst/>
+          </a:prstGeom>
+        </p:spPr>
+        <p:style>
+          <a:lnRef idx="1">
+            <a:schemeClr val="accent1"/>
+          </a:lnRef>
+          <a:fillRef idx="2">
+            <a:schemeClr val="accent1"/>
+          </a:fillRef>
+          <a:effectRef idx="1">
+            <a:schemeClr val="accent1"/>
+          </a:effectRef>
+          <a:fontRef idx="minor">
+            <a:schemeClr val="dk1"/>
+          </a:fontRef>
+        </p:style>
+        <p:txBody>
+          <a:bodyPr rtlCol="0" anchor="ctr"/>
+          <a:lstStyle/>
+          <a:p>
+            <a:pPr algn="ctr"/>
+            <a:r>
+              <a:rPr lang="en-US" sz="2400" dirty="0" smtClean="0"/>
+              <a:t>Link</a:t>
+            </a:r>
+          </a:p>
+          <a:p>
+            <a:pPr algn="ctr"/>
+            <a:r>
+              <a:rPr lang="en-US" sz="2400" dirty="0" smtClean="0"/>
+              <a:t>Link</a:t>
+            </a:r>
+          </a:p>
+          <a:p>
+            <a:pPr algn="ctr"/>
+            <a:r>
+              <a:rPr lang="en-US" sz="2400" dirty="0" smtClean="0"/>
+              <a:t>Link</a:t>
+            </a:r>
+          </a:p>
+          <a:p>
+            <a:pPr algn="ctr"/>
+            <a:r>
+              <a:rPr lang="en-US" sz="2400" dirty="0" smtClean="0"/>
+              <a:t>Link</a:t>
+            </a:r>
+            <a:endParaRPr lang="en-US" sz="2400" dirty="0"/>
+          </a:p>
+        </p:txBody>
+      </p:sp>
+      <p:sp>
+        <p:nvSpPr>
+          <p:cNvPr id="8" name="Rectangle 7"/>
+          <p:cNvSpPr/>
+          <p:nvPr/>
+        </p:nvSpPr>
+        <p:spPr>
+          <a:xfrm>
+            <a:off x="8607110" y="2343062"/>
+            <a:ext cx="2217740" cy="3195687"/>
+          </a:xfrm>
+          <a:prstGeom prst="rect">
+            <a:avLst/>
+          </a:prstGeom>
+        </p:spPr>
+        <p:style>
+          <a:lnRef idx="1">
+            <a:schemeClr val="accent3"/>
+          </a:lnRef>
+          <a:fillRef idx="2">
+            <a:schemeClr val="accent3"/>
+          </a:fillRef>
+          <a:effectRef idx="1">
+            <a:schemeClr val="accent3"/>
+          </a:effectRef>
+          <a:fontRef idx="minor">
+            <a:schemeClr val="dk1"/>
+          </a:fontRef>
+        </p:style>
+        <p:txBody>
+          <a:bodyPr rtlCol="0" anchor="ctr"/>
+          <a:lstStyle/>
+          <a:p>
+            <a:pPr algn="ctr"/>
+            <a:endParaRPr lang="en-US" sz="2400" dirty="0" smtClean="0"/>
+          </a:p>
+          <a:p>
+            <a:pPr algn="ctr"/>
+            <a:endParaRPr lang="en-US" sz="2400" dirty="0"/>
+          </a:p>
+          <a:p>
+            <a:pPr algn="ctr"/>
+            <a:endParaRPr lang="en-US" sz="2400" dirty="0" smtClean="0"/>
+          </a:p>
+          <a:p>
+            <a:pPr algn="ctr"/>
+            <a:r>
+              <a:rPr lang="en-US" sz="2400" dirty="0" smtClean="0"/>
+              <a:t>Block</a:t>
+            </a:r>
+          </a:p>
+          <a:p>
+            <a:pPr algn="ctr"/>
+            <a:endParaRPr lang="en-US" sz="2400" dirty="0"/>
+          </a:p>
+          <a:p>
+            <a:pPr algn="ctr"/>
+            <a:endParaRPr lang="en-US" sz="2400" dirty="0" smtClean="0"/>
+          </a:p>
+          <a:p>
+            <a:pPr algn="ctr"/>
+            <a:r>
+              <a:rPr lang="en-US" sz="2400" i="1" dirty="0" smtClean="0">
+                <a:solidFill>
+                  <a:srgbClr val="FF0000"/>
+                </a:solidFill>
+              </a:rPr>
+              <a:t>Disclaimer</a:t>
+            </a:r>
+          </a:p>
+        </p:txBody>
+      </p:sp>
+      <p:sp>
+        <p:nvSpPr>
+          <p:cNvPr id="9" name="Rectangle 8"/>
+          <p:cNvSpPr/>
+          <p:nvPr/>
+        </p:nvSpPr>
+        <p:spPr>
+          <a:xfrm>
+            <a:off x="379514" y="1504078"/>
+            <a:ext cx="5903591" cy="612743"/>
+          </a:xfrm>
+          <a:prstGeom prst="rect">
+            <a:avLst/>
+          </a:prstGeom>
+        </p:spPr>
+        <p:style>
+          <a:lnRef idx="1">
+            <a:schemeClr val="accent4"/>
+          </a:lnRef>
+          <a:fillRef idx="2">
+            <a:schemeClr val="accent4"/>
+          </a:fillRef>
+          <a:effectRef idx="1">
+            <a:schemeClr val="accent4"/>
+          </a:effectRef>
+          <a:fontRef idx="minor">
+            <a:schemeClr val="dk1"/>
+          </a:fontRef>
+        </p:style>
+        <p:txBody>
+          <a:bodyPr rtlCol="0" anchor="ctr"/>
+          <a:lstStyle/>
+          <a:p>
+            <a:pPr lvl="0" defTabSz="914088">
+              <a:spcBef>
+                <a:spcPts val="1400"/>
+              </a:spcBef>
+            </a:pPr>
+            <a:r>
+              <a:rPr lang="en-US" sz="3200" i="1" kern="0" dirty="0" smtClean="0">
+                <a:solidFill>
+                  <a:prstClr val="black"/>
+                </a:solidFill>
+                <a:latin typeface="Consolas" panose="020B0609020204030204" pitchFamily="49" charset="0"/>
+                <a:cs typeface="Consolas" panose="020B0609020204030204" pitchFamily="49" charset="0"/>
+              </a:rPr>
+              <a:t>Logo </a:t>
+            </a:r>
+            <a:r>
+              <a:rPr lang="en-US" sz="3200" i="1" kern="0" dirty="0">
+                <a:solidFill>
+                  <a:prstClr val="black"/>
+                </a:solidFill>
+                <a:latin typeface="Consolas" panose="020B0609020204030204" pitchFamily="49" charset="0"/>
+                <a:cs typeface="Consolas" panose="020B0609020204030204" pitchFamily="49" charset="0"/>
+              </a:rPr>
+              <a:t>HTML</a:t>
+            </a:r>
+            <a:endParaRPr lang="en-US" sz="3200" kern="0" dirty="0">
+              <a:solidFill>
+                <a:prstClr val="black"/>
+              </a:solidFill>
+              <a:latin typeface="Consolas" panose="020B0609020204030204" pitchFamily="49" charset="0"/>
+              <a:cs typeface="Consolas" panose="020B0609020204030204" pitchFamily="49" charset="0"/>
+            </a:endParaRPr>
+          </a:p>
+        </p:txBody>
+      </p:sp>
+      <p:sp>
+        <p:nvSpPr>
+          <p:cNvPr id="10" name="Rectangle 9"/>
+          <p:cNvSpPr/>
+          <p:nvPr/>
+        </p:nvSpPr>
+        <p:spPr>
+          <a:xfrm>
+            <a:off x="379514" y="2343061"/>
+            <a:ext cx="5903591" cy="2419061"/>
+          </a:xfrm>
+          <a:prstGeom prst="rect">
+            <a:avLst/>
+          </a:prstGeom>
+        </p:spPr>
+        <p:style>
+          <a:lnRef idx="1">
+            <a:schemeClr val="accent3"/>
+          </a:lnRef>
+          <a:fillRef idx="2">
+            <a:schemeClr val="accent3"/>
+          </a:fillRef>
+          <a:effectRef idx="1">
+            <a:schemeClr val="accent3"/>
+          </a:effectRef>
+          <a:fontRef idx="minor">
+            <a:schemeClr val="dk1"/>
+          </a:fontRef>
+        </p:style>
+        <p:txBody>
+          <a:bodyPr rtlCol="0" anchor="ctr"/>
+          <a:lstStyle/>
+          <a:p>
+            <a:pPr lvl="0" defTabSz="914088">
+              <a:spcBef>
+                <a:spcPts val="1400"/>
+              </a:spcBef>
+            </a:pPr>
+            <a:r>
+              <a:rPr lang="en-US" sz="3200" kern="0" dirty="0">
+                <a:solidFill>
+                  <a:prstClr val="black"/>
+                </a:solidFill>
+                <a:latin typeface="Consolas" panose="020B0609020204030204" pitchFamily="49" charset="0"/>
+                <a:cs typeface="Consolas" panose="020B0609020204030204" pitchFamily="49" charset="0"/>
+              </a:rPr>
+              <a:t>{% block </a:t>
+            </a:r>
+            <a:r>
+              <a:rPr lang="en-US" sz="3200" i="1" kern="0" dirty="0" err="1" smtClean="0">
+                <a:solidFill>
+                  <a:prstClr val="black"/>
+                </a:solidFill>
+                <a:latin typeface="Consolas" panose="020B0609020204030204" pitchFamily="49" charset="0"/>
+                <a:cs typeface="Consolas" panose="020B0609020204030204" pitchFamily="49" charset="0"/>
+              </a:rPr>
+              <a:t>blockName</a:t>
+            </a:r>
+            <a:r>
+              <a:rPr lang="en-US" sz="3200" kern="0" dirty="0" smtClean="0">
+                <a:solidFill>
+                  <a:prstClr val="black"/>
+                </a:solidFill>
+                <a:latin typeface="Consolas" panose="020B0609020204030204" pitchFamily="49" charset="0"/>
+                <a:cs typeface="Consolas" panose="020B0609020204030204" pitchFamily="49" charset="0"/>
+              </a:rPr>
+              <a:t> </a:t>
+            </a:r>
+            <a:r>
+              <a:rPr lang="en-US" sz="3200" kern="0" dirty="0">
+                <a:solidFill>
+                  <a:prstClr val="black"/>
+                </a:solidFill>
+                <a:latin typeface="Consolas" panose="020B0609020204030204" pitchFamily="49" charset="0"/>
+                <a:cs typeface="Consolas" panose="020B0609020204030204" pitchFamily="49" charset="0"/>
+              </a:rPr>
+              <a:t>%}</a:t>
+            </a:r>
+          </a:p>
+          <a:p>
+            <a:pPr lvl="0" defTabSz="914088">
+              <a:spcBef>
+                <a:spcPts val="1400"/>
+              </a:spcBef>
+            </a:pPr>
+            <a:r>
+              <a:rPr lang="en-US" sz="3200" i="1" kern="0" dirty="0" smtClean="0">
+                <a:solidFill>
+                  <a:srgbClr val="FF0000"/>
+                </a:solidFill>
+                <a:latin typeface="Consolas" panose="020B0609020204030204" pitchFamily="49" charset="0"/>
+                <a:cs typeface="Consolas" panose="020B0609020204030204" pitchFamily="49" charset="0"/>
+              </a:rPr>
+              <a:t>Disclaimer</a:t>
+            </a:r>
+            <a:endParaRPr lang="en-US" sz="3200" kern="0" dirty="0">
+              <a:solidFill>
+                <a:srgbClr val="FF0000"/>
+              </a:solidFill>
+              <a:latin typeface="Consolas" panose="020B0609020204030204" pitchFamily="49" charset="0"/>
+              <a:cs typeface="Consolas" panose="020B0609020204030204" pitchFamily="49" charset="0"/>
+            </a:endParaRPr>
+          </a:p>
+          <a:p>
+            <a:pPr lvl="0" defTabSz="914088">
+              <a:spcBef>
+                <a:spcPts val="1400"/>
+              </a:spcBef>
+            </a:pPr>
+            <a:r>
+              <a:rPr lang="en-US" sz="3200" kern="0" dirty="0">
+                <a:solidFill>
+                  <a:prstClr val="black"/>
+                </a:solidFill>
+                <a:latin typeface="Consolas" panose="020B0609020204030204" pitchFamily="49" charset="0"/>
+                <a:cs typeface="Consolas" panose="020B0609020204030204" pitchFamily="49" charset="0"/>
+              </a:rPr>
+              <a:t>{% </a:t>
+            </a:r>
+            <a:r>
+              <a:rPr lang="en-US" sz="3200" kern="0" dirty="0" err="1">
+                <a:solidFill>
+                  <a:prstClr val="black"/>
+                </a:solidFill>
+                <a:latin typeface="Consolas" panose="020B0609020204030204" pitchFamily="49" charset="0"/>
+                <a:cs typeface="Consolas" panose="020B0609020204030204" pitchFamily="49" charset="0"/>
+              </a:rPr>
+              <a:t>endblock</a:t>
+            </a:r>
+            <a:r>
+              <a:rPr lang="en-US" sz="3200" kern="0" dirty="0">
+                <a:solidFill>
+                  <a:prstClr val="black"/>
+                </a:solidFill>
+                <a:latin typeface="Consolas" panose="020B0609020204030204" pitchFamily="49" charset="0"/>
+                <a:cs typeface="Consolas" panose="020B0609020204030204" pitchFamily="49" charset="0"/>
+              </a:rPr>
+              <a:t> %}</a:t>
+            </a:r>
+          </a:p>
+        </p:txBody>
+      </p:sp>
+      <p:sp>
+        <p:nvSpPr>
+          <p:cNvPr id="11" name="Rectangle 10"/>
+          <p:cNvSpPr/>
+          <p:nvPr/>
+        </p:nvSpPr>
+        <p:spPr>
+          <a:xfrm>
+            <a:off x="379514" y="4988362"/>
+            <a:ext cx="5903591" cy="658931"/>
+          </a:xfrm>
+          <a:prstGeom prst="rect">
+            <a:avLst/>
+          </a:prstGeom>
+        </p:spPr>
+        <p:style>
+          <a:lnRef idx="1">
+            <a:schemeClr val="accent1"/>
+          </a:lnRef>
+          <a:fillRef idx="2">
+            <a:schemeClr val="accent1"/>
+          </a:fillRef>
+          <a:effectRef idx="1">
+            <a:schemeClr val="accent1"/>
+          </a:effectRef>
+          <a:fontRef idx="minor">
+            <a:schemeClr val="dk1"/>
+          </a:fontRef>
+        </p:style>
+        <p:txBody>
+          <a:bodyPr rtlCol="0" anchor="ctr"/>
+          <a:lstStyle/>
+          <a:p>
+            <a:pPr lvl="0" defTabSz="914088">
+              <a:spcBef>
+                <a:spcPts val="1400"/>
+              </a:spcBef>
+            </a:pPr>
+            <a:r>
+              <a:rPr lang="en-US" sz="3200" i="1" kern="0" dirty="0" smtClean="0">
+                <a:solidFill>
+                  <a:prstClr val="black"/>
+                </a:solidFill>
+                <a:latin typeface="Consolas" panose="020B0609020204030204" pitchFamily="49" charset="0"/>
+                <a:cs typeface="Consolas" panose="020B0609020204030204" pitchFamily="49" charset="0"/>
+              </a:rPr>
+              <a:t>Navigation links </a:t>
+            </a:r>
+            <a:r>
+              <a:rPr lang="en-US" sz="3200" i="1" kern="0" dirty="0">
+                <a:solidFill>
+                  <a:prstClr val="black"/>
+                </a:solidFill>
+                <a:latin typeface="Consolas" panose="020B0609020204030204" pitchFamily="49" charset="0"/>
+                <a:cs typeface="Consolas" panose="020B0609020204030204" pitchFamily="49" charset="0"/>
+              </a:rPr>
+              <a:t>HTML</a:t>
+            </a:r>
+            <a:r>
+              <a:rPr lang="en-US" sz="3200" kern="0" dirty="0">
+                <a:solidFill>
+                  <a:prstClr val="black"/>
+                </a:solidFill>
+                <a:latin typeface="Consolas" panose="020B0609020204030204" pitchFamily="49" charset="0"/>
+                <a:cs typeface="Consolas" panose="020B0609020204030204" pitchFamily="49" charset="0"/>
+              </a:rPr>
+              <a:t>  </a:t>
+            </a:r>
+            <a:endParaRPr lang="en-US" sz="3200" kern="0" dirty="0">
+              <a:solidFill>
+                <a:prstClr val="black"/>
+              </a:solidFill>
+              <a:latin typeface="Segoe UI Light" panose="020B0502040204020203" pitchFamily="34" charset="0"/>
+              <a:cs typeface="Segoe UI Light" panose="020B0502040204020203" pitchFamily="34" charset="0"/>
+            </a:endParaRPr>
+          </a:p>
+        </p:txBody>
+      </p:sp>
     </p:spTree>
     <p:extLst>
       <p:ext uri="{BB962C8B-B14F-4D97-AF65-F5344CB8AC3E}">
-        <p14:creationId xmlns:p14="http://schemas.microsoft.com/office/powerpoint/2010/main" val="459769255"/>
+        <p14:creationId xmlns:p14="http://schemas.microsoft.com/office/powerpoint/2010/main" val="4185722608"/>
       </p:ext>
     </p:extLst>
   </p:cSld>
   <p:clrMapOvr>
     <a:masterClrMapping/>
   </p:clrMapOvr>
-  <mc:AlternateContent xmlns:mc="http://schemas.openxmlformats.org/markup-compatibility/2006">
-    <mc:Choice xmlns:p14="http://schemas.microsoft.com/office/powerpoint/2010/main" Requires="p14">
-      <p:transition spd="slow" p14:dur="2000"/>
-    </mc:Choice>
-    <mc:Fallback>
-      <p:transition spd="slow"/>
-    </mc:Fallback>
-  </mc:AlternateContent>
+  <p:timing>
+    <p:tnLst>
+      <p:par>
+        <p:cTn id="1" dur="indefinite" restart="never" nodeType="tmRoot"/>
+      </p:par>
+    </p:tnLst>
+  </p:timing>
+</p:sld>
+</file>
+
+<file path=ppt/slides/slide19.xml><?xml version="1.0" encoding="utf-8"?>
+<p:sld xmlns:a="http://schemas.openxmlformats.org/drawingml/2006/main" xmlns:r="http://schemas.openxmlformats.org/officeDocument/2006/relationships" xmlns:p="http://schemas.openxmlformats.org/presentationml/2006/main">
+  <p:cSld>
+    <p:spTree>
+      <p:nvGrpSpPr>
+        <p:cNvPr id="1" name=""/>
+        <p:cNvGrpSpPr/>
+        <p:nvPr/>
+      </p:nvGrpSpPr>
+      <p:grpSpPr>
+        <a:xfrm>
+          <a:off x="0" y="0"/>
+          <a:ext cx="0" cy="0"/>
+          <a:chOff x="0" y="0"/>
+          <a:chExt cx="0" cy="0"/>
+        </a:xfrm>
+      </p:grpSpPr>
+      <p:sp>
+        <p:nvSpPr>
+          <p:cNvPr id="2" name="Title 1"/>
+          <p:cNvSpPr>
+            <a:spLocks noGrp="1"/>
+          </p:cNvSpPr>
+          <p:nvPr>
+            <p:ph type="title"/>
+          </p:nvPr>
+        </p:nvSpPr>
+        <p:spPr/>
+        <p:txBody>
+          <a:bodyPr/>
+          <a:lstStyle/>
+          <a:p>
+            <a:r>
+              <a:rPr lang="en-US" dirty="0" smtClean="0"/>
+              <a:t>The content page (or child)</a:t>
+            </a:r>
+            <a:endParaRPr lang="en-US" dirty="0"/>
+          </a:p>
+        </p:txBody>
+      </p:sp>
+      <p:sp>
+        <p:nvSpPr>
+          <p:cNvPr id="3" name="Content Placeholder 2"/>
+          <p:cNvSpPr>
+            <a:spLocks noGrp="1"/>
+          </p:cNvSpPr>
+          <p:nvPr>
+            <p:ph sz="quarter" idx="10"/>
+          </p:nvPr>
+        </p:nvSpPr>
+        <p:spPr/>
+        <p:txBody>
+          <a:bodyPr/>
+          <a:lstStyle/>
+          <a:p>
+            <a:pPr marL="57131" indent="0">
+              <a:buNone/>
+            </a:pPr>
+            <a:endParaRPr lang="en-US" dirty="0" smtClean="0">
+              <a:latin typeface="Consolas" panose="020B0609020204030204" pitchFamily="49" charset="0"/>
+              <a:cs typeface="Consolas" panose="020B0609020204030204" pitchFamily="49" charset="0"/>
+            </a:endParaRPr>
+          </a:p>
+          <a:p>
+            <a:pPr marL="57131" indent="0">
+              <a:buNone/>
+            </a:pPr>
+            <a:endParaRPr lang="en-US" dirty="0">
+              <a:latin typeface="Consolas" panose="020B0609020204030204" pitchFamily="49" charset="0"/>
+              <a:cs typeface="Consolas" panose="020B0609020204030204" pitchFamily="49" charset="0"/>
+            </a:endParaRPr>
+          </a:p>
+          <a:p>
+            <a:pPr marL="0" indent="0">
+              <a:buNone/>
+            </a:pPr>
+            <a:endParaRPr lang="en-US" dirty="0"/>
+          </a:p>
+        </p:txBody>
+      </p:sp>
+      <p:sp>
+        <p:nvSpPr>
+          <p:cNvPr id="4" name="Rectangle 3"/>
+          <p:cNvSpPr/>
+          <p:nvPr/>
+        </p:nvSpPr>
+        <p:spPr>
+          <a:xfrm>
+            <a:off x="7204338" y="1245702"/>
+            <a:ext cx="3893270" cy="4279770"/>
+          </a:xfrm>
+          <a:prstGeom prst="rect">
+            <a:avLst/>
+          </a:prstGeom>
+        </p:spPr>
+        <p:style>
+          <a:lnRef idx="2">
+            <a:schemeClr val="accent1"/>
+          </a:lnRef>
+          <a:fillRef idx="1">
+            <a:schemeClr val="lt1"/>
+          </a:fillRef>
+          <a:effectRef idx="0">
+            <a:schemeClr val="accent1"/>
+          </a:effectRef>
+          <a:fontRef idx="minor">
+            <a:schemeClr val="dk1"/>
+          </a:fontRef>
+        </p:style>
+        <p:txBody>
+          <a:bodyPr rtlCol="0" anchor="ctr"/>
+          <a:lstStyle/>
+          <a:p>
+            <a:pPr algn="ctr"/>
+            <a:endParaRPr lang="en-US"/>
+          </a:p>
+        </p:txBody>
+      </p:sp>
+      <p:sp>
+        <p:nvSpPr>
+          <p:cNvPr id="5" name="TextBox 4"/>
+          <p:cNvSpPr txBox="1"/>
+          <p:nvPr/>
+        </p:nvSpPr>
+        <p:spPr>
+          <a:xfrm>
+            <a:off x="7701783" y="5855410"/>
+            <a:ext cx="2912079" cy="461665"/>
+          </a:xfrm>
+          <a:prstGeom prst="rect">
+            <a:avLst/>
+          </a:prstGeom>
+          <a:noFill/>
+        </p:spPr>
+        <p:txBody>
+          <a:bodyPr wrap="none" rtlCol="0">
+            <a:spAutoFit/>
+          </a:bodyPr>
+          <a:lstStyle/>
+          <a:p>
+            <a:r>
+              <a:rPr lang="en-US" sz="2400" dirty="0" smtClean="0"/>
+              <a:t>AnswerQuestion.html</a:t>
+            </a:r>
+            <a:endParaRPr lang="en-US" sz="2400" dirty="0"/>
+          </a:p>
+        </p:txBody>
+      </p:sp>
+      <p:sp>
+        <p:nvSpPr>
+          <p:cNvPr id="6" name="Rectangle 5"/>
+          <p:cNvSpPr/>
+          <p:nvPr/>
+        </p:nvSpPr>
+        <p:spPr>
+          <a:xfrm>
+            <a:off x="7402301" y="1360188"/>
+            <a:ext cx="3450209" cy="498257"/>
+          </a:xfrm>
+          <a:prstGeom prst="rect">
+            <a:avLst/>
+          </a:prstGeom>
+        </p:spPr>
+        <p:style>
+          <a:lnRef idx="1">
+            <a:schemeClr val="dk1"/>
+          </a:lnRef>
+          <a:fillRef idx="2">
+            <a:schemeClr val="dk1"/>
+          </a:fillRef>
+          <a:effectRef idx="1">
+            <a:schemeClr val="dk1"/>
+          </a:effectRef>
+          <a:fontRef idx="minor">
+            <a:schemeClr val="dk1"/>
+          </a:fontRef>
+        </p:style>
+        <p:txBody>
+          <a:bodyPr rtlCol="0" anchor="ctr"/>
+          <a:lstStyle/>
+          <a:p>
+            <a:pPr algn="ctr"/>
+            <a:r>
+              <a:rPr lang="en-US" sz="2400" dirty="0" smtClean="0"/>
+              <a:t>Awesome Trivia App</a:t>
+            </a:r>
+            <a:endParaRPr lang="en-US" sz="2400" dirty="0"/>
+          </a:p>
+        </p:txBody>
+      </p:sp>
+      <p:sp>
+        <p:nvSpPr>
+          <p:cNvPr id="7" name="Rectangle 6"/>
+          <p:cNvSpPr/>
+          <p:nvPr/>
+        </p:nvSpPr>
+        <p:spPr>
+          <a:xfrm>
+            <a:off x="7402301" y="2084687"/>
+            <a:ext cx="980387" cy="3195687"/>
+          </a:xfrm>
+          <a:prstGeom prst="rect">
+            <a:avLst/>
+          </a:prstGeom>
+        </p:spPr>
+        <p:style>
+          <a:lnRef idx="1">
+            <a:schemeClr val="dk1"/>
+          </a:lnRef>
+          <a:fillRef idx="2">
+            <a:schemeClr val="dk1"/>
+          </a:fillRef>
+          <a:effectRef idx="1">
+            <a:schemeClr val="dk1"/>
+          </a:effectRef>
+          <a:fontRef idx="minor">
+            <a:schemeClr val="dk1"/>
+          </a:fontRef>
+        </p:style>
+        <p:txBody>
+          <a:bodyPr rtlCol="0" anchor="ctr"/>
+          <a:lstStyle/>
+          <a:p>
+            <a:pPr algn="ctr"/>
+            <a:r>
+              <a:rPr lang="en-US" sz="2400" dirty="0" smtClean="0"/>
+              <a:t>Link</a:t>
+            </a:r>
+          </a:p>
+          <a:p>
+            <a:pPr algn="ctr"/>
+            <a:r>
+              <a:rPr lang="en-US" sz="2400" dirty="0" smtClean="0"/>
+              <a:t>Link</a:t>
+            </a:r>
+          </a:p>
+          <a:p>
+            <a:pPr algn="ctr"/>
+            <a:r>
+              <a:rPr lang="en-US" sz="2400" dirty="0" smtClean="0"/>
+              <a:t>Link</a:t>
+            </a:r>
+          </a:p>
+          <a:p>
+            <a:pPr algn="ctr"/>
+            <a:r>
+              <a:rPr lang="en-US" sz="2400" dirty="0" smtClean="0"/>
+              <a:t>Link</a:t>
+            </a:r>
+            <a:endParaRPr lang="en-US" sz="2400" dirty="0"/>
+          </a:p>
+        </p:txBody>
+      </p:sp>
+      <p:sp>
+        <p:nvSpPr>
+          <p:cNvPr id="8" name="Rectangle 7"/>
+          <p:cNvSpPr/>
+          <p:nvPr/>
+        </p:nvSpPr>
+        <p:spPr>
+          <a:xfrm>
+            <a:off x="8634770" y="2084686"/>
+            <a:ext cx="2217740" cy="3195687"/>
+          </a:xfrm>
+          <a:prstGeom prst="rect">
+            <a:avLst/>
+          </a:prstGeom>
+        </p:spPr>
+        <p:style>
+          <a:lnRef idx="1">
+            <a:schemeClr val="accent3"/>
+          </a:lnRef>
+          <a:fillRef idx="2">
+            <a:schemeClr val="accent3"/>
+          </a:fillRef>
+          <a:effectRef idx="1">
+            <a:schemeClr val="accent3"/>
+          </a:effectRef>
+          <a:fontRef idx="minor">
+            <a:schemeClr val="dk1"/>
+          </a:fontRef>
+        </p:style>
+        <p:txBody>
+          <a:bodyPr rtlCol="0" anchor="ctr"/>
+          <a:lstStyle/>
+          <a:p>
+            <a:pPr algn="ctr"/>
+            <a:r>
+              <a:rPr lang="en-US" sz="2400" dirty="0" smtClean="0"/>
+              <a:t>Question:</a:t>
+            </a:r>
+          </a:p>
+          <a:p>
+            <a:pPr algn="ctr"/>
+            <a:r>
+              <a:rPr lang="en-US" sz="2400" dirty="0" smtClean="0"/>
+              <a:t>Who invented the light bulb?</a:t>
+            </a:r>
+          </a:p>
+          <a:p>
+            <a:pPr algn="ctr"/>
+            <a:endParaRPr lang="en-US" sz="2400" dirty="0"/>
+          </a:p>
+          <a:p>
+            <a:pPr algn="ctr"/>
+            <a:r>
+              <a:rPr lang="en-US" sz="2400" dirty="0" smtClean="0"/>
+              <a:t>Answer:</a:t>
+            </a:r>
+          </a:p>
+          <a:p>
+            <a:pPr algn="ctr"/>
+            <a:endParaRPr lang="en-US" sz="2400" dirty="0"/>
+          </a:p>
+          <a:p>
+            <a:pPr algn="ctr"/>
+            <a:endParaRPr lang="en-US" sz="2400" dirty="0"/>
+          </a:p>
+        </p:txBody>
+      </p:sp>
+      <p:sp>
+        <p:nvSpPr>
+          <p:cNvPr id="9" name="Rectangle 8"/>
+          <p:cNvSpPr/>
+          <p:nvPr/>
+        </p:nvSpPr>
+        <p:spPr>
+          <a:xfrm>
+            <a:off x="379413" y="1388226"/>
+            <a:ext cx="6462944" cy="736847"/>
+          </a:xfrm>
+          <a:prstGeom prst="rect">
+            <a:avLst/>
+          </a:prstGeom>
+        </p:spPr>
+        <p:style>
+          <a:lnRef idx="1">
+            <a:schemeClr val="dk1"/>
+          </a:lnRef>
+          <a:fillRef idx="2">
+            <a:schemeClr val="dk1"/>
+          </a:fillRef>
+          <a:effectRef idx="1">
+            <a:schemeClr val="dk1"/>
+          </a:effectRef>
+          <a:fontRef idx="minor">
+            <a:schemeClr val="dk1"/>
+          </a:fontRef>
+        </p:style>
+        <p:txBody>
+          <a:bodyPr rtlCol="0" anchor="ctr"/>
+          <a:lstStyle/>
+          <a:p>
+            <a:pPr marL="57131" lvl="0" defTabSz="914088">
+              <a:spcBef>
+                <a:spcPts val="1400"/>
+              </a:spcBef>
+            </a:pPr>
+            <a:r>
+              <a:rPr lang="en-US" sz="3200" kern="0" dirty="0">
+                <a:solidFill>
+                  <a:prstClr val="black"/>
+                </a:solidFill>
+                <a:latin typeface="Consolas" panose="020B0609020204030204" pitchFamily="49" charset="0"/>
+                <a:cs typeface="Consolas" panose="020B0609020204030204" pitchFamily="49" charset="0"/>
+              </a:rPr>
+              <a:t>{% extends </a:t>
+            </a:r>
+            <a:r>
+              <a:rPr lang="en-US" sz="3200" i="1" kern="0" dirty="0">
+                <a:solidFill>
+                  <a:prstClr val="black"/>
+                </a:solidFill>
+                <a:latin typeface="Consolas" panose="020B0609020204030204" pitchFamily="49" charset="0"/>
+                <a:cs typeface="Consolas" panose="020B0609020204030204" pitchFamily="49" charset="0"/>
+              </a:rPr>
+              <a:t>baseName.html</a:t>
+            </a:r>
+            <a:r>
+              <a:rPr lang="en-US" sz="3200" kern="0" dirty="0">
+                <a:solidFill>
+                  <a:prstClr val="black"/>
+                </a:solidFill>
+                <a:latin typeface="Consolas" panose="020B0609020204030204" pitchFamily="49" charset="0"/>
+                <a:cs typeface="Consolas" panose="020B0609020204030204" pitchFamily="49" charset="0"/>
+              </a:rPr>
+              <a:t> %}</a:t>
+            </a:r>
+          </a:p>
+        </p:txBody>
+      </p:sp>
+      <p:sp>
+        <p:nvSpPr>
+          <p:cNvPr id="10" name="Rectangle 9"/>
+          <p:cNvSpPr/>
+          <p:nvPr/>
+        </p:nvSpPr>
+        <p:spPr>
+          <a:xfrm>
+            <a:off x="379413" y="2388315"/>
+            <a:ext cx="6462944" cy="3137157"/>
+          </a:xfrm>
+          <a:prstGeom prst="rect">
+            <a:avLst/>
+          </a:prstGeom>
+        </p:spPr>
+        <p:style>
+          <a:lnRef idx="1">
+            <a:schemeClr val="accent3"/>
+          </a:lnRef>
+          <a:fillRef idx="2">
+            <a:schemeClr val="accent3"/>
+          </a:fillRef>
+          <a:effectRef idx="1">
+            <a:schemeClr val="accent3"/>
+          </a:effectRef>
+          <a:fontRef idx="minor">
+            <a:schemeClr val="dk1"/>
+          </a:fontRef>
+        </p:style>
+        <p:txBody>
+          <a:bodyPr rtlCol="0" anchor="ctr"/>
+          <a:lstStyle/>
+          <a:p>
+            <a:pPr marL="57131" lvl="0" defTabSz="914088">
+              <a:spcBef>
+                <a:spcPts val="1400"/>
+              </a:spcBef>
+            </a:pPr>
+            <a:r>
+              <a:rPr lang="en-US" sz="3200" kern="0" dirty="0">
+                <a:solidFill>
+                  <a:prstClr val="black"/>
+                </a:solidFill>
+                <a:latin typeface="Consolas" panose="020B0609020204030204" pitchFamily="49" charset="0"/>
+                <a:cs typeface="Consolas" panose="020B0609020204030204" pitchFamily="49" charset="0"/>
+              </a:rPr>
+              <a:t>{% block </a:t>
+            </a:r>
+            <a:r>
+              <a:rPr lang="en-US" sz="3200" i="1" kern="0" dirty="0" err="1" smtClean="0">
+                <a:solidFill>
+                  <a:prstClr val="black"/>
+                </a:solidFill>
+                <a:latin typeface="Consolas" panose="020B0609020204030204" pitchFamily="49" charset="0"/>
+                <a:cs typeface="Consolas" panose="020B0609020204030204" pitchFamily="49" charset="0"/>
+              </a:rPr>
+              <a:t>blockName</a:t>
+            </a:r>
+            <a:r>
+              <a:rPr lang="en-US" sz="3200" kern="0" dirty="0" smtClean="0">
+                <a:solidFill>
+                  <a:prstClr val="black"/>
+                </a:solidFill>
+                <a:latin typeface="Consolas" panose="020B0609020204030204" pitchFamily="49" charset="0"/>
+                <a:cs typeface="Consolas" panose="020B0609020204030204" pitchFamily="49" charset="0"/>
+              </a:rPr>
+              <a:t> </a:t>
+            </a:r>
+            <a:r>
+              <a:rPr lang="en-US" sz="3200" kern="0" dirty="0">
+                <a:solidFill>
+                  <a:prstClr val="black"/>
+                </a:solidFill>
+                <a:latin typeface="Consolas" panose="020B0609020204030204" pitchFamily="49" charset="0"/>
+                <a:cs typeface="Consolas" panose="020B0609020204030204" pitchFamily="49" charset="0"/>
+              </a:rPr>
+              <a:t>%}</a:t>
+            </a:r>
+          </a:p>
+          <a:p>
+            <a:pPr marL="57131" lvl="0" defTabSz="914088">
+              <a:spcBef>
+                <a:spcPts val="1400"/>
+              </a:spcBef>
+            </a:pPr>
+            <a:r>
+              <a:rPr lang="en-US" sz="3200" i="1" kern="0" dirty="0" smtClean="0">
+                <a:solidFill>
+                  <a:prstClr val="black"/>
+                </a:solidFill>
+                <a:latin typeface="Consolas" panose="020B0609020204030204" pitchFamily="49" charset="0"/>
+                <a:cs typeface="Consolas" panose="020B0609020204030204" pitchFamily="49" charset="0"/>
+              </a:rPr>
+              <a:t>Question: Who invented the light bulb</a:t>
+            </a:r>
+          </a:p>
+          <a:p>
+            <a:pPr marL="57131" lvl="0" defTabSz="914088">
+              <a:spcBef>
+                <a:spcPts val="1400"/>
+              </a:spcBef>
+            </a:pPr>
+            <a:r>
+              <a:rPr lang="en-US" sz="3200" i="1" kern="0" dirty="0" smtClean="0">
+                <a:solidFill>
+                  <a:prstClr val="black"/>
+                </a:solidFill>
+                <a:latin typeface="Consolas" panose="020B0609020204030204" pitchFamily="49" charset="0"/>
+                <a:cs typeface="Consolas" panose="020B0609020204030204" pitchFamily="49" charset="0"/>
+              </a:rPr>
+              <a:t>Answer</a:t>
+            </a:r>
+            <a:endParaRPr lang="en-US" sz="3200" kern="0" dirty="0">
+              <a:solidFill>
+                <a:prstClr val="black"/>
+              </a:solidFill>
+              <a:latin typeface="Consolas" panose="020B0609020204030204" pitchFamily="49" charset="0"/>
+              <a:cs typeface="Consolas" panose="020B0609020204030204" pitchFamily="49" charset="0"/>
+            </a:endParaRPr>
+          </a:p>
+          <a:p>
+            <a:pPr marL="57131" lvl="0" defTabSz="914088">
+              <a:spcBef>
+                <a:spcPts val="1400"/>
+              </a:spcBef>
+            </a:pPr>
+            <a:r>
+              <a:rPr lang="en-US" sz="3200" kern="0" dirty="0">
+                <a:solidFill>
+                  <a:prstClr val="black"/>
+                </a:solidFill>
+                <a:latin typeface="Consolas" panose="020B0609020204030204" pitchFamily="49" charset="0"/>
+                <a:cs typeface="Consolas" panose="020B0609020204030204" pitchFamily="49" charset="0"/>
+              </a:rPr>
+              <a:t>{% </a:t>
+            </a:r>
+            <a:r>
+              <a:rPr lang="en-US" sz="3200" kern="0" dirty="0" err="1">
+                <a:solidFill>
+                  <a:prstClr val="black"/>
+                </a:solidFill>
+                <a:latin typeface="Consolas" panose="020B0609020204030204" pitchFamily="49" charset="0"/>
+                <a:cs typeface="Consolas" panose="020B0609020204030204" pitchFamily="49" charset="0"/>
+              </a:rPr>
+              <a:t>endblock</a:t>
+            </a:r>
+            <a:r>
+              <a:rPr lang="en-US" sz="3200" kern="0" dirty="0">
+                <a:solidFill>
+                  <a:prstClr val="black"/>
+                </a:solidFill>
+                <a:latin typeface="Consolas" panose="020B0609020204030204" pitchFamily="49" charset="0"/>
+                <a:cs typeface="Consolas" panose="020B0609020204030204" pitchFamily="49" charset="0"/>
+              </a:rPr>
+              <a:t> %}</a:t>
+            </a:r>
+          </a:p>
+        </p:txBody>
+      </p:sp>
+    </p:spTree>
+    <p:extLst>
+      <p:ext uri="{BB962C8B-B14F-4D97-AF65-F5344CB8AC3E}">
+        <p14:creationId xmlns:p14="http://schemas.microsoft.com/office/powerpoint/2010/main" val="3696130200"/>
+      </p:ext>
+    </p:extLst>
+  </p:cSld>
+  <p:clrMapOvr>
+    <a:masterClrMapping/>
+  </p:clrMapOvr>
   <p:timing>
     <p:tnLst>
       <p:par>
@@ -6470,6 +9523,733 @@
       <p:bldP spid="5" grpId="0"/>
       <p:bldP spid="6" grpId="0"/>
     </p:bldLst>
+  </p:timing>
+</p:sld>
+</file>
+
+<file path=ppt/slides/slide20.xml><?xml version="1.0" encoding="utf-8"?>
+<p:sld xmlns:a="http://schemas.openxmlformats.org/drawingml/2006/main" xmlns:r="http://schemas.openxmlformats.org/officeDocument/2006/relationships" xmlns:p="http://schemas.openxmlformats.org/presentationml/2006/main">
+  <p:cSld>
+    <p:spTree>
+      <p:nvGrpSpPr>
+        <p:cNvPr id="1" name=""/>
+        <p:cNvGrpSpPr/>
+        <p:nvPr/>
+      </p:nvGrpSpPr>
+      <p:grpSpPr>
+        <a:xfrm>
+          <a:off x="0" y="0"/>
+          <a:ext cx="0" cy="0"/>
+          <a:chOff x="0" y="0"/>
+          <a:chExt cx="0" cy="0"/>
+        </a:xfrm>
+      </p:grpSpPr>
+      <p:sp>
+        <p:nvSpPr>
+          <p:cNvPr id="2" name="Title 1"/>
+          <p:cNvSpPr>
+            <a:spLocks noGrp="1"/>
+          </p:cNvSpPr>
+          <p:nvPr>
+            <p:ph type="title"/>
+          </p:nvPr>
+        </p:nvSpPr>
+        <p:spPr/>
+        <p:txBody>
+          <a:bodyPr/>
+          <a:lstStyle/>
+          <a:p>
+            <a:r>
+              <a:rPr lang="en-US" dirty="0" smtClean="0"/>
+              <a:t>The content page (or child)</a:t>
+            </a:r>
+            <a:endParaRPr lang="en-US" dirty="0"/>
+          </a:p>
+        </p:txBody>
+      </p:sp>
+      <p:sp>
+        <p:nvSpPr>
+          <p:cNvPr id="3" name="Content Placeholder 2"/>
+          <p:cNvSpPr>
+            <a:spLocks noGrp="1"/>
+          </p:cNvSpPr>
+          <p:nvPr>
+            <p:ph sz="quarter" idx="10"/>
+          </p:nvPr>
+        </p:nvSpPr>
+        <p:spPr/>
+        <p:txBody>
+          <a:bodyPr/>
+          <a:lstStyle/>
+          <a:p>
+            <a:pPr marL="57131" indent="0">
+              <a:buNone/>
+            </a:pPr>
+            <a:endParaRPr lang="en-US" dirty="0" smtClean="0">
+              <a:latin typeface="Consolas" panose="020B0609020204030204" pitchFamily="49" charset="0"/>
+              <a:cs typeface="Consolas" panose="020B0609020204030204" pitchFamily="49" charset="0"/>
+            </a:endParaRPr>
+          </a:p>
+          <a:p>
+            <a:pPr marL="57131" indent="0">
+              <a:buNone/>
+            </a:pPr>
+            <a:endParaRPr lang="en-US" dirty="0">
+              <a:latin typeface="Consolas" panose="020B0609020204030204" pitchFamily="49" charset="0"/>
+              <a:cs typeface="Consolas" panose="020B0609020204030204" pitchFamily="49" charset="0"/>
+            </a:endParaRPr>
+          </a:p>
+          <a:p>
+            <a:pPr marL="0" indent="0">
+              <a:buNone/>
+            </a:pPr>
+            <a:endParaRPr lang="en-US" dirty="0"/>
+          </a:p>
+        </p:txBody>
+      </p:sp>
+      <p:sp>
+        <p:nvSpPr>
+          <p:cNvPr id="4" name="Rectangle 3"/>
+          <p:cNvSpPr/>
+          <p:nvPr/>
+        </p:nvSpPr>
+        <p:spPr>
+          <a:xfrm>
+            <a:off x="7204338" y="1245702"/>
+            <a:ext cx="3893270" cy="4279770"/>
+          </a:xfrm>
+          <a:prstGeom prst="rect">
+            <a:avLst/>
+          </a:prstGeom>
+        </p:spPr>
+        <p:style>
+          <a:lnRef idx="2">
+            <a:schemeClr val="accent1"/>
+          </a:lnRef>
+          <a:fillRef idx="1">
+            <a:schemeClr val="lt1"/>
+          </a:fillRef>
+          <a:effectRef idx="0">
+            <a:schemeClr val="accent1"/>
+          </a:effectRef>
+          <a:fontRef idx="minor">
+            <a:schemeClr val="dk1"/>
+          </a:fontRef>
+        </p:style>
+        <p:txBody>
+          <a:bodyPr rtlCol="0" anchor="ctr"/>
+          <a:lstStyle/>
+          <a:p>
+            <a:pPr algn="ctr"/>
+            <a:endParaRPr lang="en-US"/>
+          </a:p>
+        </p:txBody>
+      </p:sp>
+      <p:sp>
+        <p:nvSpPr>
+          <p:cNvPr id="5" name="TextBox 4"/>
+          <p:cNvSpPr txBox="1"/>
+          <p:nvPr/>
+        </p:nvSpPr>
+        <p:spPr>
+          <a:xfrm>
+            <a:off x="7701783" y="5855410"/>
+            <a:ext cx="2912079" cy="461665"/>
+          </a:xfrm>
+          <a:prstGeom prst="rect">
+            <a:avLst/>
+          </a:prstGeom>
+          <a:noFill/>
+        </p:spPr>
+        <p:txBody>
+          <a:bodyPr wrap="none" rtlCol="0">
+            <a:spAutoFit/>
+          </a:bodyPr>
+          <a:lstStyle/>
+          <a:p>
+            <a:r>
+              <a:rPr lang="en-US" sz="2400" dirty="0" smtClean="0"/>
+              <a:t>AnswerQuestion.html</a:t>
+            </a:r>
+            <a:endParaRPr lang="en-US" sz="2400" dirty="0"/>
+          </a:p>
+        </p:txBody>
+      </p:sp>
+      <p:sp>
+        <p:nvSpPr>
+          <p:cNvPr id="6" name="Rectangle 5"/>
+          <p:cNvSpPr/>
+          <p:nvPr/>
+        </p:nvSpPr>
+        <p:spPr>
+          <a:xfrm>
+            <a:off x="7402301" y="1360188"/>
+            <a:ext cx="3450209" cy="498257"/>
+          </a:xfrm>
+          <a:prstGeom prst="rect">
+            <a:avLst/>
+          </a:prstGeom>
+        </p:spPr>
+        <p:style>
+          <a:lnRef idx="1">
+            <a:schemeClr val="dk1"/>
+          </a:lnRef>
+          <a:fillRef idx="2">
+            <a:schemeClr val="dk1"/>
+          </a:fillRef>
+          <a:effectRef idx="1">
+            <a:schemeClr val="dk1"/>
+          </a:effectRef>
+          <a:fontRef idx="minor">
+            <a:schemeClr val="dk1"/>
+          </a:fontRef>
+        </p:style>
+        <p:txBody>
+          <a:bodyPr rtlCol="0" anchor="ctr"/>
+          <a:lstStyle/>
+          <a:p>
+            <a:pPr algn="ctr"/>
+            <a:r>
+              <a:rPr lang="en-US" sz="2400" dirty="0" smtClean="0"/>
+              <a:t>Awesome Trivia App</a:t>
+            </a:r>
+            <a:endParaRPr lang="en-US" sz="2400" dirty="0"/>
+          </a:p>
+        </p:txBody>
+      </p:sp>
+      <p:sp>
+        <p:nvSpPr>
+          <p:cNvPr id="7" name="Rectangle 6"/>
+          <p:cNvSpPr/>
+          <p:nvPr/>
+        </p:nvSpPr>
+        <p:spPr>
+          <a:xfrm>
+            <a:off x="7402301" y="2084687"/>
+            <a:ext cx="980387" cy="3195687"/>
+          </a:xfrm>
+          <a:prstGeom prst="rect">
+            <a:avLst/>
+          </a:prstGeom>
+        </p:spPr>
+        <p:style>
+          <a:lnRef idx="1">
+            <a:schemeClr val="dk1"/>
+          </a:lnRef>
+          <a:fillRef idx="2">
+            <a:schemeClr val="dk1"/>
+          </a:fillRef>
+          <a:effectRef idx="1">
+            <a:schemeClr val="dk1"/>
+          </a:effectRef>
+          <a:fontRef idx="minor">
+            <a:schemeClr val="dk1"/>
+          </a:fontRef>
+        </p:style>
+        <p:txBody>
+          <a:bodyPr rtlCol="0" anchor="ctr"/>
+          <a:lstStyle/>
+          <a:p>
+            <a:pPr algn="ctr"/>
+            <a:r>
+              <a:rPr lang="en-US" sz="2400" dirty="0" smtClean="0"/>
+              <a:t>Link</a:t>
+            </a:r>
+          </a:p>
+          <a:p>
+            <a:pPr algn="ctr"/>
+            <a:r>
+              <a:rPr lang="en-US" sz="2400" dirty="0" smtClean="0"/>
+              <a:t>Link</a:t>
+            </a:r>
+          </a:p>
+          <a:p>
+            <a:pPr algn="ctr"/>
+            <a:r>
+              <a:rPr lang="en-US" sz="2400" dirty="0" smtClean="0"/>
+              <a:t>Link</a:t>
+            </a:r>
+          </a:p>
+          <a:p>
+            <a:pPr algn="ctr"/>
+            <a:r>
+              <a:rPr lang="en-US" sz="2400" dirty="0" smtClean="0"/>
+              <a:t>Link</a:t>
+            </a:r>
+            <a:endParaRPr lang="en-US" sz="2400" dirty="0"/>
+          </a:p>
+        </p:txBody>
+      </p:sp>
+      <p:sp>
+        <p:nvSpPr>
+          <p:cNvPr id="8" name="Rectangle 7"/>
+          <p:cNvSpPr/>
+          <p:nvPr/>
+        </p:nvSpPr>
+        <p:spPr>
+          <a:xfrm>
+            <a:off x="8634770" y="2084686"/>
+            <a:ext cx="2217740" cy="3195687"/>
+          </a:xfrm>
+          <a:prstGeom prst="rect">
+            <a:avLst/>
+          </a:prstGeom>
+        </p:spPr>
+        <p:style>
+          <a:lnRef idx="1">
+            <a:schemeClr val="accent3"/>
+          </a:lnRef>
+          <a:fillRef idx="2">
+            <a:schemeClr val="accent3"/>
+          </a:fillRef>
+          <a:effectRef idx="1">
+            <a:schemeClr val="accent3"/>
+          </a:effectRef>
+          <a:fontRef idx="minor">
+            <a:schemeClr val="dk1"/>
+          </a:fontRef>
+        </p:style>
+        <p:txBody>
+          <a:bodyPr rtlCol="0" anchor="ctr"/>
+          <a:lstStyle/>
+          <a:p>
+            <a:pPr algn="ctr"/>
+            <a:endParaRPr lang="en-US" sz="2400" dirty="0" smtClean="0"/>
+          </a:p>
+          <a:p>
+            <a:pPr algn="ctr"/>
+            <a:endParaRPr lang="en-US" sz="2400" dirty="0"/>
+          </a:p>
+          <a:p>
+            <a:pPr algn="ctr"/>
+            <a:r>
+              <a:rPr lang="en-US" sz="2400" dirty="0" smtClean="0"/>
+              <a:t>Question:</a:t>
+            </a:r>
+          </a:p>
+          <a:p>
+            <a:pPr algn="ctr"/>
+            <a:r>
+              <a:rPr lang="en-US" sz="2400" dirty="0" smtClean="0"/>
+              <a:t>Who invented the light bulb?</a:t>
+            </a:r>
+          </a:p>
+          <a:p>
+            <a:pPr algn="ctr"/>
+            <a:endParaRPr lang="en-US" sz="2400" dirty="0"/>
+          </a:p>
+          <a:p>
+            <a:pPr algn="ctr"/>
+            <a:r>
+              <a:rPr lang="en-US" sz="2400" dirty="0" smtClean="0"/>
+              <a:t>Answer:</a:t>
+            </a:r>
+          </a:p>
+          <a:p>
+            <a:pPr algn="ctr"/>
+            <a:endParaRPr lang="en-US" sz="2400" dirty="0"/>
+          </a:p>
+          <a:p>
+            <a:pPr algn="ctr"/>
+            <a:r>
+              <a:rPr lang="en-US" sz="2400" i="1" dirty="0" smtClean="0">
+                <a:solidFill>
+                  <a:srgbClr val="FF0000"/>
+                </a:solidFill>
+              </a:rPr>
+              <a:t>Disclaimer</a:t>
+            </a:r>
+          </a:p>
+          <a:p>
+            <a:pPr algn="ctr"/>
+            <a:endParaRPr lang="en-US" sz="2400" dirty="0"/>
+          </a:p>
+          <a:p>
+            <a:pPr algn="ctr"/>
+            <a:endParaRPr lang="en-US" sz="2400" dirty="0"/>
+          </a:p>
+        </p:txBody>
+      </p:sp>
+      <p:sp>
+        <p:nvSpPr>
+          <p:cNvPr id="9" name="Rectangle 8"/>
+          <p:cNvSpPr/>
+          <p:nvPr/>
+        </p:nvSpPr>
+        <p:spPr>
+          <a:xfrm>
+            <a:off x="379413" y="1388226"/>
+            <a:ext cx="6462944" cy="736847"/>
+          </a:xfrm>
+          <a:prstGeom prst="rect">
+            <a:avLst/>
+          </a:prstGeom>
+        </p:spPr>
+        <p:style>
+          <a:lnRef idx="1">
+            <a:schemeClr val="dk1"/>
+          </a:lnRef>
+          <a:fillRef idx="2">
+            <a:schemeClr val="dk1"/>
+          </a:fillRef>
+          <a:effectRef idx="1">
+            <a:schemeClr val="dk1"/>
+          </a:effectRef>
+          <a:fontRef idx="minor">
+            <a:schemeClr val="dk1"/>
+          </a:fontRef>
+        </p:style>
+        <p:txBody>
+          <a:bodyPr rtlCol="0" anchor="ctr"/>
+          <a:lstStyle/>
+          <a:p>
+            <a:pPr marL="57131" lvl="0" defTabSz="914088">
+              <a:spcBef>
+                <a:spcPts val="1400"/>
+              </a:spcBef>
+            </a:pPr>
+            <a:r>
+              <a:rPr lang="en-US" sz="3200" kern="0" dirty="0">
+                <a:solidFill>
+                  <a:prstClr val="black"/>
+                </a:solidFill>
+                <a:latin typeface="Consolas" panose="020B0609020204030204" pitchFamily="49" charset="0"/>
+                <a:cs typeface="Consolas" panose="020B0609020204030204" pitchFamily="49" charset="0"/>
+              </a:rPr>
+              <a:t>{% extends </a:t>
+            </a:r>
+            <a:r>
+              <a:rPr lang="en-US" sz="3200" i="1" kern="0" dirty="0">
+                <a:solidFill>
+                  <a:prstClr val="black"/>
+                </a:solidFill>
+                <a:latin typeface="Consolas" panose="020B0609020204030204" pitchFamily="49" charset="0"/>
+                <a:cs typeface="Consolas" panose="020B0609020204030204" pitchFamily="49" charset="0"/>
+              </a:rPr>
+              <a:t>baseName.html</a:t>
+            </a:r>
+            <a:r>
+              <a:rPr lang="en-US" sz="3200" kern="0" dirty="0">
+                <a:solidFill>
+                  <a:prstClr val="black"/>
+                </a:solidFill>
+                <a:latin typeface="Consolas" panose="020B0609020204030204" pitchFamily="49" charset="0"/>
+                <a:cs typeface="Consolas" panose="020B0609020204030204" pitchFamily="49" charset="0"/>
+              </a:rPr>
+              <a:t> %}</a:t>
+            </a:r>
+          </a:p>
+        </p:txBody>
+      </p:sp>
+      <p:sp>
+        <p:nvSpPr>
+          <p:cNvPr id="10" name="Rectangle 9"/>
+          <p:cNvSpPr/>
+          <p:nvPr/>
+        </p:nvSpPr>
+        <p:spPr>
+          <a:xfrm>
+            <a:off x="379413" y="2388315"/>
+            <a:ext cx="6462944" cy="3928760"/>
+          </a:xfrm>
+          <a:prstGeom prst="rect">
+            <a:avLst/>
+          </a:prstGeom>
+        </p:spPr>
+        <p:style>
+          <a:lnRef idx="1">
+            <a:schemeClr val="accent3"/>
+          </a:lnRef>
+          <a:fillRef idx="2">
+            <a:schemeClr val="accent3"/>
+          </a:fillRef>
+          <a:effectRef idx="1">
+            <a:schemeClr val="accent3"/>
+          </a:effectRef>
+          <a:fontRef idx="minor">
+            <a:schemeClr val="dk1"/>
+          </a:fontRef>
+        </p:style>
+        <p:txBody>
+          <a:bodyPr rtlCol="0" anchor="ctr"/>
+          <a:lstStyle/>
+          <a:p>
+            <a:pPr marL="57131" lvl="0" defTabSz="914088">
+              <a:spcBef>
+                <a:spcPts val="1400"/>
+              </a:spcBef>
+            </a:pPr>
+            <a:r>
+              <a:rPr lang="en-US" sz="3200" kern="0" dirty="0">
+                <a:solidFill>
+                  <a:prstClr val="black"/>
+                </a:solidFill>
+                <a:latin typeface="Consolas" panose="020B0609020204030204" pitchFamily="49" charset="0"/>
+                <a:cs typeface="Consolas" panose="020B0609020204030204" pitchFamily="49" charset="0"/>
+              </a:rPr>
+              <a:t>{% block </a:t>
+            </a:r>
+            <a:r>
+              <a:rPr lang="en-US" sz="3200" i="1" kern="0" dirty="0" err="1" smtClean="0">
+                <a:solidFill>
+                  <a:prstClr val="black"/>
+                </a:solidFill>
+                <a:latin typeface="Consolas" panose="020B0609020204030204" pitchFamily="49" charset="0"/>
+                <a:cs typeface="Consolas" panose="020B0609020204030204" pitchFamily="49" charset="0"/>
+              </a:rPr>
+              <a:t>blockName</a:t>
+            </a:r>
+            <a:r>
+              <a:rPr lang="en-US" sz="3200" kern="0" dirty="0" smtClean="0">
+                <a:solidFill>
+                  <a:prstClr val="black"/>
+                </a:solidFill>
+                <a:latin typeface="Consolas" panose="020B0609020204030204" pitchFamily="49" charset="0"/>
+                <a:cs typeface="Consolas" panose="020B0609020204030204" pitchFamily="49" charset="0"/>
+              </a:rPr>
+              <a:t> </a:t>
+            </a:r>
+            <a:r>
+              <a:rPr lang="en-US" sz="3200" kern="0" dirty="0">
+                <a:solidFill>
+                  <a:prstClr val="black"/>
+                </a:solidFill>
+                <a:latin typeface="Consolas" panose="020B0609020204030204" pitchFamily="49" charset="0"/>
+                <a:cs typeface="Consolas" panose="020B0609020204030204" pitchFamily="49" charset="0"/>
+              </a:rPr>
+              <a:t>%}</a:t>
+            </a:r>
+          </a:p>
+          <a:p>
+            <a:pPr marL="57131" lvl="0" defTabSz="914088">
+              <a:spcBef>
+                <a:spcPts val="1400"/>
+              </a:spcBef>
+            </a:pPr>
+            <a:r>
+              <a:rPr lang="en-US" sz="3200" i="1" kern="0" dirty="0" smtClean="0">
+                <a:solidFill>
+                  <a:prstClr val="black"/>
+                </a:solidFill>
+                <a:latin typeface="Consolas" panose="020B0609020204030204" pitchFamily="49" charset="0"/>
+                <a:cs typeface="Consolas" panose="020B0609020204030204" pitchFamily="49" charset="0"/>
+              </a:rPr>
+              <a:t>Question: Who invented the light bulb</a:t>
+            </a:r>
+          </a:p>
+          <a:p>
+            <a:pPr marL="57131" lvl="0" defTabSz="914088">
+              <a:spcBef>
+                <a:spcPts val="1400"/>
+              </a:spcBef>
+            </a:pPr>
+            <a:r>
+              <a:rPr lang="en-US" sz="3200" i="1" kern="0" dirty="0" smtClean="0">
+                <a:solidFill>
+                  <a:prstClr val="black"/>
+                </a:solidFill>
+                <a:latin typeface="Consolas" panose="020B0609020204030204" pitchFamily="49" charset="0"/>
+                <a:cs typeface="Consolas" panose="020B0609020204030204" pitchFamily="49" charset="0"/>
+              </a:rPr>
+              <a:t>Answer</a:t>
+            </a:r>
+          </a:p>
+          <a:p>
+            <a:pPr marL="57131" lvl="0" defTabSz="914088">
+              <a:spcBef>
+                <a:spcPts val="1400"/>
+              </a:spcBef>
+            </a:pPr>
+            <a:r>
+              <a:rPr lang="en-US" sz="3200" i="1" kern="0" dirty="0" smtClean="0">
+                <a:solidFill>
+                  <a:srgbClr val="FF0000"/>
+                </a:solidFill>
+                <a:latin typeface="Consolas" panose="020B0609020204030204" pitchFamily="49" charset="0"/>
+                <a:cs typeface="Consolas" panose="020B0609020204030204" pitchFamily="49" charset="0"/>
+              </a:rPr>
+              <a:t>{{ super() }}</a:t>
+            </a:r>
+            <a:endParaRPr lang="en-US" sz="3200" kern="0" dirty="0">
+              <a:solidFill>
+                <a:srgbClr val="FF0000"/>
+              </a:solidFill>
+              <a:latin typeface="Consolas" panose="020B0609020204030204" pitchFamily="49" charset="0"/>
+              <a:cs typeface="Consolas" panose="020B0609020204030204" pitchFamily="49" charset="0"/>
+            </a:endParaRPr>
+          </a:p>
+          <a:p>
+            <a:pPr marL="57131" lvl="0" defTabSz="914088">
+              <a:spcBef>
+                <a:spcPts val="1400"/>
+              </a:spcBef>
+            </a:pPr>
+            <a:r>
+              <a:rPr lang="en-US" sz="3200" kern="0" dirty="0">
+                <a:solidFill>
+                  <a:prstClr val="black"/>
+                </a:solidFill>
+                <a:latin typeface="Consolas" panose="020B0609020204030204" pitchFamily="49" charset="0"/>
+                <a:cs typeface="Consolas" panose="020B0609020204030204" pitchFamily="49" charset="0"/>
+              </a:rPr>
+              <a:t>{% </a:t>
+            </a:r>
+            <a:r>
+              <a:rPr lang="en-US" sz="3200" kern="0" dirty="0" err="1">
+                <a:solidFill>
+                  <a:prstClr val="black"/>
+                </a:solidFill>
+                <a:latin typeface="Consolas" panose="020B0609020204030204" pitchFamily="49" charset="0"/>
+                <a:cs typeface="Consolas" panose="020B0609020204030204" pitchFamily="49" charset="0"/>
+              </a:rPr>
+              <a:t>endblock</a:t>
+            </a:r>
+            <a:r>
+              <a:rPr lang="en-US" sz="3200" kern="0" dirty="0">
+                <a:solidFill>
+                  <a:prstClr val="black"/>
+                </a:solidFill>
+                <a:latin typeface="Consolas" panose="020B0609020204030204" pitchFamily="49" charset="0"/>
+                <a:cs typeface="Consolas" panose="020B0609020204030204" pitchFamily="49" charset="0"/>
+              </a:rPr>
+              <a:t> %}</a:t>
+            </a:r>
+          </a:p>
+        </p:txBody>
+      </p:sp>
+    </p:spTree>
+    <p:extLst>
+      <p:ext uri="{BB962C8B-B14F-4D97-AF65-F5344CB8AC3E}">
+        <p14:creationId xmlns:p14="http://schemas.microsoft.com/office/powerpoint/2010/main" val="4159825200"/>
+      </p:ext>
+    </p:extLst>
+  </p:cSld>
+  <p:clrMapOvr>
+    <a:masterClrMapping/>
+  </p:clrMapOvr>
+  <mc:AlternateContent xmlns:mc="http://schemas.openxmlformats.org/markup-compatibility/2006" xmlns:p14="http://schemas.microsoft.com/office/powerpoint/2010/main">
+    <mc:Choice Requires="p14">
+      <p:transition spd="med" p14:dur="700">
+        <p:fade/>
+      </p:transition>
+    </mc:Choice>
+    <mc:Fallback xmlns="">
+      <p:transition spd="med">
+        <p:fade/>
+      </p:transition>
+    </mc:Fallback>
+  </mc:AlternateContent>
+  <p:timing>
+    <p:tnLst>
+      <p:par>
+        <p:cTn id="1" dur="indefinite" restart="never" nodeType="tmRoot"/>
+      </p:par>
+    </p:tnLst>
+  </p:timing>
+</p:sld>
+</file>
+
+<file path=ppt/slides/slide21.xml><?xml version="1.0" encoding="utf-8"?>
+<p:sld xmlns:a="http://schemas.openxmlformats.org/drawingml/2006/main" xmlns:r="http://schemas.openxmlformats.org/officeDocument/2006/relationships" xmlns:p="http://schemas.openxmlformats.org/presentationml/2006/main">
+  <p:cSld>
+    <p:spTree>
+      <p:nvGrpSpPr>
+        <p:cNvPr id="1" name=""/>
+        <p:cNvGrpSpPr/>
+        <p:nvPr/>
+      </p:nvGrpSpPr>
+      <p:grpSpPr>
+        <a:xfrm>
+          <a:off x="0" y="0"/>
+          <a:ext cx="0" cy="0"/>
+          <a:chOff x="0" y="0"/>
+          <a:chExt cx="0" cy="0"/>
+        </a:xfrm>
+      </p:grpSpPr>
+      <p:sp>
+        <p:nvSpPr>
+          <p:cNvPr id="4" name="Title 3"/>
+          <p:cNvSpPr>
+            <a:spLocks noGrp="1"/>
+          </p:cNvSpPr>
+          <p:nvPr>
+            <p:ph type="title"/>
+          </p:nvPr>
+        </p:nvSpPr>
+        <p:spPr/>
+        <p:txBody>
+          <a:bodyPr/>
+          <a:lstStyle/>
+          <a:p>
+            <a:r>
+              <a:rPr lang="en-US" dirty="0" smtClean="0"/>
+              <a:t>Advanced layouts</a:t>
+            </a:r>
+            <a:endParaRPr lang="en-US" dirty="0"/>
+          </a:p>
+        </p:txBody>
+      </p:sp>
+    </p:spTree>
+    <p:extLst>
+      <p:ext uri="{BB962C8B-B14F-4D97-AF65-F5344CB8AC3E}">
+        <p14:creationId xmlns:p14="http://schemas.microsoft.com/office/powerpoint/2010/main" val="4138193889"/>
+      </p:ext>
+    </p:extLst>
+  </p:cSld>
+  <p:clrMapOvr>
+    <a:masterClrMapping/>
+  </p:clrMapOvr>
+  <p:timing>
+    <p:tnLst>
+      <p:par>
+        <p:cTn id="1" dur="indefinite" restart="never" nodeType="tmRoot"/>
+      </p:par>
+    </p:tnLst>
+  </p:timing>
+</p:sld>
+</file>
+
+<file path=ppt/slides/slide22.xml><?xml version="1.0" encoding="utf-8"?>
+<p:sld xmlns:a="http://schemas.openxmlformats.org/drawingml/2006/main" xmlns:r="http://schemas.openxmlformats.org/officeDocument/2006/relationships" xmlns:p="http://schemas.openxmlformats.org/presentationml/2006/main">
+  <p:cSld>
+    <p:spTree>
+      <p:nvGrpSpPr>
+        <p:cNvPr id="1" name=""/>
+        <p:cNvGrpSpPr/>
+        <p:nvPr/>
+      </p:nvGrpSpPr>
+      <p:grpSpPr>
+        <a:xfrm>
+          <a:off x="0" y="0"/>
+          <a:ext cx="0" cy="0"/>
+          <a:chOff x="0" y="0"/>
+          <a:chExt cx="0" cy="0"/>
+        </a:xfrm>
+      </p:grpSpPr>
+    </p:spTree>
+    <p:extLst>
+      <p:ext uri="{BB962C8B-B14F-4D97-AF65-F5344CB8AC3E}">
+        <p14:creationId xmlns:p14="http://schemas.microsoft.com/office/powerpoint/2010/main" val="459769255"/>
+      </p:ext>
+    </p:extLst>
+  </p:cSld>
+  <p:clrMapOvr>
+    <a:masterClrMapping/>
+  </p:clrMapOvr>
+  <mc:AlternateContent xmlns:mc="http://schemas.openxmlformats.org/markup-compatibility/2006" xmlns:p14="http://schemas.microsoft.com/office/powerpoint/2010/main">
+    <mc:Choice Requires="p14">
+      <p:transition spd="slow" p14:dur="2000"/>
+    </mc:Choice>
+    <mc:Fallback xmlns="">
+      <p:transition spd="slow"/>
+    </mc:Fallback>
+  </mc:AlternateContent>
+  <p:timing>
+    <p:tnLst>
+      <p:par>
+        <p:cTn id="1" dur="indefinite" restart="never" nodeType="tmRoot"/>
+      </p:par>
+    </p:tnLst>
   </p:timing>
 </p:sld>
 </file>
@@ -6988,12 +10768,8 @@
           <a:lstStyle/>
           <a:p>
             <a:r>
-              <a:rPr lang="en-US" dirty="0" err="1" smtClean="0"/>
-              <a:t>Jinja</a:t>
-            </a:r>
-            <a:r>
               <a:rPr lang="en-US" dirty="0" smtClean="0"/>
-              <a:t> Layouts</a:t>
+              <a:t>Layouts in Jinja</a:t>
             </a:r>
             <a:endParaRPr lang="en-US" dirty="0"/>
           </a:p>
@@ -7128,13 +10904,13 @@
         <p:spPr/>
         <p:txBody>
           <a:bodyPr>
-            <a:normAutofit fontScale="90000"/>
+            <a:normAutofit/>
           </a:bodyPr>
           <a:lstStyle/>
           <a:p>
             <a:r>
               <a:rPr lang="en-US" dirty="0" smtClean="0"/>
-              <a:t>Many, if not most, of your pages are going to have the same components</a:t>
+              <a:t>There's a conventional way to build web pages</a:t>
             </a:r>
             <a:endParaRPr lang="en-US" dirty="0"/>
           </a:p>
@@ -7245,7 +11021,14 @@
           <a:p>
             <a:r>
               <a:rPr lang="en-US" dirty="0" smtClean="0"/>
-              <a:t>You really don't want to create those over and over</a:t>
+              <a:t>You really don't want to create that layout</a:t>
+            </a:r>
+            <a:br>
+              <a:rPr lang="en-US" dirty="0" smtClean="0"/>
+            </a:br>
+            <a:r>
+              <a:rPr lang="en-US" dirty="0" smtClean="0"/>
+              <a:t>over and over and over and over</a:t>
             </a:r>
             <a:endParaRPr lang="en-US" dirty="0"/>
           </a:p>
@@ -7442,7 +11225,7 @@
           <a:p>
             <a:r>
               <a:rPr lang="en-US" dirty="0" smtClean="0"/>
-              <a:t>Based on template inheritance</a:t>
+              <a:t>Based on Jinja template inheritance</a:t>
             </a:r>
           </a:p>
           <a:p>
@@ -7458,7 +11241,7 @@
             </a:pPr>
             <a:r>
               <a:rPr lang="en-US" dirty="0" smtClean="0"/>
-              <a:t>Build a base "skeleton" with shared components</a:t>
+              <a:t>Build a base template with common components</a:t>
             </a:r>
           </a:p>
           <a:p>
@@ -7468,7 +11251,7 @@
             </a:pPr>
             <a:r>
               <a:rPr lang="en-US" dirty="0" smtClean="0"/>
-              <a:t>Define blocks that can be overridden</a:t>
+              <a:t>Define blocks that can be overridden for individual pages</a:t>
             </a:r>
             <a:endParaRPr lang="en-US" dirty="0"/>
           </a:p>
@@ -8302,6 +12085,21 @@
 </file>
 
 <file path=customXml/item1.xml><?xml version="1.0" encoding="utf-8"?>
+<p:properties xmlns:p="http://schemas.microsoft.com/office/2006/metadata/properties" xmlns:xsi="http://www.w3.org/2001/XMLSchema-instance" xmlns:pc="http://schemas.microsoft.com/office/infopath/2007/PartnerControls">
+  <documentManagement/>
+</p:properties>
+</file>
+
+<file path=customXml/item2.xml><?xml version="1.0" encoding="utf-8"?>
+<?mso-contentType ?>
+<FormTemplates xmlns="http://schemas.microsoft.com/sharepoint/v3/contenttype/forms">
+  <Display>DocumentLibraryForm</Display>
+  <Edit>DocumentLibraryForm</Edit>
+  <New>DocumentLibraryForm</New>
+</FormTemplates>
+</file>
+
+<file path=customXml/item3.xml><?xml version="1.0" encoding="utf-8"?>
 <ct:contentTypeSchema xmlns:ct="http://schemas.microsoft.com/office/2006/metadata/contentType" xmlns:ma="http://schemas.microsoft.com/office/2006/metadata/properties/metaAttributes" ct:_="" ma:_="" ma:contentTypeName="Document" ma:contentTypeID="0x010100BD9BF63586D9884E9335F37127EABBE8" ma:contentTypeVersion="1" ma:contentTypeDescription="Create a new document." ma:contentTypeScope="" ma:versionID="b9abee3a6b7d355b9c1a31dbb76ab4bc">
   <xsd:schema xmlns:xsd="http://www.w3.org/2001/XMLSchema" xmlns:xs="http://www.w3.org/2001/XMLSchema" xmlns:p="http://schemas.microsoft.com/office/2006/metadata/properties" xmlns:ns3="e5a13ba8-98e3-4f23-a221-7ac9824aa662" targetNamespace="http://schemas.microsoft.com/office/2006/metadata/properties" ma:root="true" ma:fieldsID="9d02d2e6bc0f5948a1713c06f6c13b3b" ns3:_="">
     <xsd:import namespace="e5a13ba8-98e3-4f23-a221-7ac9824aa662"/>
@@ -8441,22 +12239,31 @@
 </ct:contentTypeSchema>
 </file>
 
-<file path=customXml/item2.xml><?xml version="1.0" encoding="utf-8"?>
-<?mso-contentType ?>
-<FormTemplates xmlns="http://schemas.microsoft.com/sharepoint/v3/contenttype/forms">
-  <Display>DocumentLibraryForm</Display>
-  <Edit>DocumentLibraryForm</Edit>
-  <New>DocumentLibraryForm</New>
-</FormTemplates>
+<file path=customXml/itemProps1.xml><?xml version="1.0" encoding="utf-8"?>
+<ds:datastoreItem xmlns:ds="http://schemas.openxmlformats.org/officeDocument/2006/customXml" ds:itemID="{7025FDD9-4C58-4084-9F89-0E6ADD6FFF55}">
+  <ds:schemaRefs>
+    <ds:schemaRef ds:uri="http://purl.org/dc/terms/"/>
+    <ds:schemaRef ds:uri="http://schemas.openxmlformats.org/package/2006/metadata/core-properties"/>
+    <ds:schemaRef ds:uri="http://schemas.microsoft.com/office/2006/documentManagement/types"/>
+    <ds:schemaRef ds:uri="http://schemas.microsoft.com/office/infopath/2007/PartnerControls"/>
+    <ds:schemaRef ds:uri="http://purl.org/dc/elements/1.1/"/>
+    <ds:schemaRef ds:uri="http://schemas.microsoft.com/office/2006/metadata/properties"/>
+    <ds:schemaRef ds:uri="e5a13ba8-98e3-4f23-a221-7ac9824aa662"/>
+    <ds:schemaRef ds:uri="http://www.w3.org/XML/1998/namespace"/>
+    <ds:schemaRef ds:uri="http://purl.org/dc/dcmitype/"/>
+  </ds:schemaRefs>
+</ds:datastoreItem>
 </file>
 
-<file path=customXml/item3.xml><?xml version="1.0" encoding="utf-8"?>
-<p:properties xmlns:p="http://schemas.microsoft.com/office/2006/metadata/properties" xmlns:xsi="http://www.w3.org/2001/XMLSchema-instance" xmlns:pc="http://schemas.microsoft.com/office/infopath/2007/PartnerControls">
-  <documentManagement/>
-</p:properties>
+<file path=customXml/itemProps2.xml><?xml version="1.0" encoding="utf-8"?>
+<ds:datastoreItem xmlns:ds="http://schemas.openxmlformats.org/officeDocument/2006/customXml" ds:itemID="{B0CA13EC-1D3C-4D6F-8D1C-E8A452CFC79A}">
+  <ds:schemaRefs>
+    <ds:schemaRef ds:uri="http://schemas.microsoft.com/sharepoint/v3/contenttype/forms"/>
+  </ds:schemaRefs>
+</ds:datastoreItem>
 </file>
 
-<file path=customXml/itemProps1.xml><?xml version="1.0" encoding="utf-8"?>
+<file path=customXml/itemProps3.xml><?xml version="1.0" encoding="utf-8"?>
 <ds:datastoreItem xmlns:ds="http://schemas.openxmlformats.org/officeDocument/2006/customXml" ds:itemID="{1E1E45CC-2FEE-40FA-AA55-B597D74C6344}">
   <ds:schemaRefs>
     <ds:schemaRef ds:uri="http://schemas.microsoft.com/office/2006/metadata/contentType"/>
@@ -8472,28 +12279,4 @@
     <ds:schemaRef ds:uri="http://schemas.microsoft.com/internal/obd"/>
   </ds:schemaRefs>
 </ds:datastoreItem>
-</file>
-
-<file path=customXml/itemProps2.xml><?xml version="1.0" encoding="utf-8"?>
-<ds:datastoreItem xmlns:ds="http://schemas.openxmlformats.org/officeDocument/2006/customXml" ds:itemID="{B0CA13EC-1D3C-4D6F-8D1C-E8A452CFC79A}">
-  <ds:schemaRefs>
-    <ds:schemaRef ds:uri="http://schemas.microsoft.com/sharepoint/v3/contenttype/forms"/>
-  </ds:schemaRefs>
-</ds:datastoreItem>
-</file>
-
-<file path=customXml/itemProps3.xml><?xml version="1.0" encoding="utf-8"?>
-<ds:datastoreItem xmlns:ds="http://schemas.openxmlformats.org/officeDocument/2006/customXml" ds:itemID="{7025FDD9-4C58-4084-9F89-0E6ADD6FFF55}">
-  <ds:schemaRefs>
-    <ds:schemaRef ds:uri="http://purl.org/dc/terms/"/>
-    <ds:schemaRef ds:uri="http://schemas.openxmlformats.org/package/2006/metadata/core-properties"/>
-    <ds:schemaRef ds:uri="http://schemas.microsoft.com/office/2006/documentManagement/types"/>
-    <ds:schemaRef ds:uri="http://schemas.microsoft.com/office/infopath/2007/PartnerControls"/>
-    <ds:schemaRef ds:uri="http://purl.org/dc/elements/1.1/"/>
-    <ds:schemaRef ds:uri="http://schemas.microsoft.com/office/2006/metadata/properties"/>
-    <ds:schemaRef ds:uri="e5a13ba8-98e3-4f23-a221-7ac9824aa662"/>
-    <ds:schemaRef ds:uri="http://www.w3.org/XML/1998/namespace"/>
-    <ds:schemaRef ds:uri="http://purl.org/dc/dcmitype/"/>
-  </ds:schemaRefs>
-</ds:datastoreItem>
 </file>
--- a/Slides/Module 5 - Jinja Layouts.pptx
+++ b/Slides/Module 5 - Jinja Layouts.pptx
@@ -224,7 +224,7 @@
           <a:p>
             <a:fld id="{312E7B4A-039C-48A2-9B2C-AF16AA3873D8}" type="datetimeFigureOut">
               <a:rPr lang="en-US" smtClean="0"/>
-              <a:t>2/16/2015</a:t>
+              <a:t>2/26/2015</a:t>
             </a:fld>
             <a:endParaRPr lang="en-US"/>
           </a:p>
@@ -389,7 +389,7 @@
           <a:p>
             <a:fld id="{DA005A0C-54D9-45AA-87D4-C551D08DFCE1}" type="datetimeFigureOut">
               <a:rPr lang="en-US" smtClean="0"/>
-              <a:t>2/16/2015</a:t>
+              <a:t>2/26/2015</a:t>
             </a:fld>
             <a:endParaRPr lang="en-US"/>
           </a:p>
@@ -6271,7 +6271,7 @@
               </a:spcBef>
             </a:pPr>
             <a:r>
-              <a:rPr lang="en-US" sz="3200" kern="0" dirty="0">
+              <a:rPr lang="en-US" sz="2800" kern="0" dirty="0">
                 <a:solidFill>
                   <a:prstClr val="black"/>
                 </a:solidFill>
@@ -6281,7 +6281,17 @@
               <a:t>{% extends </a:t>
             </a:r>
             <a:r>
-              <a:rPr lang="en-US" sz="3200" i="1" kern="0" dirty="0">
+              <a:rPr lang="en-US" sz="2800" kern="0" dirty="0" smtClean="0">
+                <a:solidFill>
+                  <a:prstClr val="black"/>
+                </a:solidFill>
+                <a:latin typeface="Consolas" panose="020B0609020204030204" pitchFamily="49" charset="0"/>
+                <a:cs typeface="Consolas" panose="020B0609020204030204" pitchFamily="49" charset="0"/>
+              </a:rPr>
+              <a:t>"</a:t>
+            </a:r>
+            <a:r>
+              <a:rPr lang="en-US" sz="2800" i="1" kern="0" dirty="0" smtClean="0">
                 <a:solidFill>
                   <a:prstClr val="black"/>
                 </a:solidFill>
@@ -6291,14 +6301,24 @@
               <a:t>baseName.html</a:t>
             </a:r>
             <a:r>
-              <a:rPr lang="en-US" sz="3200" kern="0" dirty="0">
+              <a:rPr lang="en-US" sz="2800" kern="0" dirty="0" smtClean="0">
                 <a:solidFill>
                   <a:prstClr val="black"/>
                 </a:solidFill>
                 <a:latin typeface="Consolas" panose="020B0609020204030204" pitchFamily="49" charset="0"/>
                 <a:cs typeface="Consolas" panose="020B0609020204030204" pitchFamily="49" charset="0"/>
               </a:rPr>
-              <a:t> %}</a:t>
+              <a:t>" </a:t>
+            </a:r>
+            <a:r>
+              <a:rPr lang="en-US" sz="2800" kern="0" dirty="0">
+                <a:solidFill>
+                  <a:prstClr val="black"/>
+                </a:solidFill>
+                <a:latin typeface="Consolas" panose="020B0609020204030204" pitchFamily="49" charset="0"/>
+                <a:cs typeface="Consolas" panose="020B0609020204030204" pitchFamily="49" charset="0"/>
+              </a:rPr>
+              <a:t>%}</a:t>
             </a:r>
           </a:p>
         </p:txBody>
@@ -12085,21 +12105,6 @@
 </file>
 
 <file path=customXml/item1.xml><?xml version="1.0" encoding="utf-8"?>
-<p:properties xmlns:p="http://schemas.microsoft.com/office/2006/metadata/properties" xmlns:xsi="http://www.w3.org/2001/XMLSchema-instance" xmlns:pc="http://schemas.microsoft.com/office/infopath/2007/PartnerControls">
-  <documentManagement/>
-</p:properties>
-</file>
-
-<file path=customXml/item2.xml><?xml version="1.0" encoding="utf-8"?>
-<?mso-contentType ?>
-<FormTemplates xmlns="http://schemas.microsoft.com/sharepoint/v3/contenttype/forms">
-  <Display>DocumentLibraryForm</Display>
-  <Edit>DocumentLibraryForm</Edit>
-  <New>DocumentLibraryForm</New>
-</FormTemplates>
-</file>
-
-<file path=customXml/item3.xml><?xml version="1.0" encoding="utf-8"?>
 <ct:contentTypeSchema xmlns:ct="http://schemas.microsoft.com/office/2006/metadata/contentType" xmlns:ma="http://schemas.microsoft.com/office/2006/metadata/properties/metaAttributes" ct:_="" ma:_="" ma:contentTypeName="Document" ma:contentTypeID="0x010100BD9BF63586D9884E9335F37127EABBE8" ma:contentTypeVersion="1" ma:contentTypeDescription="Create a new document." ma:contentTypeScope="" ma:versionID="b9abee3a6b7d355b9c1a31dbb76ab4bc">
   <xsd:schema xmlns:xsd="http://www.w3.org/2001/XMLSchema" xmlns:xs="http://www.w3.org/2001/XMLSchema" xmlns:p="http://schemas.microsoft.com/office/2006/metadata/properties" xmlns:ns3="e5a13ba8-98e3-4f23-a221-7ac9824aa662" targetNamespace="http://schemas.microsoft.com/office/2006/metadata/properties" ma:root="true" ma:fieldsID="9d02d2e6bc0f5948a1713c06f6c13b3b" ns3:_="">
     <xsd:import namespace="e5a13ba8-98e3-4f23-a221-7ac9824aa662"/>
@@ -12239,31 +12244,22 @@
 </ct:contentTypeSchema>
 </file>
 
-<file path=customXml/itemProps1.xml><?xml version="1.0" encoding="utf-8"?>
-<ds:datastoreItem xmlns:ds="http://schemas.openxmlformats.org/officeDocument/2006/customXml" ds:itemID="{7025FDD9-4C58-4084-9F89-0E6ADD6FFF55}">
-  <ds:schemaRefs>
-    <ds:schemaRef ds:uri="http://purl.org/dc/terms/"/>
-    <ds:schemaRef ds:uri="http://schemas.openxmlformats.org/package/2006/metadata/core-properties"/>
-    <ds:schemaRef ds:uri="http://schemas.microsoft.com/office/2006/documentManagement/types"/>
-    <ds:schemaRef ds:uri="http://schemas.microsoft.com/office/infopath/2007/PartnerControls"/>
-    <ds:schemaRef ds:uri="http://purl.org/dc/elements/1.1/"/>
-    <ds:schemaRef ds:uri="http://schemas.microsoft.com/office/2006/metadata/properties"/>
-    <ds:schemaRef ds:uri="e5a13ba8-98e3-4f23-a221-7ac9824aa662"/>
-    <ds:schemaRef ds:uri="http://www.w3.org/XML/1998/namespace"/>
-    <ds:schemaRef ds:uri="http://purl.org/dc/dcmitype/"/>
-  </ds:schemaRefs>
-</ds:datastoreItem>
+<file path=customXml/item2.xml><?xml version="1.0" encoding="utf-8"?>
+<?mso-contentType ?>
+<FormTemplates xmlns="http://schemas.microsoft.com/sharepoint/v3/contenttype/forms">
+  <Display>DocumentLibraryForm</Display>
+  <Edit>DocumentLibraryForm</Edit>
+  <New>DocumentLibraryForm</New>
+</FormTemplates>
 </file>
 
-<file path=customXml/itemProps2.xml><?xml version="1.0" encoding="utf-8"?>
-<ds:datastoreItem xmlns:ds="http://schemas.openxmlformats.org/officeDocument/2006/customXml" ds:itemID="{B0CA13EC-1D3C-4D6F-8D1C-E8A452CFC79A}">
-  <ds:schemaRefs>
-    <ds:schemaRef ds:uri="http://schemas.microsoft.com/sharepoint/v3/contenttype/forms"/>
-  </ds:schemaRefs>
-</ds:datastoreItem>
+<file path=customXml/item3.xml><?xml version="1.0" encoding="utf-8"?>
+<p:properties xmlns:p="http://schemas.microsoft.com/office/2006/metadata/properties" xmlns:xsi="http://www.w3.org/2001/XMLSchema-instance" xmlns:pc="http://schemas.microsoft.com/office/infopath/2007/PartnerControls">
+  <documentManagement/>
+</p:properties>
 </file>
 
-<file path=customXml/itemProps3.xml><?xml version="1.0" encoding="utf-8"?>
+<file path=customXml/itemProps1.xml><?xml version="1.0" encoding="utf-8"?>
 <ds:datastoreItem xmlns:ds="http://schemas.openxmlformats.org/officeDocument/2006/customXml" ds:itemID="{1E1E45CC-2FEE-40FA-AA55-B597D74C6344}">
   <ds:schemaRefs>
     <ds:schemaRef ds:uri="http://schemas.microsoft.com/office/2006/metadata/contentType"/>
@@ -12279,4 +12275,28 @@
     <ds:schemaRef ds:uri="http://schemas.microsoft.com/internal/obd"/>
   </ds:schemaRefs>
 </ds:datastoreItem>
+</file>
+
+<file path=customXml/itemProps2.xml><?xml version="1.0" encoding="utf-8"?>
+<ds:datastoreItem xmlns:ds="http://schemas.openxmlformats.org/officeDocument/2006/customXml" ds:itemID="{B0CA13EC-1D3C-4D6F-8D1C-E8A452CFC79A}">
+  <ds:schemaRefs>
+    <ds:schemaRef ds:uri="http://schemas.microsoft.com/sharepoint/v3/contenttype/forms"/>
+  </ds:schemaRefs>
+</ds:datastoreItem>
+</file>
+
+<file path=customXml/itemProps3.xml><?xml version="1.0" encoding="utf-8"?>
+<ds:datastoreItem xmlns:ds="http://schemas.openxmlformats.org/officeDocument/2006/customXml" ds:itemID="{7025FDD9-4C58-4084-9F89-0E6ADD6FFF55}">
+  <ds:schemaRefs>
+    <ds:schemaRef ds:uri="http://purl.org/dc/terms/"/>
+    <ds:schemaRef ds:uri="http://schemas.openxmlformats.org/package/2006/metadata/core-properties"/>
+    <ds:schemaRef ds:uri="http://schemas.microsoft.com/office/2006/documentManagement/types"/>
+    <ds:schemaRef ds:uri="http://schemas.microsoft.com/office/infopath/2007/PartnerControls"/>
+    <ds:schemaRef ds:uri="http://purl.org/dc/elements/1.1/"/>
+    <ds:schemaRef ds:uri="http://schemas.microsoft.com/office/2006/metadata/properties"/>
+    <ds:schemaRef ds:uri="e5a13ba8-98e3-4f23-a221-7ac9824aa662"/>
+    <ds:schemaRef ds:uri="http://www.w3.org/XML/1998/namespace"/>
+    <ds:schemaRef ds:uri="http://purl.org/dc/dcmitype/"/>
+  </ds:schemaRefs>
+</ds:datastoreItem>
 </file>
--- a/Slides/Module 5 - Jinja Layouts.pptx
+++ b/Slides/Module 5 - Jinja Layouts.pptx
@@ -5,10 +5,10 @@
     <p:sldMasterId id="2147483660" r:id="rId4"/>
   </p:sldMasterIdLst>
   <p:notesMasterIdLst>
-    <p:notesMasterId r:id="rId27"/>
+    <p:notesMasterId r:id="rId32"/>
   </p:notesMasterIdLst>
   <p:handoutMasterIdLst>
-    <p:handoutMasterId r:id="rId28"/>
+    <p:handoutMasterId r:id="rId33"/>
   </p:handoutMasterIdLst>
   <p:sldIdLst>
     <p:sldId id="277" r:id="rId5"/>
@@ -33,6 +33,11 @@
     <p:sldId id="302" r:id="rId24"/>
     <p:sldId id="298" r:id="rId25"/>
     <p:sldId id="285" r:id="rId26"/>
+    <p:sldId id="306" r:id="rId27"/>
+    <p:sldId id="305" r:id="rId28"/>
+    <p:sldId id="307" r:id="rId29"/>
+    <p:sldId id="308" r:id="rId30"/>
+    <p:sldId id="309" r:id="rId31"/>
   </p:sldIdLst>
   <p:sldSz cx="12192000" cy="6858000"/>
   <p:notesSz cx="6858000" cy="9144000"/>
@@ -224,7 +229,7 @@
           <a:p>
             <a:fld id="{312E7B4A-039C-48A2-9B2C-AF16AA3873D8}" type="datetimeFigureOut">
               <a:rPr lang="en-US" smtClean="0"/>
-              <a:t>2/26/2015</a:t>
+              <a:t>2/27/2015</a:t>
             </a:fld>
             <a:endParaRPr lang="en-US"/>
           </a:p>
@@ -389,7 +394,7 @@
           <a:p>
             <a:fld id="{DA005A0C-54D9-45AA-87D4-C551D08DFCE1}" type="datetimeFigureOut">
               <a:rPr lang="en-US" smtClean="0"/>
-              <a:t>2/26/2015</a:t>
+              <a:t>2/27/2015</a:t>
             </a:fld>
             <a:endParaRPr lang="en-US"/>
           </a:p>
@@ -10271,6 +10276,469 @@
       </p:par>
     </p:tnLst>
   </p:timing>
+</p:sld>
+</file>
+
+<file path=ppt/slides/slide23.xml><?xml version="1.0" encoding="utf-8"?>
+<p:sld xmlns:a="http://schemas.openxmlformats.org/drawingml/2006/main" xmlns:r="http://schemas.openxmlformats.org/officeDocument/2006/relationships" xmlns:p="http://schemas.openxmlformats.org/presentationml/2006/main">
+  <p:cSld>
+    <p:spTree>
+      <p:nvGrpSpPr>
+        <p:cNvPr id="1" name=""/>
+        <p:cNvGrpSpPr/>
+        <p:nvPr/>
+      </p:nvGrpSpPr>
+      <p:grpSpPr>
+        <a:xfrm>
+          <a:off x="0" y="0"/>
+          <a:ext cx="0" cy="0"/>
+          <a:chOff x="0" y="0"/>
+          <a:chExt cx="0" cy="0"/>
+        </a:xfrm>
+      </p:grpSpPr>
+      <p:sp>
+        <p:nvSpPr>
+          <p:cNvPr id="2" name="Title 1"/>
+          <p:cNvSpPr>
+            <a:spLocks noGrp="1"/>
+          </p:cNvSpPr>
+          <p:nvPr>
+            <p:ph type="title"/>
+          </p:nvPr>
+        </p:nvSpPr>
+        <p:spPr/>
+        <p:txBody>
+          <a:bodyPr/>
+          <a:lstStyle/>
+          <a:p>
+            <a:r>
+              <a:rPr lang="en-US" dirty="0" smtClean="0"/>
+              <a:t>What did we learn today?</a:t>
+            </a:r>
+            <a:endParaRPr lang="en-US" dirty="0"/>
+          </a:p>
+        </p:txBody>
+      </p:sp>
+      <p:sp>
+        <p:nvSpPr>
+          <p:cNvPr id="3" name="Content Placeholder 2"/>
+          <p:cNvSpPr>
+            <a:spLocks noGrp="1"/>
+          </p:cNvSpPr>
+          <p:nvPr>
+            <p:ph sz="quarter" idx="10"/>
+          </p:nvPr>
+        </p:nvSpPr>
+        <p:spPr/>
+        <p:txBody>
+          <a:bodyPr/>
+          <a:lstStyle/>
+          <a:p>
+            <a:r>
+              <a:rPr lang="en-US" dirty="0" smtClean="0"/>
+              <a:t>Advanced layouts in </a:t>
+            </a:r>
+            <a:r>
+              <a:rPr lang="en-US" dirty="0" err="1" smtClean="0"/>
+              <a:t>Jinja</a:t>
+            </a:r>
+            <a:endParaRPr lang="en-US" dirty="0" smtClean="0"/>
+          </a:p>
+          <a:p>
+            <a:r>
+              <a:rPr lang="en-US" dirty="0" smtClean="0"/>
+              <a:t>How to use a relational database</a:t>
+            </a:r>
+          </a:p>
+          <a:p>
+            <a:r>
+              <a:rPr lang="en-US" dirty="0" smtClean="0"/>
+              <a:t>A bit of Bootstrap</a:t>
+            </a:r>
+          </a:p>
+          <a:p>
+            <a:r>
+              <a:rPr lang="en-US" dirty="0" smtClean="0"/>
+              <a:t>Object oriented design</a:t>
+            </a:r>
+            <a:endParaRPr lang="en-US" dirty="0"/>
+          </a:p>
+        </p:txBody>
+      </p:sp>
+    </p:spTree>
+    <p:extLst>
+      <p:ext uri="{BB962C8B-B14F-4D97-AF65-F5344CB8AC3E}">
+        <p14:creationId xmlns:p14="http://schemas.microsoft.com/office/powerpoint/2010/main" val="708225977"/>
+      </p:ext>
+    </p:extLst>
+  </p:cSld>
+  <p:clrMapOvr>
+    <a:masterClrMapping/>
+  </p:clrMapOvr>
+  <mc:AlternateContent xmlns:mc="http://schemas.openxmlformats.org/markup-compatibility/2006">
+    <mc:Choice xmlns:p14="http://schemas.microsoft.com/office/powerpoint/2010/main" Requires="p14">
+      <p:transition spd="slow" p14:dur="2000"/>
+    </mc:Choice>
+    <mc:Fallback>
+      <p:transition spd="slow"/>
+    </mc:Fallback>
+  </mc:AlternateContent>
+</p:sld>
+</file>
+
+<file path=ppt/slides/slide24.xml><?xml version="1.0" encoding="utf-8"?>
+<p:sld xmlns:a="http://schemas.openxmlformats.org/drawingml/2006/main" xmlns:r="http://schemas.openxmlformats.org/officeDocument/2006/relationships" xmlns:p="http://schemas.openxmlformats.org/presentationml/2006/main">
+  <p:cSld>
+    <p:spTree>
+      <p:nvGrpSpPr>
+        <p:cNvPr id="1" name=""/>
+        <p:cNvGrpSpPr/>
+        <p:nvPr/>
+      </p:nvGrpSpPr>
+      <p:grpSpPr>
+        <a:xfrm>
+          <a:off x="0" y="0"/>
+          <a:ext cx="0" cy="0"/>
+          <a:chOff x="0" y="0"/>
+          <a:chExt cx="0" cy="0"/>
+        </a:xfrm>
+      </p:grpSpPr>
+      <p:sp>
+        <p:nvSpPr>
+          <p:cNvPr id="2" name="Title 1"/>
+          <p:cNvSpPr>
+            <a:spLocks noGrp="1"/>
+          </p:cNvSpPr>
+          <p:nvPr>
+            <p:ph type="title"/>
+          </p:nvPr>
+        </p:nvSpPr>
+        <p:spPr/>
+        <p:txBody>
+          <a:bodyPr/>
+          <a:lstStyle/>
+          <a:p>
+            <a:r>
+              <a:rPr lang="en-US" dirty="0" smtClean="0"/>
+              <a:t>Where do we go now?</a:t>
+            </a:r>
+            <a:endParaRPr lang="en-US" dirty="0"/>
+          </a:p>
+        </p:txBody>
+      </p:sp>
+      <p:sp>
+        <p:nvSpPr>
+          <p:cNvPr id="3" name="Content Placeholder 2"/>
+          <p:cNvSpPr>
+            <a:spLocks noGrp="1"/>
+          </p:cNvSpPr>
+          <p:nvPr>
+            <p:ph sz="quarter" idx="10"/>
+          </p:nvPr>
+        </p:nvSpPr>
+        <p:spPr/>
+        <p:txBody>
+          <a:bodyPr/>
+          <a:lstStyle/>
+          <a:p>
+            <a:r>
+              <a:rPr lang="en-US" dirty="0" smtClean="0"/>
+              <a:t>For your growth</a:t>
+            </a:r>
+          </a:p>
+          <a:p>
+            <a:pPr lvl="1"/>
+            <a:r>
+              <a:rPr lang="en-US" dirty="0" smtClean="0"/>
+              <a:t>What interested you the most?</a:t>
+            </a:r>
+          </a:p>
+          <a:p>
+            <a:r>
+              <a:rPr lang="en-US" dirty="0" smtClean="0"/>
+              <a:t>For a deeper understanding</a:t>
+            </a:r>
+          </a:p>
+          <a:p>
+            <a:pPr lvl="1"/>
+            <a:r>
+              <a:rPr lang="en-US" dirty="0" smtClean="0"/>
+              <a:t>What can we do with the app?</a:t>
+            </a:r>
+            <a:endParaRPr lang="en-US" dirty="0"/>
+          </a:p>
+        </p:txBody>
+      </p:sp>
+    </p:spTree>
+    <p:extLst>
+      <p:ext uri="{BB962C8B-B14F-4D97-AF65-F5344CB8AC3E}">
+        <p14:creationId xmlns:p14="http://schemas.microsoft.com/office/powerpoint/2010/main" val="2467499197"/>
+      </p:ext>
+    </p:extLst>
+  </p:cSld>
+  <p:clrMapOvr>
+    <a:masterClrMapping/>
+  </p:clrMapOvr>
+</p:sld>
+</file>
+
+<file path=ppt/slides/slide25.xml><?xml version="1.0" encoding="utf-8"?>
+<p:sld xmlns:a="http://schemas.openxmlformats.org/drawingml/2006/main" xmlns:r="http://schemas.openxmlformats.org/officeDocument/2006/relationships" xmlns:p="http://schemas.openxmlformats.org/presentationml/2006/main">
+  <p:cSld>
+    <p:spTree>
+      <p:nvGrpSpPr>
+        <p:cNvPr id="1" name=""/>
+        <p:cNvGrpSpPr/>
+        <p:nvPr/>
+      </p:nvGrpSpPr>
+      <p:grpSpPr>
+        <a:xfrm>
+          <a:off x="0" y="0"/>
+          <a:ext cx="0" cy="0"/>
+          <a:chOff x="0" y="0"/>
+          <a:chExt cx="0" cy="0"/>
+        </a:xfrm>
+      </p:grpSpPr>
+      <p:sp>
+        <p:nvSpPr>
+          <p:cNvPr id="2" name="Title 1"/>
+          <p:cNvSpPr>
+            <a:spLocks noGrp="1"/>
+          </p:cNvSpPr>
+          <p:nvPr>
+            <p:ph type="title"/>
+          </p:nvPr>
+        </p:nvSpPr>
+        <p:spPr/>
+        <p:txBody>
+          <a:bodyPr/>
+          <a:lstStyle/>
+          <a:p>
+            <a:r>
+              <a:rPr lang="en-US" dirty="0" smtClean="0"/>
+              <a:t>Data design</a:t>
+            </a:r>
+            <a:endParaRPr lang="en-US" dirty="0"/>
+          </a:p>
+        </p:txBody>
+      </p:sp>
+      <p:sp>
+        <p:nvSpPr>
+          <p:cNvPr id="3" name="Content Placeholder 2"/>
+          <p:cNvSpPr>
+            <a:spLocks noGrp="1"/>
+          </p:cNvSpPr>
+          <p:nvPr>
+            <p:ph sz="quarter" idx="10"/>
+          </p:nvPr>
+        </p:nvSpPr>
+        <p:spPr/>
+        <p:txBody>
+          <a:bodyPr/>
+          <a:lstStyle/>
+          <a:p>
+            <a:r>
+              <a:rPr lang="en-US" dirty="0" err="1" smtClean="0"/>
+              <a:t>Redis</a:t>
+            </a:r>
+            <a:r>
+              <a:rPr lang="en-US" dirty="0" smtClean="0"/>
+              <a:t> MVA</a:t>
+            </a:r>
+          </a:p>
+          <a:p>
+            <a:r>
+              <a:rPr lang="en-US" dirty="0" smtClean="0"/>
+              <a:t>SQL Server MVA</a:t>
+            </a:r>
+          </a:p>
+          <a:p>
+            <a:r>
+              <a:rPr lang="en-US" dirty="0" err="1" smtClean="0"/>
+              <a:t>MongoDB</a:t>
+            </a:r>
+            <a:r>
+              <a:rPr lang="en-US" dirty="0" smtClean="0"/>
+              <a:t> MVA</a:t>
+            </a:r>
+            <a:endParaRPr lang="en-US" dirty="0"/>
+          </a:p>
+        </p:txBody>
+      </p:sp>
+    </p:spTree>
+    <p:extLst>
+      <p:ext uri="{BB962C8B-B14F-4D97-AF65-F5344CB8AC3E}">
+        <p14:creationId xmlns:p14="http://schemas.microsoft.com/office/powerpoint/2010/main" val="745934202"/>
+      </p:ext>
+    </p:extLst>
+  </p:cSld>
+  <p:clrMapOvr>
+    <a:masterClrMapping/>
+  </p:clrMapOvr>
+</p:sld>
+</file>
+
+<file path=ppt/slides/slide26.xml><?xml version="1.0" encoding="utf-8"?>
+<p:sld xmlns:a="http://schemas.openxmlformats.org/drawingml/2006/main" xmlns:r="http://schemas.openxmlformats.org/officeDocument/2006/relationships" xmlns:p="http://schemas.openxmlformats.org/presentationml/2006/main">
+  <p:cSld>
+    <p:spTree>
+      <p:nvGrpSpPr>
+        <p:cNvPr id="1" name=""/>
+        <p:cNvGrpSpPr/>
+        <p:nvPr/>
+      </p:nvGrpSpPr>
+      <p:grpSpPr>
+        <a:xfrm>
+          <a:off x="0" y="0"/>
+          <a:ext cx="0" cy="0"/>
+          <a:chOff x="0" y="0"/>
+          <a:chExt cx="0" cy="0"/>
+        </a:xfrm>
+      </p:grpSpPr>
+      <p:sp>
+        <p:nvSpPr>
+          <p:cNvPr id="2" name="Title 1"/>
+          <p:cNvSpPr>
+            <a:spLocks noGrp="1"/>
+          </p:cNvSpPr>
+          <p:nvPr>
+            <p:ph type="title"/>
+          </p:nvPr>
+        </p:nvSpPr>
+        <p:spPr/>
+        <p:txBody>
+          <a:bodyPr/>
+          <a:lstStyle/>
+          <a:p>
+            <a:r>
+              <a:rPr lang="en-US" dirty="0" smtClean="0"/>
+              <a:t>Front end design</a:t>
+            </a:r>
+            <a:endParaRPr lang="en-US" dirty="0"/>
+          </a:p>
+        </p:txBody>
+      </p:sp>
+      <p:sp>
+        <p:nvSpPr>
+          <p:cNvPr id="3" name="Content Placeholder 2"/>
+          <p:cNvSpPr>
+            <a:spLocks noGrp="1"/>
+          </p:cNvSpPr>
+          <p:nvPr>
+            <p:ph sz="quarter" idx="10"/>
+          </p:nvPr>
+        </p:nvSpPr>
+        <p:spPr/>
+        <p:txBody>
+          <a:bodyPr/>
+          <a:lstStyle/>
+          <a:p>
+            <a:r>
+              <a:rPr lang="en-US" dirty="0" smtClean="0"/>
+              <a:t>Bootstrap MVA</a:t>
+            </a:r>
+          </a:p>
+          <a:p>
+            <a:r>
+              <a:rPr lang="en-US" dirty="0" smtClean="0"/>
+              <a:t>CSS MVA</a:t>
+            </a:r>
+            <a:endParaRPr lang="en-US" dirty="0"/>
+          </a:p>
+        </p:txBody>
+      </p:sp>
+    </p:spTree>
+    <p:extLst>
+      <p:ext uri="{BB962C8B-B14F-4D97-AF65-F5344CB8AC3E}">
+        <p14:creationId xmlns:p14="http://schemas.microsoft.com/office/powerpoint/2010/main" val="2328056341"/>
+      </p:ext>
+    </p:extLst>
+  </p:cSld>
+  <p:clrMapOvr>
+    <a:masterClrMapping/>
+  </p:clrMapOvr>
+</p:sld>
+</file>
+
+<file path=ppt/slides/slide27.xml><?xml version="1.0" encoding="utf-8"?>
+<p:sld xmlns:a="http://schemas.openxmlformats.org/drawingml/2006/main" xmlns:r="http://schemas.openxmlformats.org/officeDocument/2006/relationships" xmlns:p="http://schemas.openxmlformats.org/presentationml/2006/main">
+  <p:cSld>
+    <p:spTree>
+      <p:nvGrpSpPr>
+        <p:cNvPr id="1" name=""/>
+        <p:cNvGrpSpPr/>
+        <p:nvPr/>
+      </p:nvGrpSpPr>
+      <p:grpSpPr>
+        <a:xfrm>
+          <a:off x="0" y="0"/>
+          <a:ext cx="0" cy="0"/>
+          <a:chOff x="0" y="0"/>
+          <a:chExt cx="0" cy="0"/>
+        </a:xfrm>
+      </p:grpSpPr>
+      <p:sp>
+        <p:nvSpPr>
+          <p:cNvPr id="2" name="Title 1"/>
+          <p:cNvSpPr>
+            <a:spLocks noGrp="1"/>
+          </p:cNvSpPr>
+          <p:nvPr>
+            <p:ph type="title"/>
+          </p:nvPr>
+        </p:nvSpPr>
+        <p:spPr/>
+        <p:txBody>
+          <a:bodyPr/>
+          <a:lstStyle/>
+          <a:p>
+            <a:r>
+              <a:rPr lang="en-US" dirty="0" smtClean="0"/>
+              <a:t>Back end design</a:t>
+            </a:r>
+            <a:endParaRPr lang="en-US" dirty="0"/>
+          </a:p>
+        </p:txBody>
+      </p:sp>
+      <p:sp>
+        <p:nvSpPr>
+          <p:cNvPr id="3" name="Content Placeholder 2"/>
+          <p:cNvSpPr>
+            <a:spLocks noGrp="1"/>
+          </p:cNvSpPr>
+          <p:nvPr>
+            <p:ph sz="quarter" idx="10"/>
+          </p:nvPr>
+        </p:nvSpPr>
+        <p:spPr/>
+        <p:txBody>
+          <a:bodyPr/>
+          <a:lstStyle/>
+          <a:p>
+            <a:r>
+              <a:rPr lang="en-US" dirty="0" smtClean="0"/>
+              <a:t>Absolute beginner's guide to C#</a:t>
+            </a:r>
+          </a:p>
+          <a:p>
+            <a:r>
+              <a:rPr lang="en-US" dirty="0" smtClean="0"/>
+              <a:t>Introduction to MVC</a:t>
+            </a:r>
+            <a:endParaRPr lang="en-US" dirty="0"/>
+          </a:p>
+        </p:txBody>
+      </p:sp>
+    </p:spTree>
+    <p:extLst>
+      <p:ext uri="{BB962C8B-B14F-4D97-AF65-F5344CB8AC3E}">
+        <p14:creationId xmlns:p14="http://schemas.microsoft.com/office/powerpoint/2010/main" val="1215635806"/>
+      </p:ext>
+    </p:extLst>
+  </p:cSld>
+  <p:clrMapOvr>
+    <a:masterClrMapping/>
+  </p:clrMapOvr>
 </p:sld>
 </file>
 
@@ -12105,6 +12573,15 @@
 </file>
 
 <file path=customXml/item1.xml><?xml version="1.0" encoding="utf-8"?>
+<?mso-contentType ?>
+<FormTemplates xmlns="http://schemas.microsoft.com/sharepoint/v3/contenttype/forms">
+  <Display>DocumentLibraryForm</Display>
+  <Edit>DocumentLibraryForm</Edit>
+  <New>DocumentLibraryForm</New>
+</FormTemplates>
+</file>
+
+<file path=customXml/item2.xml><?xml version="1.0" encoding="utf-8"?>
 <ct:contentTypeSchema xmlns:ct="http://schemas.microsoft.com/office/2006/metadata/contentType" xmlns:ma="http://schemas.microsoft.com/office/2006/metadata/properties/metaAttributes" ct:_="" ma:_="" ma:contentTypeName="Document" ma:contentTypeID="0x010100BD9BF63586D9884E9335F37127EABBE8" ma:contentTypeVersion="1" ma:contentTypeDescription="Create a new document." ma:contentTypeScope="" ma:versionID="b9abee3a6b7d355b9c1a31dbb76ab4bc">
   <xsd:schema xmlns:xsd="http://www.w3.org/2001/XMLSchema" xmlns:xs="http://www.w3.org/2001/XMLSchema" xmlns:p="http://schemas.microsoft.com/office/2006/metadata/properties" xmlns:ns3="e5a13ba8-98e3-4f23-a221-7ac9824aa662" targetNamespace="http://schemas.microsoft.com/office/2006/metadata/properties" ma:root="true" ma:fieldsID="9d02d2e6bc0f5948a1713c06f6c13b3b" ns3:_="">
     <xsd:import namespace="e5a13ba8-98e3-4f23-a221-7ac9824aa662"/>
@@ -12244,15 +12721,6 @@
 </ct:contentTypeSchema>
 </file>
 
-<file path=customXml/item2.xml><?xml version="1.0" encoding="utf-8"?>
-<?mso-contentType ?>
-<FormTemplates xmlns="http://schemas.microsoft.com/sharepoint/v3/contenttype/forms">
-  <Display>DocumentLibraryForm</Display>
-  <Edit>DocumentLibraryForm</Edit>
-  <New>DocumentLibraryForm</New>
-</FormTemplates>
-</file>
-
 <file path=customXml/item3.xml><?xml version="1.0" encoding="utf-8"?>
 <p:properties xmlns:p="http://schemas.microsoft.com/office/2006/metadata/properties" xmlns:xsi="http://www.w3.org/2001/XMLSchema-instance" xmlns:pc="http://schemas.microsoft.com/office/infopath/2007/PartnerControls">
   <documentManagement/>
@@ -12260,6 +12728,14 @@
 </file>
 
 <file path=customXml/itemProps1.xml><?xml version="1.0" encoding="utf-8"?>
+<ds:datastoreItem xmlns:ds="http://schemas.openxmlformats.org/officeDocument/2006/customXml" ds:itemID="{B0CA13EC-1D3C-4D6F-8D1C-E8A452CFC79A}">
+  <ds:schemaRefs>
+    <ds:schemaRef ds:uri="http://schemas.microsoft.com/sharepoint/v3/contenttype/forms"/>
+  </ds:schemaRefs>
+</ds:datastoreItem>
+</file>
+
+<file path=customXml/itemProps2.xml><?xml version="1.0" encoding="utf-8"?>
 <ds:datastoreItem xmlns:ds="http://schemas.openxmlformats.org/officeDocument/2006/customXml" ds:itemID="{1E1E45CC-2FEE-40FA-AA55-B597D74C6344}">
   <ds:schemaRefs>
     <ds:schemaRef ds:uri="http://schemas.microsoft.com/office/2006/metadata/contentType"/>
@@ -12273,14 +12749,6 @@
     <ds:schemaRef ds:uri="http://purl.org/dc/elements/1.1/"/>
     <ds:schemaRef ds:uri="http://purl.org/dc/terms/"/>
     <ds:schemaRef ds:uri="http://schemas.microsoft.com/internal/obd"/>
-  </ds:schemaRefs>
-</ds:datastoreItem>
-</file>
-
-<file path=customXml/itemProps2.xml><?xml version="1.0" encoding="utf-8"?>
-<ds:datastoreItem xmlns:ds="http://schemas.openxmlformats.org/officeDocument/2006/customXml" ds:itemID="{B0CA13EC-1D3C-4D6F-8D1C-E8A452CFC79A}">
-  <ds:schemaRefs>
-    <ds:schemaRef ds:uri="http://schemas.microsoft.com/sharepoint/v3/contenttype/forms"/>
   </ds:schemaRefs>
 </ds:datastoreItem>
 </file>

--- a/Slides/Module 5 - Jinja Layouts.pptx
+++ b/Slides/Module 5 - Jinja Layouts.pptx
@@ -5,10 +5,10 @@
     <p:sldMasterId id="2147483660" r:id="rId4"/>
   </p:sldMasterIdLst>
   <p:notesMasterIdLst>
-    <p:notesMasterId r:id="rId32"/>
+    <p:notesMasterId r:id="rId27"/>
   </p:notesMasterIdLst>
   <p:handoutMasterIdLst>
-    <p:handoutMasterId r:id="rId33"/>
+    <p:handoutMasterId r:id="rId28"/>
   </p:handoutMasterIdLst>
   <p:sldIdLst>
     <p:sldId id="277" r:id="rId5"/>
@@ -33,11 +33,6 @@
     <p:sldId id="302" r:id="rId24"/>
     <p:sldId id="298" r:id="rId25"/>
     <p:sldId id="285" r:id="rId26"/>
-    <p:sldId id="306" r:id="rId27"/>
-    <p:sldId id="305" r:id="rId28"/>
-    <p:sldId id="307" r:id="rId29"/>
-    <p:sldId id="308" r:id="rId30"/>
-    <p:sldId id="309" r:id="rId31"/>
   </p:sldIdLst>
   <p:sldSz cx="12192000" cy="6858000"/>
   <p:notesSz cx="6858000" cy="9144000"/>
@@ -229,7 +224,7 @@
           <a:p>
             <a:fld id="{312E7B4A-039C-48A2-9B2C-AF16AA3873D8}" type="datetimeFigureOut">
               <a:rPr lang="en-US" smtClean="0"/>
-              <a:t>2/27/2015</a:t>
+              <a:t>3/1/2015</a:t>
             </a:fld>
             <a:endParaRPr lang="en-US"/>
           </a:p>
@@ -394,7 +389,7 @@
           <a:p>
             <a:fld id="{DA005A0C-54D9-45AA-87D4-C551D08DFCE1}" type="datetimeFigureOut">
               <a:rPr lang="en-US" smtClean="0"/>
-              <a:t>2/27/2015</a:t>
+              <a:t>3/1/2015</a:t>
             </a:fld>
             <a:endParaRPr lang="en-US"/>
           </a:p>
@@ -10276,469 +10271,6 @@
       </p:par>
     </p:tnLst>
   </p:timing>
-</p:sld>
-</file>
-
-<file path=ppt/slides/slide23.xml><?xml version="1.0" encoding="utf-8"?>
-<p:sld xmlns:a="http://schemas.openxmlformats.org/drawingml/2006/main" xmlns:r="http://schemas.openxmlformats.org/officeDocument/2006/relationships" xmlns:p="http://schemas.openxmlformats.org/presentationml/2006/main">
-  <p:cSld>
-    <p:spTree>
-      <p:nvGrpSpPr>
-        <p:cNvPr id="1" name=""/>
-        <p:cNvGrpSpPr/>
-        <p:nvPr/>
-      </p:nvGrpSpPr>
-      <p:grpSpPr>
-        <a:xfrm>
-          <a:off x="0" y="0"/>
-          <a:ext cx="0" cy="0"/>
-          <a:chOff x="0" y="0"/>
-          <a:chExt cx="0" cy="0"/>
-        </a:xfrm>
-      </p:grpSpPr>
-      <p:sp>
-        <p:nvSpPr>
-          <p:cNvPr id="2" name="Title 1"/>
-          <p:cNvSpPr>
-            <a:spLocks noGrp="1"/>
-          </p:cNvSpPr>
-          <p:nvPr>
-            <p:ph type="title"/>
-          </p:nvPr>
-        </p:nvSpPr>
-        <p:spPr/>
-        <p:txBody>
-          <a:bodyPr/>
-          <a:lstStyle/>
-          <a:p>
-            <a:r>
-              <a:rPr lang="en-US" dirty="0" smtClean="0"/>
-              <a:t>What did we learn today?</a:t>
-            </a:r>
-            <a:endParaRPr lang="en-US" dirty="0"/>
-          </a:p>
-        </p:txBody>
-      </p:sp>
-      <p:sp>
-        <p:nvSpPr>
-          <p:cNvPr id="3" name="Content Placeholder 2"/>
-          <p:cNvSpPr>
-            <a:spLocks noGrp="1"/>
-          </p:cNvSpPr>
-          <p:nvPr>
-            <p:ph sz="quarter" idx="10"/>
-          </p:nvPr>
-        </p:nvSpPr>
-        <p:spPr/>
-        <p:txBody>
-          <a:bodyPr/>
-          <a:lstStyle/>
-          <a:p>
-            <a:r>
-              <a:rPr lang="en-US" dirty="0" smtClean="0"/>
-              <a:t>Advanced layouts in </a:t>
-            </a:r>
-            <a:r>
-              <a:rPr lang="en-US" dirty="0" err="1" smtClean="0"/>
-              <a:t>Jinja</a:t>
-            </a:r>
-            <a:endParaRPr lang="en-US" dirty="0" smtClean="0"/>
-          </a:p>
-          <a:p>
-            <a:r>
-              <a:rPr lang="en-US" dirty="0" smtClean="0"/>
-              <a:t>How to use a relational database</a:t>
-            </a:r>
-          </a:p>
-          <a:p>
-            <a:r>
-              <a:rPr lang="en-US" dirty="0" smtClean="0"/>
-              <a:t>A bit of Bootstrap</a:t>
-            </a:r>
-          </a:p>
-          <a:p>
-            <a:r>
-              <a:rPr lang="en-US" dirty="0" smtClean="0"/>
-              <a:t>Object oriented design</a:t>
-            </a:r>
-            <a:endParaRPr lang="en-US" dirty="0"/>
-          </a:p>
-        </p:txBody>
-      </p:sp>
-    </p:spTree>
-    <p:extLst>
-      <p:ext uri="{BB962C8B-B14F-4D97-AF65-F5344CB8AC3E}">
-        <p14:creationId xmlns:p14="http://schemas.microsoft.com/office/powerpoint/2010/main" val="708225977"/>
-      </p:ext>
-    </p:extLst>
-  </p:cSld>
-  <p:clrMapOvr>
-    <a:masterClrMapping/>
-  </p:clrMapOvr>
-  <mc:AlternateContent xmlns:mc="http://schemas.openxmlformats.org/markup-compatibility/2006">
-    <mc:Choice xmlns:p14="http://schemas.microsoft.com/office/powerpoint/2010/main" Requires="p14">
-      <p:transition spd="slow" p14:dur="2000"/>
-    </mc:Choice>
-    <mc:Fallback>
-      <p:transition spd="slow"/>
-    </mc:Fallback>
-  </mc:AlternateContent>
-</p:sld>
-</file>
-
-<file path=ppt/slides/slide24.xml><?xml version="1.0" encoding="utf-8"?>
-<p:sld xmlns:a="http://schemas.openxmlformats.org/drawingml/2006/main" xmlns:r="http://schemas.openxmlformats.org/officeDocument/2006/relationships" xmlns:p="http://schemas.openxmlformats.org/presentationml/2006/main">
-  <p:cSld>
-    <p:spTree>
-      <p:nvGrpSpPr>
-        <p:cNvPr id="1" name=""/>
-        <p:cNvGrpSpPr/>
-        <p:nvPr/>
-      </p:nvGrpSpPr>
-      <p:grpSpPr>
-        <a:xfrm>
-          <a:off x="0" y="0"/>
-          <a:ext cx="0" cy="0"/>
-          <a:chOff x="0" y="0"/>
-          <a:chExt cx="0" cy="0"/>
-        </a:xfrm>
-      </p:grpSpPr>
-      <p:sp>
-        <p:nvSpPr>
-          <p:cNvPr id="2" name="Title 1"/>
-          <p:cNvSpPr>
-            <a:spLocks noGrp="1"/>
-          </p:cNvSpPr>
-          <p:nvPr>
-            <p:ph type="title"/>
-          </p:nvPr>
-        </p:nvSpPr>
-        <p:spPr/>
-        <p:txBody>
-          <a:bodyPr/>
-          <a:lstStyle/>
-          <a:p>
-            <a:r>
-              <a:rPr lang="en-US" dirty="0" smtClean="0"/>
-              <a:t>Where do we go now?</a:t>
-            </a:r>
-            <a:endParaRPr lang="en-US" dirty="0"/>
-          </a:p>
-        </p:txBody>
-      </p:sp>
-      <p:sp>
-        <p:nvSpPr>
-          <p:cNvPr id="3" name="Content Placeholder 2"/>
-          <p:cNvSpPr>
-            <a:spLocks noGrp="1"/>
-          </p:cNvSpPr>
-          <p:nvPr>
-            <p:ph sz="quarter" idx="10"/>
-          </p:nvPr>
-        </p:nvSpPr>
-        <p:spPr/>
-        <p:txBody>
-          <a:bodyPr/>
-          <a:lstStyle/>
-          <a:p>
-            <a:r>
-              <a:rPr lang="en-US" dirty="0" smtClean="0"/>
-              <a:t>For your growth</a:t>
-            </a:r>
-          </a:p>
-          <a:p>
-            <a:pPr lvl="1"/>
-            <a:r>
-              <a:rPr lang="en-US" dirty="0" smtClean="0"/>
-              <a:t>What interested you the most?</a:t>
-            </a:r>
-          </a:p>
-          <a:p>
-            <a:r>
-              <a:rPr lang="en-US" dirty="0" smtClean="0"/>
-              <a:t>For a deeper understanding</a:t>
-            </a:r>
-          </a:p>
-          <a:p>
-            <a:pPr lvl="1"/>
-            <a:r>
-              <a:rPr lang="en-US" dirty="0" smtClean="0"/>
-              <a:t>What can we do with the app?</a:t>
-            </a:r>
-            <a:endParaRPr lang="en-US" dirty="0"/>
-          </a:p>
-        </p:txBody>
-      </p:sp>
-    </p:spTree>
-    <p:extLst>
-      <p:ext uri="{BB962C8B-B14F-4D97-AF65-F5344CB8AC3E}">
-        <p14:creationId xmlns:p14="http://schemas.microsoft.com/office/powerpoint/2010/main" val="2467499197"/>
-      </p:ext>
-    </p:extLst>
-  </p:cSld>
-  <p:clrMapOvr>
-    <a:masterClrMapping/>
-  </p:clrMapOvr>
-</p:sld>
-</file>
-
-<file path=ppt/slides/slide25.xml><?xml version="1.0" encoding="utf-8"?>
-<p:sld xmlns:a="http://schemas.openxmlformats.org/drawingml/2006/main" xmlns:r="http://schemas.openxmlformats.org/officeDocument/2006/relationships" xmlns:p="http://schemas.openxmlformats.org/presentationml/2006/main">
-  <p:cSld>
-    <p:spTree>
-      <p:nvGrpSpPr>
-        <p:cNvPr id="1" name=""/>
-        <p:cNvGrpSpPr/>
-        <p:nvPr/>
-      </p:nvGrpSpPr>
-      <p:grpSpPr>
-        <a:xfrm>
-          <a:off x="0" y="0"/>
-          <a:ext cx="0" cy="0"/>
-          <a:chOff x="0" y="0"/>
-          <a:chExt cx="0" cy="0"/>
-        </a:xfrm>
-      </p:grpSpPr>
-      <p:sp>
-        <p:nvSpPr>
-          <p:cNvPr id="2" name="Title 1"/>
-          <p:cNvSpPr>
-            <a:spLocks noGrp="1"/>
-          </p:cNvSpPr>
-          <p:nvPr>
-            <p:ph type="title"/>
-          </p:nvPr>
-        </p:nvSpPr>
-        <p:spPr/>
-        <p:txBody>
-          <a:bodyPr/>
-          <a:lstStyle/>
-          <a:p>
-            <a:r>
-              <a:rPr lang="en-US" dirty="0" smtClean="0"/>
-              <a:t>Data design</a:t>
-            </a:r>
-            <a:endParaRPr lang="en-US" dirty="0"/>
-          </a:p>
-        </p:txBody>
-      </p:sp>
-      <p:sp>
-        <p:nvSpPr>
-          <p:cNvPr id="3" name="Content Placeholder 2"/>
-          <p:cNvSpPr>
-            <a:spLocks noGrp="1"/>
-          </p:cNvSpPr>
-          <p:nvPr>
-            <p:ph sz="quarter" idx="10"/>
-          </p:nvPr>
-        </p:nvSpPr>
-        <p:spPr/>
-        <p:txBody>
-          <a:bodyPr/>
-          <a:lstStyle/>
-          <a:p>
-            <a:r>
-              <a:rPr lang="en-US" dirty="0" err="1" smtClean="0"/>
-              <a:t>Redis</a:t>
-            </a:r>
-            <a:r>
-              <a:rPr lang="en-US" dirty="0" smtClean="0"/>
-              <a:t> MVA</a:t>
-            </a:r>
-          </a:p>
-          <a:p>
-            <a:r>
-              <a:rPr lang="en-US" dirty="0" smtClean="0"/>
-              <a:t>SQL Server MVA</a:t>
-            </a:r>
-          </a:p>
-          <a:p>
-            <a:r>
-              <a:rPr lang="en-US" dirty="0" err="1" smtClean="0"/>
-              <a:t>MongoDB</a:t>
-            </a:r>
-            <a:r>
-              <a:rPr lang="en-US" dirty="0" smtClean="0"/>
-              <a:t> MVA</a:t>
-            </a:r>
-            <a:endParaRPr lang="en-US" dirty="0"/>
-          </a:p>
-        </p:txBody>
-      </p:sp>
-    </p:spTree>
-    <p:extLst>
-      <p:ext uri="{BB962C8B-B14F-4D97-AF65-F5344CB8AC3E}">
-        <p14:creationId xmlns:p14="http://schemas.microsoft.com/office/powerpoint/2010/main" val="745934202"/>
-      </p:ext>
-    </p:extLst>
-  </p:cSld>
-  <p:clrMapOvr>
-    <a:masterClrMapping/>
-  </p:clrMapOvr>
-</p:sld>
-</file>
-
-<file path=ppt/slides/slide26.xml><?xml version="1.0" encoding="utf-8"?>
-<p:sld xmlns:a="http://schemas.openxmlformats.org/drawingml/2006/main" xmlns:r="http://schemas.openxmlformats.org/officeDocument/2006/relationships" xmlns:p="http://schemas.openxmlformats.org/presentationml/2006/main">
-  <p:cSld>
-    <p:spTree>
-      <p:nvGrpSpPr>
-        <p:cNvPr id="1" name=""/>
-        <p:cNvGrpSpPr/>
-        <p:nvPr/>
-      </p:nvGrpSpPr>
-      <p:grpSpPr>
-        <a:xfrm>
-          <a:off x="0" y="0"/>
-          <a:ext cx="0" cy="0"/>
-          <a:chOff x="0" y="0"/>
-          <a:chExt cx="0" cy="0"/>
-        </a:xfrm>
-      </p:grpSpPr>
-      <p:sp>
-        <p:nvSpPr>
-          <p:cNvPr id="2" name="Title 1"/>
-          <p:cNvSpPr>
-            <a:spLocks noGrp="1"/>
-          </p:cNvSpPr>
-          <p:nvPr>
-            <p:ph type="title"/>
-          </p:nvPr>
-        </p:nvSpPr>
-        <p:spPr/>
-        <p:txBody>
-          <a:bodyPr/>
-          <a:lstStyle/>
-          <a:p>
-            <a:r>
-              <a:rPr lang="en-US" dirty="0" smtClean="0"/>
-              <a:t>Front end design</a:t>
-            </a:r>
-            <a:endParaRPr lang="en-US" dirty="0"/>
-          </a:p>
-        </p:txBody>
-      </p:sp>
-      <p:sp>
-        <p:nvSpPr>
-          <p:cNvPr id="3" name="Content Placeholder 2"/>
-          <p:cNvSpPr>
-            <a:spLocks noGrp="1"/>
-          </p:cNvSpPr>
-          <p:nvPr>
-            <p:ph sz="quarter" idx="10"/>
-          </p:nvPr>
-        </p:nvSpPr>
-        <p:spPr/>
-        <p:txBody>
-          <a:bodyPr/>
-          <a:lstStyle/>
-          <a:p>
-            <a:r>
-              <a:rPr lang="en-US" dirty="0" smtClean="0"/>
-              <a:t>Bootstrap MVA</a:t>
-            </a:r>
-          </a:p>
-          <a:p>
-            <a:r>
-              <a:rPr lang="en-US" dirty="0" smtClean="0"/>
-              <a:t>CSS MVA</a:t>
-            </a:r>
-            <a:endParaRPr lang="en-US" dirty="0"/>
-          </a:p>
-        </p:txBody>
-      </p:sp>
-    </p:spTree>
-    <p:extLst>
-      <p:ext uri="{BB962C8B-B14F-4D97-AF65-F5344CB8AC3E}">
-        <p14:creationId xmlns:p14="http://schemas.microsoft.com/office/powerpoint/2010/main" val="2328056341"/>
-      </p:ext>
-    </p:extLst>
-  </p:cSld>
-  <p:clrMapOvr>
-    <a:masterClrMapping/>
-  </p:clrMapOvr>
-</p:sld>
-</file>
-
-<file path=ppt/slides/slide27.xml><?xml version="1.0" encoding="utf-8"?>
-<p:sld xmlns:a="http://schemas.openxmlformats.org/drawingml/2006/main" xmlns:r="http://schemas.openxmlformats.org/officeDocument/2006/relationships" xmlns:p="http://schemas.openxmlformats.org/presentationml/2006/main">
-  <p:cSld>
-    <p:spTree>
-      <p:nvGrpSpPr>
-        <p:cNvPr id="1" name=""/>
-        <p:cNvGrpSpPr/>
-        <p:nvPr/>
-      </p:nvGrpSpPr>
-      <p:grpSpPr>
-        <a:xfrm>
-          <a:off x="0" y="0"/>
-          <a:ext cx="0" cy="0"/>
-          <a:chOff x="0" y="0"/>
-          <a:chExt cx="0" cy="0"/>
-        </a:xfrm>
-      </p:grpSpPr>
-      <p:sp>
-        <p:nvSpPr>
-          <p:cNvPr id="2" name="Title 1"/>
-          <p:cNvSpPr>
-            <a:spLocks noGrp="1"/>
-          </p:cNvSpPr>
-          <p:nvPr>
-            <p:ph type="title"/>
-          </p:nvPr>
-        </p:nvSpPr>
-        <p:spPr/>
-        <p:txBody>
-          <a:bodyPr/>
-          <a:lstStyle/>
-          <a:p>
-            <a:r>
-              <a:rPr lang="en-US" dirty="0" smtClean="0"/>
-              <a:t>Back end design</a:t>
-            </a:r>
-            <a:endParaRPr lang="en-US" dirty="0"/>
-          </a:p>
-        </p:txBody>
-      </p:sp>
-      <p:sp>
-        <p:nvSpPr>
-          <p:cNvPr id="3" name="Content Placeholder 2"/>
-          <p:cNvSpPr>
-            <a:spLocks noGrp="1"/>
-          </p:cNvSpPr>
-          <p:nvPr>
-            <p:ph sz="quarter" idx="10"/>
-          </p:nvPr>
-        </p:nvSpPr>
-        <p:spPr/>
-        <p:txBody>
-          <a:bodyPr/>
-          <a:lstStyle/>
-          <a:p>
-            <a:r>
-              <a:rPr lang="en-US" dirty="0" smtClean="0"/>
-              <a:t>Absolute beginner's guide to C#</a:t>
-            </a:r>
-          </a:p>
-          <a:p>
-            <a:r>
-              <a:rPr lang="en-US" dirty="0" smtClean="0"/>
-              <a:t>Introduction to MVC</a:t>
-            </a:r>
-            <a:endParaRPr lang="en-US" dirty="0"/>
-          </a:p>
-        </p:txBody>
-      </p:sp>
-    </p:spTree>
-    <p:extLst>
-      <p:ext uri="{BB962C8B-B14F-4D97-AF65-F5344CB8AC3E}">
-        <p14:creationId xmlns:p14="http://schemas.microsoft.com/office/powerpoint/2010/main" val="1215635806"/>
-      </p:ext>
-    </p:extLst>
-  </p:cSld>
-  <p:clrMapOvr>
-    <a:masterClrMapping/>
-  </p:clrMapOvr>
 </p:sld>
 </file>
 
@@ -12573,12 +12105,9 @@
 </file>
 
 <file path=customXml/item1.xml><?xml version="1.0" encoding="utf-8"?>
-<?mso-contentType ?>
-<FormTemplates xmlns="http://schemas.microsoft.com/sharepoint/v3/contenttype/forms">
-  <Display>DocumentLibraryForm</Display>
-  <Edit>DocumentLibraryForm</Edit>
-  <New>DocumentLibraryForm</New>
-</FormTemplates>
+<p:properties xmlns:p="http://schemas.microsoft.com/office/2006/metadata/properties" xmlns:xsi="http://www.w3.org/2001/XMLSchema-instance" xmlns:pc="http://schemas.microsoft.com/office/infopath/2007/PartnerControls">
+  <documentManagement/>
+</p:properties>
 </file>
 
 <file path=customXml/item2.xml><?xml version="1.0" encoding="utf-8"?>
@@ -12722,15 +12251,26 @@
 </file>
 
 <file path=customXml/item3.xml><?xml version="1.0" encoding="utf-8"?>
-<p:properties xmlns:p="http://schemas.microsoft.com/office/2006/metadata/properties" xmlns:xsi="http://www.w3.org/2001/XMLSchema-instance" xmlns:pc="http://schemas.microsoft.com/office/infopath/2007/PartnerControls">
-  <documentManagement/>
-</p:properties>
+<?mso-contentType ?>
+<FormTemplates xmlns="http://schemas.microsoft.com/sharepoint/v3/contenttype/forms">
+  <Display>DocumentLibraryForm</Display>
+  <Edit>DocumentLibraryForm</Edit>
+  <New>DocumentLibraryForm</New>
+</FormTemplates>
 </file>
 
 <file path=customXml/itemProps1.xml><?xml version="1.0" encoding="utf-8"?>
-<ds:datastoreItem xmlns:ds="http://schemas.openxmlformats.org/officeDocument/2006/customXml" ds:itemID="{B0CA13EC-1D3C-4D6F-8D1C-E8A452CFC79A}">
+<ds:datastoreItem xmlns:ds="http://schemas.openxmlformats.org/officeDocument/2006/customXml" ds:itemID="{7025FDD9-4C58-4084-9F89-0E6ADD6FFF55}">
   <ds:schemaRefs>
-    <ds:schemaRef ds:uri="http://schemas.microsoft.com/sharepoint/v3/contenttype/forms"/>
+    <ds:schemaRef ds:uri="http://purl.org/dc/terms/"/>
+    <ds:schemaRef ds:uri="http://schemas.openxmlformats.org/package/2006/metadata/core-properties"/>
+    <ds:schemaRef ds:uri="http://schemas.microsoft.com/office/2006/documentManagement/types"/>
+    <ds:schemaRef ds:uri="http://schemas.microsoft.com/office/infopath/2007/PartnerControls"/>
+    <ds:schemaRef ds:uri="http://purl.org/dc/elements/1.1/"/>
+    <ds:schemaRef ds:uri="http://schemas.microsoft.com/office/2006/metadata/properties"/>
+    <ds:schemaRef ds:uri="e5a13ba8-98e3-4f23-a221-7ac9824aa662"/>
+    <ds:schemaRef ds:uri="http://www.w3.org/XML/1998/namespace"/>
+    <ds:schemaRef ds:uri="http://purl.org/dc/dcmitype/"/>
   </ds:schemaRefs>
 </ds:datastoreItem>
 </file>
@@ -12754,17 +12294,9 @@
 </file>
 
 <file path=customXml/itemProps3.xml><?xml version="1.0" encoding="utf-8"?>
-<ds:datastoreItem xmlns:ds="http://schemas.openxmlformats.org/officeDocument/2006/customXml" ds:itemID="{7025FDD9-4C58-4084-9F89-0E6ADD6FFF55}">
+<ds:datastoreItem xmlns:ds="http://schemas.openxmlformats.org/officeDocument/2006/customXml" ds:itemID="{B0CA13EC-1D3C-4D6F-8D1C-E8A452CFC79A}">
   <ds:schemaRefs>
-    <ds:schemaRef ds:uri="http://purl.org/dc/terms/"/>
-    <ds:schemaRef ds:uri="http://schemas.openxmlformats.org/package/2006/metadata/core-properties"/>
-    <ds:schemaRef ds:uri="http://schemas.microsoft.com/office/2006/documentManagement/types"/>
-    <ds:schemaRef ds:uri="http://schemas.microsoft.com/office/infopath/2007/PartnerControls"/>
-    <ds:schemaRef ds:uri="http://purl.org/dc/elements/1.1/"/>
-    <ds:schemaRef ds:uri="http://schemas.microsoft.com/office/2006/metadata/properties"/>
-    <ds:schemaRef ds:uri="e5a13ba8-98e3-4f23-a221-7ac9824aa662"/>
-    <ds:schemaRef ds:uri="http://www.w3.org/XML/1998/namespace"/>
-    <ds:schemaRef ds:uri="http://purl.org/dc/dcmitype/"/>
+    <ds:schemaRef ds:uri="http://schemas.microsoft.com/sharepoint/v3/contenttype/forms"/>
   </ds:schemaRefs>
 </ds:datastoreItem>
 </file>